--- a/数据分析-3-探索性分析.pptx
+++ b/数据分析-3-探索性分析.pptx
@@ -966,11 +966,7 @@
           <a:pPr algn="l"/>
           <a:r>
             <a:rPr lang="en-US" altLang="zh-CN" dirty="0" smtClean="0"/>
-            <a:t>	</a:t>
-          </a:r>
-          <a:r>
-            <a:rPr lang="en-US" altLang="zh-CN" dirty="0" smtClean="0"/>
-            <a:t>1 </a:t>
+            <a:t>	1 </a:t>
           </a:r>
           <a:r>
             <a:rPr lang="zh-CN" altLang="en-US" dirty="0" smtClean="0"/>
@@ -1012,19 +1008,11 @@
           <a:pPr algn="l"/>
           <a:r>
             <a:rPr lang="en-US" altLang="zh-CN" dirty="0" smtClean="0"/>
-            <a:t>	</a:t>
-          </a:r>
-          <a:r>
-            <a:rPr lang="en-US" altLang="zh-CN" dirty="0" smtClean="0"/>
-            <a:t>2 </a:t>
+            <a:t>	2 </a:t>
           </a:r>
           <a:r>
             <a:rPr lang="zh-CN" altLang="en-US" dirty="0" smtClean="0"/>
-            <a:t>变量的统计</a:t>
-          </a:r>
-          <a:r>
-            <a:rPr lang="zh-CN" altLang="en-US" dirty="0" smtClean="0"/>
-            <a:t>描述</a:t>
+            <a:t>变量的统计描述</a:t>
           </a:r>
           <a:endParaRPr lang="zh-CN" altLang="en-US" dirty="0"/>
         </a:p>
@@ -1062,11 +1050,7 @@
           <a:pPr algn="l"/>
           <a:r>
             <a:rPr lang="en-US" altLang="zh-CN" dirty="0" smtClean="0"/>
-            <a:t>	</a:t>
-          </a:r>
-          <a:r>
-            <a:rPr lang="en-US" altLang="zh-CN" dirty="0" smtClean="0"/>
-            <a:t>3 </a:t>
+            <a:t>	3 </a:t>
           </a:r>
           <a:r>
             <a:rPr lang="zh-CN" altLang="en-US" dirty="0" smtClean="0"/>
@@ -1333,11 +1317,7 @@
           </a:pPr>
           <a:r>
             <a:rPr lang="en-US" altLang="zh-CN" sz="3200" kern="1200" dirty="0" smtClean="0"/>
-            <a:t>	</a:t>
-          </a:r>
-          <a:r>
-            <a:rPr lang="en-US" altLang="zh-CN" sz="3200" kern="1200" dirty="0" smtClean="0"/>
-            <a:t>1 </a:t>
+            <a:t>	1 </a:t>
           </a:r>
           <a:r>
             <a:rPr lang="zh-CN" altLang="en-US" sz="3200" kern="1200" dirty="0" smtClean="0"/>
@@ -1472,19 +1452,11 @@
           </a:pPr>
           <a:r>
             <a:rPr lang="en-US" altLang="zh-CN" sz="3200" kern="1200" dirty="0" smtClean="0"/>
-            <a:t>	</a:t>
-          </a:r>
-          <a:r>
-            <a:rPr lang="en-US" altLang="zh-CN" sz="3200" kern="1200" dirty="0" smtClean="0"/>
-            <a:t>2 </a:t>
+            <a:t>	2 </a:t>
           </a:r>
           <a:r>
             <a:rPr lang="zh-CN" altLang="en-US" sz="3200" kern="1200" dirty="0" smtClean="0"/>
-            <a:t>变量的统计</a:t>
-          </a:r>
-          <a:r>
-            <a:rPr lang="zh-CN" altLang="en-US" sz="3200" kern="1200" dirty="0" smtClean="0"/>
-            <a:t>描述</a:t>
+            <a:t>变量的统计描述</a:t>
           </a:r>
           <a:endParaRPr lang="zh-CN" altLang="en-US" sz="3200" kern="1200" dirty="0"/>
         </a:p>
@@ -1615,11 +1587,7 @@
           </a:pPr>
           <a:r>
             <a:rPr lang="en-US" altLang="zh-CN" sz="3200" kern="1200" dirty="0" smtClean="0"/>
-            <a:t>	</a:t>
-          </a:r>
-          <a:r>
-            <a:rPr lang="en-US" altLang="zh-CN" sz="3200" kern="1200" dirty="0" smtClean="0"/>
-            <a:t>3 </a:t>
+            <a:t>	3 </a:t>
           </a:r>
           <a:r>
             <a:rPr lang="zh-CN" altLang="en-US" sz="3200" kern="1200" dirty="0" smtClean="0"/>
@@ -2969,7 +2937,7 @@
           <a:p>
             <a:fld id="{A4A2E15E-7EB3-4355-8E66-2746E283E2DA}" type="datetimeFigureOut">
               <a:rPr lang="zh-CN" altLang="en-US" smtClean="0"/>
-              <a:t>2017/10/5</a:t>
+              <a:t>2017/10/6</a:t>
             </a:fld>
             <a:endParaRPr lang="zh-CN" altLang="en-US"/>
           </a:p>
@@ -3719,7 +3687,7 @@
           <a:p>
             <a:fld id="{EF74752D-595C-4659-BCD6-E2B54286D359}" type="datetimeFigureOut">
               <a:rPr lang="zh-CN" altLang="en-US" smtClean="0"/>
-              <a:t>2017/10/5</a:t>
+              <a:t>2017/10/6</a:t>
             </a:fld>
             <a:endParaRPr lang="zh-CN" altLang="en-US"/>
           </a:p>
@@ -3927,7 +3895,7 @@
           <a:p>
             <a:fld id="{EF74752D-595C-4659-BCD6-E2B54286D359}" type="datetimeFigureOut">
               <a:rPr lang="zh-CN" altLang="en-US" smtClean="0"/>
-              <a:t>2017/10/5</a:t>
+              <a:t>2017/10/6</a:t>
             </a:fld>
             <a:endParaRPr lang="zh-CN" altLang="en-US"/>
           </a:p>
@@ -4183,7 +4151,7 @@
           <a:p>
             <a:fld id="{EF74752D-595C-4659-BCD6-E2B54286D359}" type="datetimeFigureOut">
               <a:rPr lang="zh-CN" altLang="en-US" smtClean="0"/>
-              <a:t>2017/10/5</a:t>
+              <a:t>2017/10/6</a:t>
             </a:fld>
             <a:endParaRPr lang="zh-CN" altLang="en-US"/>
           </a:p>
@@ -4432,7 +4400,7 @@
               <a:pPr>
                 <a:defRPr/>
               </a:pPr>
-              <a:t>2017/10/5</a:t>
+              <a:t>2017/10/6</a:t>
             </a:fld>
             <a:endParaRPr lang="en-US" altLang="zh-CN"/>
           </a:p>
@@ -4758,7 +4726,7 @@
               <a:pPr>
                 <a:defRPr/>
               </a:pPr>
-              <a:t>2017/10/5</a:t>
+              <a:t>2017/10/6</a:t>
             </a:fld>
             <a:endParaRPr lang="en-US" altLang="zh-CN"/>
           </a:p>
@@ -4977,7 +4945,7 @@
           <a:p>
             <a:fld id="{EF74752D-595C-4659-BCD6-E2B54286D359}" type="datetimeFigureOut">
               <a:rPr lang="zh-CN" altLang="en-US" smtClean="0"/>
-              <a:t>2017/10/5</a:t>
+              <a:t>2017/10/6</a:t>
             </a:fld>
             <a:endParaRPr lang="zh-CN" altLang="en-US"/>
           </a:p>
@@ -5319,7 +5287,7 @@
           <a:p>
             <a:fld id="{EF74752D-595C-4659-BCD6-E2B54286D359}" type="datetimeFigureOut">
               <a:rPr lang="zh-CN" altLang="en-US" smtClean="0"/>
-              <a:t>2017/10/5</a:t>
+              <a:t>2017/10/6</a:t>
             </a:fld>
             <a:endParaRPr lang="zh-CN" altLang="en-US"/>
           </a:p>
@@ -5594,7 +5562,7 @@
           <a:p>
             <a:fld id="{EF74752D-595C-4659-BCD6-E2B54286D359}" type="datetimeFigureOut">
               <a:rPr lang="zh-CN" altLang="en-US" smtClean="0"/>
-              <a:t>2017/10/5</a:t>
+              <a:t>2017/10/6</a:t>
             </a:fld>
             <a:endParaRPr lang="zh-CN" altLang="en-US"/>
           </a:p>
@@ -5973,7 +5941,7 @@
           <a:p>
             <a:fld id="{EF74752D-595C-4659-BCD6-E2B54286D359}" type="datetimeFigureOut">
               <a:rPr lang="zh-CN" altLang="en-US" smtClean="0"/>
-              <a:t>2017/10/5</a:t>
+              <a:t>2017/10/6</a:t>
             </a:fld>
             <a:endParaRPr lang="zh-CN" altLang="en-US"/>
           </a:p>
@@ -6091,7 +6059,7 @@
           <a:p>
             <a:fld id="{EF74752D-595C-4659-BCD6-E2B54286D359}" type="datetimeFigureOut">
               <a:rPr lang="zh-CN" altLang="en-US" smtClean="0"/>
-              <a:t>2017/10/5</a:t>
+              <a:t>2017/10/6</a:t>
             </a:fld>
             <a:endParaRPr lang="zh-CN" altLang="en-US"/>
           </a:p>
@@ -6262,7 +6230,7 @@
           <a:p>
             <a:fld id="{EF74752D-595C-4659-BCD6-E2B54286D359}" type="datetimeFigureOut">
               <a:rPr lang="zh-CN" altLang="en-US" smtClean="0"/>
-              <a:t>2017/10/5</a:t>
+              <a:t>2017/10/6</a:t>
             </a:fld>
             <a:endParaRPr lang="zh-CN" altLang="en-US"/>
           </a:p>
@@ -6616,7 +6584,7 @@
           <a:p>
             <a:fld id="{EF74752D-595C-4659-BCD6-E2B54286D359}" type="datetimeFigureOut">
               <a:rPr lang="zh-CN" altLang="en-US" smtClean="0"/>
-              <a:t>2017/10/5</a:t>
+              <a:t>2017/10/6</a:t>
             </a:fld>
             <a:endParaRPr lang="zh-CN" altLang="en-US"/>
           </a:p>
@@ -6998,7 +6966,7 @@
           <a:p>
             <a:fld id="{EF74752D-595C-4659-BCD6-E2B54286D359}" type="datetimeFigureOut">
               <a:rPr lang="zh-CN" altLang="en-US" smtClean="0"/>
-              <a:t>2017/10/5</a:t>
+              <a:t>2017/10/6</a:t>
             </a:fld>
             <a:endParaRPr lang="zh-CN" altLang="en-US"/>
           </a:p>
@@ -7285,7 +7253,7 @@
           <a:p>
             <a:fld id="{EF74752D-595C-4659-BCD6-E2B54286D359}" type="datetimeFigureOut">
               <a:rPr lang="zh-CN" altLang="en-US" smtClean="0"/>
-              <a:t>2017/10/5</a:t>
+              <a:t>2017/10/6</a:t>
             </a:fld>
             <a:endParaRPr lang="zh-CN" altLang="en-US"/>
           </a:p>
@@ -7958,11 +7926,7 @@
             </a:r>
             <a:r>
               <a:rPr lang="zh-CN" altLang="en-US" dirty="0" smtClean="0"/>
-              <a:t>变量</a:t>
-            </a:r>
-            <a:r>
-              <a:rPr lang="zh-CN" altLang="en-US" dirty="0" smtClean="0"/>
-              <a:t>的统计描述</a:t>
+              <a:t>变量的统计描述</a:t>
             </a:r>
             <a:endParaRPr lang="zh-CN" altLang="en-US" dirty="0"/>
           </a:p>
@@ -8746,7 +8710,7 @@
           <a:graphicData uri="http://schemas.openxmlformats.org/presentationml/2006/ole">
             <mc:AlternateContent xmlns:mc="http://schemas.openxmlformats.org/markup-compatibility/2006">
               <mc:Choice xmlns:v="urn:schemas-microsoft-com:vml" Requires="v">
-                <p:oleObj spid="_x0000_s13348" name="Equation" r:id="rId3" imgW="711000" imgH="431640" progId="Equation.DSMT4">
+                <p:oleObj spid="_x0000_s13350" name="Equation" r:id="rId3" imgW="711000" imgH="431640" progId="Equation.DSMT4">
                   <p:embed/>
                 </p:oleObj>
               </mc:Choice>
@@ -8811,7 +8775,7 @@
           <a:graphicData uri="http://schemas.openxmlformats.org/presentationml/2006/ole">
             <mc:AlternateContent xmlns:mc="http://schemas.openxmlformats.org/markup-compatibility/2006">
               <mc:Choice xmlns:v="urn:schemas-microsoft-com:vml" Requires="v">
-                <p:oleObj spid="_x0000_s13349" name="Equation" r:id="rId5" imgW="1701720" imgH="482400" progId="Equation.DSMT4">
+                <p:oleObj spid="_x0000_s13351" name="Equation" r:id="rId5" imgW="1701720" imgH="482400" progId="Equation.DSMT4">
                   <p:embed/>
                 </p:oleObj>
               </mc:Choice>
@@ -9299,7 +9263,7 @@
                 <a:latin typeface="Times New Roman" panose="02020603050405020304" pitchFamily="18" charset="0"/>
               </a:rPr>
               <a:pPr/>
-              <a:t>2017/10/5</a:t>
+              <a:t>2017/10/6</a:t>
             </a:fld>
             <a:endParaRPr lang="en-US" altLang="zh-CN">
               <a:latin typeface="Times New Roman" panose="02020603050405020304" pitchFamily="18" charset="0"/>
@@ -10185,7 +10149,7 @@
                 <a:latin typeface="Times New Roman" panose="02020603050405020304" pitchFamily="18" charset="0"/>
               </a:rPr>
               <a:pPr/>
-              <a:t>2017/10/5</a:t>
+              <a:t>2017/10/6</a:t>
             </a:fld>
             <a:endParaRPr lang="en-US" altLang="zh-CN">
               <a:latin typeface="Times New Roman" panose="02020603050405020304" pitchFamily="18" charset="0"/>
@@ -10500,14 +10464,14 @@
           <a:effectLst/>
           <a:extLst>
             <a:ext uri="{909E8E84-426E-40dd-AFC4-6F175D3DCCD1}">
-              <a14:hiddenFill xmlns:lc="http://schemas.openxmlformats.org/drawingml/2006/lockedCanvas" xmlns:a14="http://schemas.microsoft.com/office/drawing/2010/main" xmlns="">
+              <a14:hiddenFill xmlns="" xmlns:a14="http://schemas.microsoft.com/office/drawing/2010/main" xmlns:lc="http://schemas.openxmlformats.org/drawingml/2006/lockedCanvas">
                 <a:solidFill>
                   <a:schemeClr val="accent1"/>
                 </a:solidFill>
               </a14:hiddenFill>
             </a:ext>
             <a:ext uri="{AF507438-7753-43e0-B8FC-AC1667EBCBE1}">
-              <a14:hiddenEffects xmlns:lc="http://schemas.openxmlformats.org/drawingml/2006/lockedCanvas" xmlns:a14="http://schemas.microsoft.com/office/drawing/2010/main" xmlns="">
+              <a14:hiddenEffects xmlns="" xmlns:a14="http://schemas.microsoft.com/office/drawing/2010/main" xmlns:lc="http://schemas.openxmlformats.org/drawingml/2006/lockedCanvas">
                 <a:effectLst>
                   <a:outerShdw blurRad="63500" dist="12700" dir="2700000" algn="ctr" rotWithShape="0">
                     <a:schemeClr val="hlink">
@@ -11322,7 +11286,7 @@
                 <a:latin typeface="Times New Roman" panose="02020603050405020304" pitchFamily="18" charset="0"/>
               </a:rPr>
               <a:pPr/>
-              <a:t>2017/10/5</a:t>
+              <a:t>2017/10/6</a:t>
             </a:fld>
             <a:endParaRPr lang="en-US" altLang="zh-CN">
               <a:latin typeface="Times New Roman" panose="02020603050405020304" pitchFamily="18" charset="0"/>
@@ -12374,7 +12338,7 @@
           <a:graphicData uri="http://schemas.openxmlformats.org/presentationml/2006/ole">
             <mc:AlternateContent xmlns:mc="http://schemas.openxmlformats.org/markup-compatibility/2006">
               <mc:Choice xmlns:v="urn:schemas-microsoft-com:vml" Requires="v">
-                <p:oleObj spid="_x0000_s14368" name="Equation" r:id="rId5" imgW="990360" imgH="431640" progId="Equation.DSMT4">
+                <p:oleObj spid="_x0000_s14370" name="Equation" r:id="rId5" imgW="990360" imgH="431640" progId="Equation.DSMT4">
                   <p:embed/>
                 </p:oleObj>
               </mc:Choice>
@@ -12439,7 +12403,7 @@
           <a:graphicData uri="http://schemas.openxmlformats.org/presentationml/2006/ole">
             <mc:AlternateContent xmlns:mc="http://schemas.openxmlformats.org/markup-compatibility/2006">
               <mc:Choice xmlns:v="urn:schemas-microsoft-com:vml" Requires="v">
-                <p:oleObj spid="_x0000_s14369" name="Equation" r:id="rId7" imgW="672840" imgH="228600" progId="Equation.DSMT4">
+                <p:oleObj spid="_x0000_s14371" name="Equation" r:id="rId7" imgW="672840" imgH="228600" progId="Equation.DSMT4">
                   <p:embed/>
                 </p:oleObj>
               </mc:Choice>
@@ -12823,7 +12787,7 @@
           <a:graphicData uri="http://schemas.openxmlformats.org/presentationml/2006/ole">
             <mc:AlternateContent xmlns:mc="http://schemas.openxmlformats.org/markup-compatibility/2006">
               <mc:Choice xmlns:v="urn:schemas-microsoft-com:vml" Requires="v">
-                <p:oleObj spid="_x0000_s12335" name="Equation" r:id="rId3" imgW="1155600" imgH="431640" progId="Equation.DSMT4">
+                <p:oleObj spid="_x0000_s12337" name="Equation" r:id="rId3" imgW="1155600" imgH="431640" progId="Equation.DSMT4">
                   <p:embed/>
                 </p:oleObj>
               </mc:Choice>
@@ -12888,7 +12852,7 @@
           <a:graphicData uri="http://schemas.openxmlformats.org/presentationml/2006/ole">
             <mc:AlternateContent xmlns:mc="http://schemas.openxmlformats.org/markup-compatibility/2006">
               <mc:Choice xmlns:v="urn:schemas-microsoft-com:vml" Requires="v">
-                <p:oleObj spid="_x0000_s12336" name="Equation" r:id="rId5" imgW="1257120" imgH="482400" progId="Equation.DSMT4">
+                <p:oleObj spid="_x0000_s12338" name="Equation" r:id="rId5" imgW="1257120" imgH="482400" progId="Equation.DSMT4">
                   <p:embed/>
                 </p:oleObj>
               </mc:Choice>
@@ -13773,7 +13737,7 @@
                 <a:latin typeface="Times New Roman" panose="02020603050405020304" pitchFamily="18" charset="0"/>
               </a:rPr>
               <a:pPr/>
-              <a:t>2017/10/5</a:t>
+              <a:t>2017/10/6</a:t>
             </a:fld>
             <a:endParaRPr lang="en-US" altLang="zh-CN" dirty="0">
               <a:latin typeface="Times New Roman" panose="02020603050405020304" pitchFamily="18" charset="0"/>
@@ -14134,7 +14098,7 @@
           <a:graphicData uri="http://schemas.openxmlformats.org/presentationml/2006/ole">
             <mc:AlternateContent xmlns:mc="http://schemas.openxmlformats.org/markup-compatibility/2006">
               <mc:Choice xmlns:v="urn:schemas-microsoft-com:vml" Requires="v">
-                <p:oleObj spid="_x0000_s16399" name="Equation" r:id="rId4" imgW="2514600" imgH="406080" progId="Equation.DSMT4">
+                <p:oleObj spid="_x0000_s16400" name="Equation" r:id="rId4" imgW="2514600" imgH="406080" progId="Equation.DSMT4">
                   <p:embed/>
                 </p:oleObj>
               </mc:Choice>
@@ -14283,7 +14247,7 @@
           <a:graphicData uri="http://schemas.openxmlformats.org/presentationml/2006/ole">
             <mc:AlternateContent xmlns:mc="http://schemas.openxmlformats.org/markup-compatibility/2006">
               <mc:Choice xmlns:v="urn:schemas-microsoft-com:vml" Requires="v">
-                <p:oleObj spid="_x0000_s15373" name="工作表" r:id="rId3" imgW="8505749" imgH="3124200" progId="Excel.Sheet.8">
+                <p:oleObj spid="_x0000_s15374" name="工作表" r:id="rId3" imgW="8505749" imgH="3124200" progId="Excel.Sheet.8">
                   <p:embed/>
                 </p:oleObj>
               </mc:Choice>
@@ -14504,7 +14468,7 @@
                 <a:latin typeface="Times New Roman" panose="02020603050405020304" pitchFamily="18" charset="0"/>
               </a:rPr>
               <a:pPr/>
-              <a:t>2017/10/5</a:t>
+              <a:t>2017/10/6</a:t>
             </a:fld>
             <a:endParaRPr lang="en-US" altLang="zh-CN">
               <a:latin typeface="Times New Roman" panose="02020603050405020304" pitchFamily="18" charset="0"/>
@@ -14955,7 +14919,7 @@
           <a:graphicData uri="http://schemas.openxmlformats.org/presentationml/2006/ole">
             <mc:AlternateContent xmlns:mc="http://schemas.openxmlformats.org/markup-compatibility/2006">
               <mc:Choice xmlns:v="urn:schemas-microsoft-com:vml" Requires="v">
-                <p:oleObj spid="_x0000_s17420" name="Equation" r:id="rId3" imgW="1777680" imgH="901440" progId="Equation.DSMT4">
+                <p:oleObj spid="_x0000_s17421" name="Equation" r:id="rId3" imgW="1777680" imgH="901440" progId="Equation.DSMT4">
                   <p:embed/>
                 </p:oleObj>
               </mc:Choice>
@@ -17019,6 +16983,10 @@
           <a:bodyPr/>
           <a:lstStyle/>
           <a:p>
+            <a:r>
+              <a:rPr lang="zh-CN" altLang="en-US" smtClean="0"/>
+              <a:t>抽样的理论基础</a:t>
+            </a:r>
             <a:endParaRPr lang="zh-CN" altLang="en-US" dirty="0"/>
           </a:p>
         </p:txBody>
@@ -17604,7 +17572,7 @@
           <a:graphicData uri="http://schemas.openxmlformats.org/presentationml/2006/ole">
             <mc:AlternateContent xmlns:mc="http://schemas.openxmlformats.org/markup-compatibility/2006">
               <mc:Choice xmlns:v="urn:schemas-microsoft-com:vml" Requires="v">
-                <p:oleObj spid="_x0000_s6224" name="Equation" r:id="rId3" imgW="634725" imgH="393529" progId="Equation.DSMT4">
+                <p:oleObj spid="_x0000_s6225" name="Equation" r:id="rId3" imgW="634725" imgH="393529" progId="Equation.DSMT4">
                   <p:embed/>
                 </p:oleObj>
               </mc:Choice>
@@ -18297,14 +18265,14 @@
           <a:effectLst/>
           <a:extLst>
             <a:ext uri="{909E8E84-426E-40dd-AFC4-6F175D3DCCD1}">
-              <a14:hiddenFill xmlns:lc="http://schemas.openxmlformats.org/drawingml/2006/lockedCanvas" xmlns:a14="http://schemas.microsoft.com/office/drawing/2010/main" xmlns="">
+              <a14:hiddenFill xmlns="" xmlns:a14="http://schemas.microsoft.com/office/drawing/2010/main" xmlns:lc="http://schemas.openxmlformats.org/drawingml/2006/lockedCanvas">
                 <a:solidFill>
                   <a:schemeClr val="accent1"/>
                 </a:solidFill>
               </a14:hiddenFill>
             </a:ext>
             <a:ext uri="{AF507438-7753-43e0-B8FC-AC1667EBCBE1}">
-              <a14:hiddenEffects xmlns:lc="http://schemas.openxmlformats.org/drawingml/2006/lockedCanvas" xmlns:a14="http://schemas.microsoft.com/office/drawing/2010/main" xmlns="">
+              <a14:hiddenEffects xmlns="" xmlns:a14="http://schemas.microsoft.com/office/drawing/2010/main" xmlns:lc="http://schemas.openxmlformats.org/drawingml/2006/lockedCanvas">
                 <a:effectLst>
                   <a:outerShdw blurRad="63500" dist="12700" dir="2700000" algn="ctr" rotWithShape="0">
                     <a:schemeClr val="hlink">
@@ -19559,7 +19527,7 @@
           <a:graphicData uri="http://schemas.openxmlformats.org/presentationml/2006/ole">
             <mc:AlternateContent xmlns:mc="http://schemas.openxmlformats.org/markup-compatibility/2006">
               <mc:Choice xmlns:v="urn:schemas-microsoft-com:vml" Requires="v">
-                <p:oleObj spid="_x0000_s9300" name="Equation" r:id="rId3" imgW="1155600" imgH="393480" progId="Equation.DSMT4">
+                <p:oleObj spid="_x0000_s9302" name="Equation" r:id="rId3" imgW="1155600" imgH="393480" progId="Equation.DSMT4">
                   <p:embed/>
                 </p:oleObj>
               </mc:Choice>
@@ -19616,7 +19584,7 @@
           <a:graphicData uri="http://schemas.openxmlformats.org/presentationml/2006/ole">
             <mc:AlternateContent xmlns:mc="http://schemas.openxmlformats.org/markup-compatibility/2006">
               <mc:Choice xmlns:v="urn:schemas-microsoft-com:vml" Requires="v">
-                <p:oleObj spid="_x0000_s9301" name="Equation" r:id="rId5" imgW="672840" imgH="406080" progId="Equation.DSMT4">
+                <p:oleObj spid="_x0000_s9303" name="Equation" r:id="rId5" imgW="672840" imgH="406080" progId="Equation.DSMT4">
                   <p:embed/>
                 </p:oleObj>
               </mc:Choice>

--- a/数据分析-3-探索性分析.pptx
+++ b/数据分析-3-探索性分析.pptx
@@ -966,7 +966,11 @@
           <a:pPr algn="l"/>
           <a:r>
             <a:rPr lang="en-US" altLang="zh-CN" dirty="0" smtClean="0"/>
-            <a:t>	1 </a:t>
+            <a:t>	</a:t>
+          </a:r>
+          <a:r>
+            <a:rPr lang="en-US" altLang="zh-CN" dirty="0" smtClean="0"/>
+            <a:t>1 </a:t>
           </a:r>
           <a:r>
             <a:rPr lang="zh-CN" altLang="en-US" dirty="0" smtClean="0"/>
@@ -1008,11 +1012,19 @@
           <a:pPr algn="l"/>
           <a:r>
             <a:rPr lang="en-US" altLang="zh-CN" dirty="0" smtClean="0"/>
-            <a:t>	2 </a:t>
+            <a:t>	</a:t>
+          </a:r>
+          <a:r>
+            <a:rPr lang="en-US" altLang="zh-CN" dirty="0" smtClean="0"/>
+            <a:t>2 </a:t>
           </a:r>
           <a:r>
             <a:rPr lang="zh-CN" altLang="en-US" dirty="0" smtClean="0"/>
-            <a:t>变量的统计描述</a:t>
+            <a:t>变量的统计</a:t>
+          </a:r>
+          <a:r>
+            <a:rPr lang="zh-CN" altLang="en-US" dirty="0" smtClean="0"/>
+            <a:t>描述</a:t>
           </a:r>
           <a:endParaRPr lang="zh-CN" altLang="en-US" dirty="0"/>
         </a:p>
@@ -1050,7 +1062,11 @@
           <a:pPr algn="l"/>
           <a:r>
             <a:rPr lang="en-US" altLang="zh-CN" dirty="0" smtClean="0"/>
-            <a:t>	3 </a:t>
+            <a:t>	</a:t>
+          </a:r>
+          <a:r>
+            <a:rPr lang="en-US" altLang="zh-CN" dirty="0" smtClean="0"/>
+            <a:t>3 </a:t>
           </a:r>
           <a:r>
             <a:rPr lang="zh-CN" altLang="en-US" dirty="0" smtClean="0"/>
@@ -1317,7 +1333,11 @@
           </a:pPr>
           <a:r>
             <a:rPr lang="en-US" altLang="zh-CN" sz="3200" kern="1200" dirty="0" smtClean="0"/>
-            <a:t>	1 </a:t>
+            <a:t>	</a:t>
+          </a:r>
+          <a:r>
+            <a:rPr lang="en-US" altLang="zh-CN" sz="3200" kern="1200" dirty="0" smtClean="0"/>
+            <a:t>1 </a:t>
           </a:r>
           <a:r>
             <a:rPr lang="zh-CN" altLang="en-US" sz="3200" kern="1200" dirty="0" smtClean="0"/>
@@ -1452,11 +1472,19 @@
           </a:pPr>
           <a:r>
             <a:rPr lang="en-US" altLang="zh-CN" sz="3200" kern="1200" dirty="0" smtClean="0"/>
-            <a:t>	2 </a:t>
+            <a:t>	</a:t>
+          </a:r>
+          <a:r>
+            <a:rPr lang="en-US" altLang="zh-CN" sz="3200" kern="1200" dirty="0" smtClean="0"/>
+            <a:t>2 </a:t>
           </a:r>
           <a:r>
             <a:rPr lang="zh-CN" altLang="en-US" sz="3200" kern="1200" dirty="0" smtClean="0"/>
-            <a:t>变量的统计描述</a:t>
+            <a:t>变量的统计</a:t>
+          </a:r>
+          <a:r>
+            <a:rPr lang="zh-CN" altLang="en-US" sz="3200" kern="1200" dirty="0" smtClean="0"/>
+            <a:t>描述</a:t>
           </a:r>
           <a:endParaRPr lang="zh-CN" altLang="en-US" sz="3200" kern="1200" dirty="0"/>
         </a:p>
@@ -1587,7 +1615,11 @@
           </a:pPr>
           <a:r>
             <a:rPr lang="en-US" altLang="zh-CN" sz="3200" kern="1200" dirty="0" smtClean="0"/>
-            <a:t>	3 </a:t>
+            <a:t>	</a:t>
+          </a:r>
+          <a:r>
+            <a:rPr lang="en-US" altLang="zh-CN" sz="3200" kern="1200" dirty="0" smtClean="0"/>
+            <a:t>3 </a:t>
           </a:r>
           <a:r>
             <a:rPr lang="zh-CN" altLang="en-US" sz="3200" kern="1200" dirty="0" smtClean="0"/>
@@ -2937,7 +2969,7 @@
           <a:p>
             <a:fld id="{A4A2E15E-7EB3-4355-8E66-2746E283E2DA}" type="datetimeFigureOut">
               <a:rPr lang="zh-CN" altLang="en-US" smtClean="0"/>
-              <a:t>2017/10/6</a:t>
+              <a:t>2017/10/5</a:t>
             </a:fld>
             <a:endParaRPr lang="zh-CN" altLang="en-US"/>
           </a:p>
@@ -3687,7 +3719,7 @@
           <a:p>
             <a:fld id="{EF74752D-595C-4659-BCD6-E2B54286D359}" type="datetimeFigureOut">
               <a:rPr lang="zh-CN" altLang="en-US" smtClean="0"/>
-              <a:t>2017/10/6</a:t>
+              <a:t>2017/10/5</a:t>
             </a:fld>
             <a:endParaRPr lang="zh-CN" altLang="en-US"/>
           </a:p>
@@ -3895,7 +3927,7 @@
           <a:p>
             <a:fld id="{EF74752D-595C-4659-BCD6-E2B54286D359}" type="datetimeFigureOut">
               <a:rPr lang="zh-CN" altLang="en-US" smtClean="0"/>
-              <a:t>2017/10/6</a:t>
+              <a:t>2017/10/5</a:t>
             </a:fld>
             <a:endParaRPr lang="zh-CN" altLang="en-US"/>
           </a:p>
@@ -4151,7 +4183,7 @@
           <a:p>
             <a:fld id="{EF74752D-595C-4659-BCD6-E2B54286D359}" type="datetimeFigureOut">
               <a:rPr lang="zh-CN" altLang="en-US" smtClean="0"/>
-              <a:t>2017/10/6</a:t>
+              <a:t>2017/10/5</a:t>
             </a:fld>
             <a:endParaRPr lang="zh-CN" altLang="en-US"/>
           </a:p>
@@ -4400,7 +4432,7 @@
               <a:pPr>
                 <a:defRPr/>
               </a:pPr>
-              <a:t>2017/10/6</a:t>
+              <a:t>2017/10/5</a:t>
             </a:fld>
             <a:endParaRPr lang="en-US" altLang="zh-CN"/>
           </a:p>
@@ -4726,7 +4758,7 @@
               <a:pPr>
                 <a:defRPr/>
               </a:pPr>
-              <a:t>2017/10/6</a:t>
+              <a:t>2017/10/5</a:t>
             </a:fld>
             <a:endParaRPr lang="en-US" altLang="zh-CN"/>
           </a:p>
@@ -4945,7 +4977,7 @@
           <a:p>
             <a:fld id="{EF74752D-595C-4659-BCD6-E2B54286D359}" type="datetimeFigureOut">
               <a:rPr lang="zh-CN" altLang="en-US" smtClean="0"/>
-              <a:t>2017/10/6</a:t>
+              <a:t>2017/10/5</a:t>
             </a:fld>
             <a:endParaRPr lang="zh-CN" altLang="en-US"/>
           </a:p>
@@ -5287,7 +5319,7 @@
           <a:p>
             <a:fld id="{EF74752D-595C-4659-BCD6-E2B54286D359}" type="datetimeFigureOut">
               <a:rPr lang="zh-CN" altLang="en-US" smtClean="0"/>
-              <a:t>2017/10/6</a:t>
+              <a:t>2017/10/5</a:t>
             </a:fld>
             <a:endParaRPr lang="zh-CN" altLang="en-US"/>
           </a:p>
@@ -5562,7 +5594,7 @@
           <a:p>
             <a:fld id="{EF74752D-595C-4659-BCD6-E2B54286D359}" type="datetimeFigureOut">
               <a:rPr lang="zh-CN" altLang="en-US" smtClean="0"/>
-              <a:t>2017/10/6</a:t>
+              <a:t>2017/10/5</a:t>
             </a:fld>
             <a:endParaRPr lang="zh-CN" altLang="en-US"/>
           </a:p>
@@ -5941,7 +5973,7 @@
           <a:p>
             <a:fld id="{EF74752D-595C-4659-BCD6-E2B54286D359}" type="datetimeFigureOut">
               <a:rPr lang="zh-CN" altLang="en-US" smtClean="0"/>
-              <a:t>2017/10/6</a:t>
+              <a:t>2017/10/5</a:t>
             </a:fld>
             <a:endParaRPr lang="zh-CN" altLang="en-US"/>
           </a:p>
@@ -6059,7 +6091,7 @@
           <a:p>
             <a:fld id="{EF74752D-595C-4659-BCD6-E2B54286D359}" type="datetimeFigureOut">
               <a:rPr lang="zh-CN" altLang="en-US" smtClean="0"/>
-              <a:t>2017/10/6</a:t>
+              <a:t>2017/10/5</a:t>
             </a:fld>
             <a:endParaRPr lang="zh-CN" altLang="en-US"/>
           </a:p>
@@ -6230,7 +6262,7 @@
           <a:p>
             <a:fld id="{EF74752D-595C-4659-BCD6-E2B54286D359}" type="datetimeFigureOut">
               <a:rPr lang="zh-CN" altLang="en-US" smtClean="0"/>
-              <a:t>2017/10/6</a:t>
+              <a:t>2017/10/5</a:t>
             </a:fld>
             <a:endParaRPr lang="zh-CN" altLang="en-US"/>
           </a:p>
@@ -6584,7 +6616,7 @@
           <a:p>
             <a:fld id="{EF74752D-595C-4659-BCD6-E2B54286D359}" type="datetimeFigureOut">
               <a:rPr lang="zh-CN" altLang="en-US" smtClean="0"/>
-              <a:t>2017/10/6</a:t>
+              <a:t>2017/10/5</a:t>
             </a:fld>
             <a:endParaRPr lang="zh-CN" altLang="en-US"/>
           </a:p>
@@ -6966,7 +6998,7 @@
           <a:p>
             <a:fld id="{EF74752D-595C-4659-BCD6-E2B54286D359}" type="datetimeFigureOut">
               <a:rPr lang="zh-CN" altLang="en-US" smtClean="0"/>
-              <a:t>2017/10/6</a:t>
+              <a:t>2017/10/5</a:t>
             </a:fld>
             <a:endParaRPr lang="zh-CN" altLang="en-US"/>
           </a:p>
@@ -7253,7 +7285,7 @@
           <a:p>
             <a:fld id="{EF74752D-595C-4659-BCD6-E2B54286D359}" type="datetimeFigureOut">
               <a:rPr lang="zh-CN" altLang="en-US" smtClean="0"/>
-              <a:t>2017/10/6</a:t>
+              <a:t>2017/10/5</a:t>
             </a:fld>
             <a:endParaRPr lang="zh-CN" altLang="en-US"/>
           </a:p>
@@ -7926,7 +7958,11 @@
             </a:r>
             <a:r>
               <a:rPr lang="zh-CN" altLang="en-US" dirty="0" smtClean="0"/>
-              <a:t>变量的统计描述</a:t>
+              <a:t>变量</a:t>
+            </a:r>
+            <a:r>
+              <a:rPr lang="zh-CN" altLang="en-US" dirty="0" smtClean="0"/>
+              <a:t>的统计描述</a:t>
             </a:r>
             <a:endParaRPr lang="zh-CN" altLang="en-US" dirty="0"/>
           </a:p>
@@ -8710,7 +8746,7 @@
           <a:graphicData uri="http://schemas.openxmlformats.org/presentationml/2006/ole">
             <mc:AlternateContent xmlns:mc="http://schemas.openxmlformats.org/markup-compatibility/2006">
               <mc:Choice xmlns:v="urn:schemas-microsoft-com:vml" Requires="v">
-                <p:oleObj spid="_x0000_s13350" name="Equation" r:id="rId3" imgW="711000" imgH="431640" progId="Equation.DSMT4">
+                <p:oleObj spid="_x0000_s13348" name="Equation" r:id="rId3" imgW="711000" imgH="431640" progId="Equation.DSMT4">
                   <p:embed/>
                 </p:oleObj>
               </mc:Choice>
@@ -8775,7 +8811,7 @@
           <a:graphicData uri="http://schemas.openxmlformats.org/presentationml/2006/ole">
             <mc:AlternateContent xmlns:mc="http://schemas.openxmlformats.org/markup-compatibility/2006">
               <mc:Choice xmlns:v="urn:schemas-microsoft-com:vml" Requires="v">
-                <p:oleObj spid="_x0000_s13351" name="Equation" r:id="rId5" imgW="1701720" imgH="482400" progId="Equation.DSMT4">
+                <p:oleObj spid="_x0000_s13349" name="Equation" r:id="rId5" imgW="1701720" imgH="482400" progId="Equation.DSMT4">
                   <p:embed/>
                 </p:oleObj>
               </mc:Choice>
@@ -9263,7 +9299,7 @@
                 <a:latin typeface="Times New Roman" panose="02020603050405020304" pitchFamily="18" charset="0"/>
               </a:rPr>
               <a:pPr/>
-              <a:t>2017/10/6</a:t>
+              <a:t>2017/10/5</a:t>
             </a:fld>
             <a:endParaRPr lang="en-US" altLang="zh-CN">
               <a:latin typeface="Times New Roman" panose="02020603050405020304" pitchFamily="18" charset="0"/>
@@ -10149,7 +10185,7 @@
                 <a:latin typeface="Times New Roman" panose="02020603050405020304" pitchFamily="18" charset="0"/>
               </a:rPr>
               <a:pPr/>
-              <a:t>2017/10/6</a:t>
+              <a:t>2017/10/5</a:t>
             </a:fld>
             <a:endParaRPr lang="en-US" altLang="zh-CN">
               <a:latin typeface="Times New Roman" panose="02020603050405020304" pitchFamily="18" charset="0"/>
@@ -10464,14 +10500,14 @@
           <a:effectLst/>
           <a:extLst>
             <a:ext uri="{909E8E84-426E-40dd-AFC4-6F175D3DCCD1}">
-              <a14:hiddenFill xmlns="" xmlns:a14="http://schemas.microsoft.com/office/drawing/2010/main" xmlns:lc="http://schemas.openxmlformats.org/drawingml/2006/lockedCanvas">
+              <a14:hiddenFill xmlns:lc="http://schemas.openxmlformats.org/drawingml/2006/lockedCanvas" xmlns:a14="http://schemas.microsoft.com/office/drawing/2010/main" xmlns="">
                 <a:solidFill>
                   <a:schemeClr val="accent1"/>
                 </a:solidFill>
               </a14:hiddenFill>
             </a:ext>
             <a:ext uri="{AF507438-7753-43e0-B8FC-AC1667EBCBE1}">
-              <a14:hiddenEffects xmlns="" xmlns:a14="http://schemas.microsoft.com/office/drawing/2010/main" xmlns:lc="http://schemas.openxmlformats.org/drawingml/2006/lockedCanvas">
+              <a14:hiddenEffects xmlns:lc="http://schemas.openxmlformats.org/drawingml/2006/lockedCanvas" xmlns:a14="http://schemas.microsoft.com/office/drawing/2010/main" xmlns="">
                 <a:effectLst>
                   <a:outerShdw blurRad="63500" dist="12700" dir="2700000" algn="ctr" rotWithShape="0">
                     <a:schemeClr val="hlink">
@@ -11286,7 +11322,7 @@
                 <a:latin typeface="Times New Roman" panose="02020603050405020304" pitchFamily="18" charset="0"/>
               </a:rPr>
               <a:pPr/>
-              <a:t>2017/10/6</a:t>
+              <a:t>2017/10/5</a:t>
             </a:fld>
             <a:endParaRPr lang="en-US" altLang="zh-CN">
               <a:latin typeface="Times New Roman" panose="02020603050405020304" pitchFamily="18" charset="0"/>
@@ -12338,7 +12374,7 @@
           <a:graphicData uri="http://schemas.openxmlformats.org/presentationml/2006/ole">
             <mc:AlternateContent xmlns:mc="http://schemas.openxmlformats.org/markup-compatibility/2006">
               <mc:Choice xmlns:v="urn:schemas-microsoft-com:vml" Requires="v">
-                <p:oleObj spid="_x0000_s14370" name="Equation" r:id="rId5" imgW="990360" imgH="431640" progId="Equation.DSMT4">
+                <p:oleObj spid="_x0000_s14368" name="Equation" r:id="rId5" imgW="990360" imgH="431640" progId="Equation.DSMT4">
                   <p:embed/>
                 </p:oleObj>
               </mc:Choice>
@@ -12403,7 +12439,7 @@
           <a:graphicData uri="http://schemas.openxmlformats.org/presentationml/2006/ole">
             <mc:AlternateContent xmlns:mc="http://schemas.openxmlformats.org/markup-compatibility/2006">
               <mc:Choice xmlns:v="urn:schemas-microsoft-com:vml" Requires="v">
-                <p:oleObj spid="_x0000_s14371" name="Equation" r:id="rId7" imgW="672840" imgH="228600" progId="Equation.DSMT4">
+                <p:oleObj spid="_x0000_s14369" name="Equation" r:id="rId7" imgW="672840" imgH="228600" progId="Equation.DSMT4">
                   <p:embed/>
                 </p:oleObj>
               </mc:Choice>
@@ -12787,7 +12823,7 @@
           <a:graphicData uri="http://schemas.openxmlformats.org/presentationml/2006/ole">
             <mc:AlternateContent xmlns:mc="http://schemas.openxmlformats.org/markup-compatibility/2006">
               <mc:Choice xmlns:v="urn:schemas-microsoft-com:vml" Requires="v">
-                <p:oleObj spid="_x0000_s12337" name="Equation" r:id="rId3" imgW="1155600" imgH="431640" progId="Equation.DSMT4">
+                <p:oleObj spid="_x0000_s12335" name="Equation" r:id="rId3" imgW="1155600" imgH="431640" progId="Equation.DSMT4">
                   <p:embed/>
                 </p:oleObj>
               </mc:Choice>
@@ -12852,7 +12888,7 @@
           <a:graphicData uri="http://schemas.openxmlformats.org/presentationml/2006/ole">
             <mc:AlternateContent xmlns:mc="http://schemas.openxmlformats.org/markup-compatibility/2006">
               <mc:Choice xmlns:v="urn:schemas-microsoft-com:vml" Requires="v">
-                <p:oleObj spid="_x0000_s12338" name="Equation" r:id="rId5" imgW="1257120" imgH="482400" progId="Equation.DSMT4">
+                <p:oleObj spid="_x0000_s12336" name="Equation" r:id="rId5" imgW="1257120" imgH="482400" progId="Equation.DSMT4">
                   <p:embed/>
                 </p:oleObj>
               </mc:Choice>
@@ -13737,7 +13773,7 @@
                 <a:latin typeface="Times New Roman" panose="02020603050405020304" pitchFamily="18" charset="0"/>
               </a:rPr>
               <a:pPr/>
-              <a:t>2017/10/6</a:t>
+              <a:t>2017/10/5</a:t>
             </a:fld>
             <a:endParaRPr lang="en-US" altLang="zh-CN" dirty="0">
               <a:latin typeface="Times New Roman" panose="02020603050405020304" pitchFamily="18" charset="0"/>
@@ -14098,7 +14134,7 @@
           <a:graphicData uri="http://schemas.openxmlformats.org/presentationml/2006/ole">
             <mc:AlternateContent xmlns:mc="http://schemas.openxmlformats.org/markup-compatibility/2006">
               <mc:Choice xmlns:v="urn:schemas-microsoft-com:vml" Requires="v">
-                <p:oleObj spid="_x0000_s16400" name="Equation" r:id="rId4" imgW="2514600" imgH="406080" progId="Equation.DSMT4">
+                <p:oleObj spid="_x0000_s16399" name="Equation" r:id="rId4" imgW="2514600" imgH="406080" progId="Equation.DSMT4">
                   <p:embed/>
                 </p:oleObj>
               </mc:Choice>
@@ -14247,7 +14283,7 @@
           <a:graphicData uri="http://schemas.openxmlformats.org/presentationml/2006/ole">
             <mc:AlternateContent xmlns:mc="http://schemas.openxmlformats.org/markup-compatibility/2006">
               <mc:Choice xmlns:v="urn:schemas-microsoft-com:vml" Requires="v">
-                <p:oleObj spid="_x0000_s15374" name="工作表" r:id="rId3" imgW="8505749" imgH="3124200" progId="Excel.Sheet.8">
+                <p:oleObj spid="_x0000_s15373" name="工作表" r:id="rId3" imgW="8505749" imgH="3124200" progId="Excel.Sheet.8">
                   <p:embed/>
                 </p:oleObj>
               </mc:Choice>
@@ -14468,7 +14504,7 @@
                 <a:latin typeface="Times New Roman" panose="02020603050405020304" pitchFamily="18" charset="0"/>
               </a:rPr>
               <a:pPr/>
-              <a:t>2017/10/6</a:t>
+              <a:t>2017/10/5</a:t>
             </a:fld>
             <a:endParaRPr lang="en-US" altLang="zh-CN">
               <a:latin typeface="Times New Roman" panose="02020603050405020304" pitchFamily="18" charset="0"/>
@@ -14919,7 +14955,7 @@
           <a:graphicData uri="http://schemas.openxmlformats.org/presentationml/2006/ole">
             <mc:AlternateContent xmlns:mc="http://schemas.openxmlformats.org/markup-compatibility/2006">
               <mc:Choice xmlns:v="urn:schemas-microsoft-com:vml" Requires="v">
-                <p:oleObj spid="_x0000_s17421" name="Equation" r:id="rId3" imgW="1777680" imgH="901440" progId="Equation.DSMT4">
+                <p:oleObj spid="_x0000_s17420" name="Equation" r:id="rId3" imgW="1777680" imgH="901440" progId="Equation.DSMT4">
                   <p:embed/>
                 </p:oleObj>
               </mc:Choice>
@@ -16983,10 +17019,6 @@
           <a:bodyPr/>
           <a:lstStyle/>
           <a:p>
-            <a:r>
-              <a:rPr lang="zh-CN" altLang="en-US" smtClean="0"/>
-              <a:t>抽样的理论基础</a:t>
-            </a:r>
             <a:endParaRPr lang="zh-CN" altLang="en-US" dirty="0"/>
           </a:p>
         </p:txBody>
@@ -17572,7 +17604,7 @@
           <a:graphicData uri="http://schemas.openxmlformats.org/presentationml/2006/ole">
             <mc:AlternateContent xmlns:mc="http://schemas.openxmlformats.org/markup-compatibility/2006">
               <mc:Choice xmlns:v="urn:schemas-microsoft-com:vml" Requires="v">
-                <p:oleObj spid="_x0000_s6225" name="Equation" r:id="rId3" imgW="634725" imgH="393529" progId="Equation.DSMT4">
+                <p:oleObj spid="_x0000_s6224" name="Equation" r:id="rId3" imgW="634725" imgH="393529" progId="Equation.DSMT4">
                   <p:embed/>
                 </p:oleObj>
               </mc:Choice>
@@ -18265,14 +18297,14 @@
           <a:effectLst/>
           <a:extLst>
             <a:ext uri="{909E8E84-426E-40dd-AFC4-6F175D3DCCD1}">
-              <a14:hiddenFill xmlns="" xmlns:a14="http://schemas.microsoft.com/office/drawing/2010/main" xmlns:lc="http://schemas.openxmlformats.org/drawingml/2006/lockedCanvas">
+              <a14:hiddenFill xmlns:lc="http://schemas.openxmlformats.org/drawingml/2006/lockedCanvas" xmlns:a14="http://schemas.microsoft.com/office/drawing/2010/main" xmlns="">
                 <a:solidFill>
                   <a:schemeClr val="accent1"/>
                 </a:solidFill>
               </a14:hiddenFill>
             </a:ext>
             <a:ext uri="{AF507438-7753-43e0-B8FC-AC1667EBCBE1}">
-              <a14:hiddenEffects xmlns="" xmlns:a14="http://schemas.microsoft.com/office/drawing/2010/main" xmlns:lc="http://schemas.openxmlformats.org/drawingml/2006/lockedCanvas">
+              <a14:hiddenEffects xmlns:lc="http://schemas.openxmlformats.org/drawingml/2006/lockedCanvas" xmlns:a14="http://schemas.microsoft.com/office/drawing/2010/main" xmlns="">
                 <a:effectLst>
                   <a:outerShdw blurRad="63500" dist="12700" dir="2700000" algn="ctr" rotWithShape="0">
                     <a:schemeClr val="hlink">
@@ -19527,7 +19559,7 @@
           <a:graphicData uri="http://schemas.openxmlformats.org/presentationml/2006/ole">
             <mc:AlternateContent xmlns:mc="http://schemas.openxmlformats.org/markup-compatibility/2006">
               <mc:Choice xmlns:v="urn:schemas-microsoft-com:vml" Requires="v">
-                <p:oleObj spid="_x0000_s9302" name="Equation" r:id="rId3" imgW="1155600" imgH="393480" progId="Equation.DSMT4">
+                <p:oleObj spid="_x0000_s9300" name="Equation" r:id="rId3" imgW="1155600" imgH="393480" progId="Equation.DSMT4">
                   <p:embed/>
                 </p:oleObj>
               </mc:Choice>
@@ -19584,7 +19616,7 @@
           <a:graphicData uri="http://schemas.openxmlformats.org/presentationml/2006/ole">
             <mc:AlternateContent xmlns:mc="http://schemas.openxmlformats.org/markup-compatibility/2006">
               <mc:Choice xmlns:v="urn:schemas-microsoft-com:vml" Requires="v">
-                <p:oleObj spid="_x0000_s9303" name="Equation" r:id="rId5" imgW="672840" imgH="406080" progId="Equation.DSMT4">
+                <p:oleObj spid="_x0000_s9301" name="Equation" r:id="rId5" imgW="672840" imgH="406080" progId="Equation.DSMT4">
                   <p:embed/>
                 </p:oleObj>
               </mc:Choice>

--- a/数据分析-3-探索性分析.pptx
+++ b/数据分析-3-探索性分析.pptx
@@ -5,7 +5,7 @@
     <p:sldMasterId id="2147483660" r:id="rId1"/>
   </p:sldMasterIdLst>
   <p:notesMasterIdLst>
-    <p:notesMasterId r:id="rId33"/>
+    <p:notesMasterId r:id="rId34"/>
   </p:notesMasterIdLst>
   <p:sldIdLst>
     <p:sldId id="257" r:id="rId2"/>
@@ -20,25 +20,26 @@
     <p:sldId id="291" r:id="rId11"/>
     <p:sldId id="349" r:id="rId12"/>
     <p:sldId id="350" r:id="rId13"/>
-    <p:sldId id="304" r:id="rId14"/>
-    <p:sldId id="340" r:id="rId15"/>
-    <p:sldId id="331" r:id="rId16"/>
-    <p:sldId id="330" r:id="rId17"/>
-    <p:sldId id="310" r:id="rId18"/>
-    <p:sldId id="351" r:id="rId19"/>
-    <p:sldId id="352" r:id="rId20"/>
-    <p:sldId id="332" r:id="rId21"/>
-    <p:sldId id="307" r:id="rId22"/>
-    <p:sldId id="334" r:id="rId23"/>
-    <p:sldId id="325" r:id="rId24"/>
-    <p:sldId id="336" r:id="rId25"/>
-    <p:sldId id="299" r:id="rId26"/>
-    <p:sldId id="347" r:id="rId27"/>
-    <p:sldId id="343" r:id="rId28"/>
-    <p:sldId id="342" r:id="rId29"/>
-    <p:sldId id="341" r:id="rId30"/>
-    <p:sldId id="345" r:id="rId31"/>
-    <p:sldId id="346" r:id="rId32"/>
+    <p:sldId id="353" r:id="rId14"/>
+    <p:sldId id="304" r:id="rId15"/>
+    <p:sldId id="340" r:id="rId16"/>
+    <p:sldId id="331" r:id="rId17"/>
+    <p:sldId id="330" r:id="rId18"/>
+    <p:sldId id="310" r:id="rId19"/>
+    <p:sldId id="351" r:id="rId20"/>
+    <p:sldId id="352" r:id="rId21"/>
+    <p:sldId id="332" r:id="rId22"/>
+    <p:sldId id="307" r:id="rId23"/>
+    <p:sldId id="334" r:id="rId24"/>
+    <p:sldId id="325" r:id="rId25"/>
+    <p:sldId id="336" r:id="rId26"/>
+    <p:sldId id="299" r:id="rId27"/>
+    <p:sldId id="347" r:id="rId28"/>
+    <p:sldId id="343" r:id="rId29"/>
+    <p:sldId id="342" r:id="rId30"/>
+    <p:sldId id="341" r:id="rId31"/>
+    <p:sldId id="345" r:id="rId32"/>
+    <p:sldId id="346" r:id="rId33"/>
   </p:sldIdLst>
   <p:sldSz cx="12192000" cy="6858000"/>
   <p:notesSz cx="6858000" cy="9144000"/>
@@ -14592,13 +14593,13 @@
   <p:clrMapOvr>
     <a:masterClrMapping/>
   </p:clrMapOvr>
-  <mc:AlternateContent xmlns:mc="http://schemas.openxmlformats.org/markup-compatibility/2006">
-    <mc:Choice xmlns:p14="http://schemas.microsoft.com/office/powerpoint/2010/main" Requires="p14">
+  <mc:AlternateContent xmlns:mc="http://schemas.openxmlformats.org/markup-compatibility/2006" xmlns:p14="http://schemas.microsoft.com/office/powerpoint/2010/main">
+    <mc:Choice Requires="p14">
       <p:transition spd="med" p14:dur="700">
         <p:fade/>
       </p:transition>
     </mc:Choice>
-    <mc:Fallback>
+    <mc:Fallback xmlns="">
       <p:transition spd="med">
         <p:fade/>
       </p:transition>
@@ -14796,7 +14797,7 @@
           <a:graphicData uri="http://schemas.openxmlformats.org/presentationml/2006/ole">
             <mc:AlternateContent xmlns:mc="http://schemas.openxmlformats.org/markup-compatibility/2006">
               <mc:Choice xmlns:v="urn:schemas-microsoft-com:vml" Requires="v">
-                <p:oleObj spid="_x0000_s9340" name="Equation" r:id="rId3" imgW="1155600" imgH="393480" progId="Equation.DSMT4">
+                <p:oleObj spid="_x0000_s9344" name="Equation" r:id="rId3" imgW="1155600" imgH="393480" progId="Equation.DSMT4">
                   <p:embed/>
                 </p:oleObj>
               </mc:Choice>
@@ -14853,7 +14854,7 @@
           <a:graphicData uri="http://schemas.openxmlformats.org/presentationml/2006/ole">
             <mc:AlternateContent xmlns:mc="http://schemas.openxmlformats.org/markup-compatibility/2006">
               <mc:Choice xmlns:v="urn:schemas-microsoft-com:vml" Requires="v">
-                <p:oleObj spid="_x0000_s9341" name="Equation" r:id="rId5" imgW="672840" imgH="406080" progId="Equation.DSMT4">
+                <p:oleObj spid="_x0000_s9345" name="Equation" r:id="rId5" imgW="672840" imgH="406080" progId="Equation.DSMT4">
                   <p:embed/>
                 </p:oleObj>
               </mc:Choice>
@@ -14978,11 +14979,11 @@
   <p:clrMapOvr>
     <a:masterClrMapping/>
   </p:clrMapOvr>
-  <mc:AlternateContent xmlns:mc="http://schemas.openxmlformats.org/markup-compatibility/2006">
-    <mc:Choice xmlns:p14="http://schemas.microsoft.com/office/powerpoint/2010/main" Requires="p14">
+  <mc:AlternateContent xmlns:mc="http://schemas.openxmlformats.org/markup-compatibility/2006" xmlns:p14="http://schemas.microsoft.com/office/powerpoint/2010/main">
+    <mc:Choice Requires="p14">
       <p:transition spd="slow" p14:dur="2000"/>
     </mc:Choice>
-    <mc:Fallback>
+    <mc:Fallback xmlns="">
       <p:transition spd="slow"/>
     </mc:Fallback>
   </mc:AlternateContent>
@@ -15663,11 +15664,11 @@
   <p:clrMapOvr>
     <a:masterClrMapping/>
   </p:clrMapOvr>
-  <mc:AlternateContent xmlns:mc="http://schemas.openxmlformats.org/markup-compatibility/2006">
-    <mc:Choice xmlns:p14="http://schemas.microsoft.com/office/powerpoint/2010/main" Requires="p14">
+  <mc:AlternateContent xmlns:mc="http://schemas.openxmlformats.org/markup-compatibility/2006" xmlns:p14="http://schemas.microsoft.com/office/powerpoint/2010/main">
+    <mc:Choice Requires="p14">
       <p:transition spd="slow" p14:dur="2000"/>
     </mc:Choice>
-    <mc:Fallback>
+    <mc:Fallback xmlns="">
       <p:transition spd="slow"/>
     </mc:Fallback>
   </mc:AlternateContent>
@@ -16125,22 +16126,24 @@
         </p:nvSpPr>
         <p:spPr/>
         <p:txBody>
-          <a:bodyPr/>
+          <a:bodyPr>
+            <a:normAutofit/>
+          </a:bodyPr>
           <a:lstStyle/>
           <a:p>
             <a:r>
-              <a:rPr lang="zh-CN" altLang="en-US" dirty="0" smtClean="0"/>
+              <a:rPr lang="zh-CN" altLang="en-US" sz="3200" dirty="0" smtClean="0"/>
               <a:t>可视化</a:t>
             </a:r>
             <a:r>
-              <a:rPr lang="en-US" altLang="zh-CN" dirty="0" smtClean="0"/>
+              <a:rPr lang="en-US" altLang="zh-CN" sz="3200" dirty="0" smtClean="0"/>
               <a:t>-</a:t>
             </a:r>
             <a:r>
-              <a:rPr lang="zh-CN" altLang="en-US" dirty="0" smtClean="0"/>
+              <a:rPr lang="zh-CN" altLang="en-US" sz="3200" dirty="0" smtClean="0"/>
               <a:t>分组与条形图</a:t>
             </a:r>
-            <a:endParaRPr lang="zh-CN" altLang="en-US" dirty="0"/>
+            <a:endParaRPr lang="zh-CN" altLang="en-US" sz="3200" dirty="0"/>
           </a:p>
         </p:txBody>
       </p:sp>
@@ -16272,6 +16275,583 @@
         </p:nvSpPr>
         <p:spPr/>
         <p:txBody>
+          <a:bodyPr/>
+          <a:lstStyle/>
+          <a:p>
+            <a:r>
+              <a:rPr lang="en-US" altLang="zh-CN" dirty="0" smtClean="0"/>
+              <a:t>2</a:t>
+            </a:r>
+            <a:r>
+              <a:rPr lang="zh-CN" altLang="en-US" dirty="0" smtClean="0"/>
+              <a:t>统计描述</a:t>
+            </a:r>
+            <a:endParaRPr lang="zh-CN" altLang="en-US" dirty="0"/>
+          </a:p>
+        </p:txBody>
+      </p:sp>
+      <p:sp>
+        <p:nvSpPr>
+          <p:cNvPr id="3" name="内容占位符 2"/>
+          <p:cNvSpPr>
+            <a:spLocks noGrp="1"/>
+          </p:cNvSpPr>
+          <p:nvPr>
+            <p:ph idx="1"/>
+          </p:nvPr>
+        </p:nvSpPr>
+        <p:spPr/>
+        <p:txBody>
+          <a:bodyPr/>
+          <a:lstStyle/>
+          <a:p>
+            <a:r>
+              <a:rPr lang="zh-CN" altLang="en-US" dirty="0" smtClean="0"/>
+              <a:t>统计量</a:t>
+            </a:r>
+            <a:endParaRPr lang="en-US" altLang="zh-CN" dirty="0" smtClean="0"/>
+          </a:p>
+          <a:p>
+            <a:r>
+              <a:rPr lang="zh-CN" altLang="en-US" dirty="0" smtClean="0"/>
+              <a:t>变量的特征</a:t>
+            </a:r>
+            <a:endParaRPr lang="en-US" altLang="zh-CN" dirty="0" smtClean="0"/>
+          </a:p>
+          <a:p>
+            <a:r>
+              <a:rPr lang="zh-CN" altLang="en-US" dirty="0" smtClean="0"/>
+              <a:t>对象的分布</a:t>
+            </a:r>
+            <a:endParaRPr lang="zh-CN" altLang="en-US" dirty="0"/>
+          </a:p>
+        </p:txBody>
+      </p:sp>
+      <p:pic>
+        <p:nvPicPr>
+          <p:cNvPr id="4" name="Picture 9"/>
+          <p:cNvPicPr>
+            <a:picLocks noChangeAspect="1" noChangeArrowheads="1"/>
+          </p:cNvPicPr>
+          <p:nvPr/>
+        </p:nvPicPr>
+        <p:blipFill>
+          <a:blip r:embed="rId2">
+            <a:extLst>
+              <a:ext uri="{28A0092B-C50C-407E-A947-70E740481C1C}">
+                <a14:useLocalDpi xmlns:a14="http://schemas.microsoft.com/office/drawing/2010/main" val="0"/>
+              </a:ext>
+            </a:extLst>
+          </a:blip>
+          <a:srcRect/>
+          <a:stretch>
+            <a:fillRect/>
+          </a:stretch>
+        </p:blipFill>
+        <p:spPr bwMode="auto">
+          <a:xfrm>
+            <a:off x="8240751" y="1845734"/>
+            <a:ext cx="3427413" cy="2284413"/>
+          </a:xfrm>
+          <a:prstGeom prst="rect">
+            <a:avLst/>
+          </a:prstGeom>
+          <a:noFill/>
+          <a:ln>
+            <a:noFill/>
+          </a:ln>
+          <a:effectLst/>
+          <a:extLst>
+            <a:ext uri="{909E8E84-426E-40DD-AFC4-6F175D3DCCD1}">
+              <a14:hiddenFill xmlns:a14="http://schemas.microsoft.com/office/drawing/2010/main">
+                <a:solidFill>
+                  <a:schemeClr val="accent1"/>
+                </a:solidFill>
+              </a14:hiddenFill>
+            </a:ext>
+            <a:ext uri="{91240B29-F687-4F45-9708-019B960494DF}">
+              <a14:hiddenLine xmlns:a14="http://schemas.microsoft.com/office/drawing/2010/main" w="12700">
+                <a:solidFill>
+                  <a:schemeClr val="tx1"/>
+                </a:solidFill>
+                <a:miter lim="800000"/>
+                <a:headEnd/>
+                <a:tailEnd/>
+              </a14:hiddenLine>
+            </a:ext>
+            <a:ext uri="{AF507438-7753-43E0-B8FC-AC1667EBCBE1}">
+              <a14:hiddenEffects xmlns:a14="http://schemas.microsoft.com/office/drawing/2010/main">
+                <a:effectLst>
+                  <a:outerShdw dist="35921" dir="2700000" algn="ctr" rotWithShape="0">
+                    <a:schemeClr val="bg2"/>
+                  </a:outerShdw>
+                </a:effectLst>
+              </a14:hiddenEffects>
+            </a:ext>
+          </a:extLst>
+        </p:spPr>
+      </p:pic>
+      <p:sp>
+        <p:nvSpPr>
+          <p:cNvPr id="5" name="Rectangle 8"/>
+          <p:cNvSpPr>
+            <a:spLocks noChangeArrowheads="1"/>
+          </p:cNvSpPr>
+          <p:nvPr/>
+        </p:nvSpPr>
+        <p:spPr bwMode="auto">
+          <a:xfrm>
+            <a:off x="8240751" y="4421770"/>
+            <a:ext cx="3733800" cy="1569660"/>
+          </a:xfrm>
+          <a:prstGeom prst="rect">
+            <a:avLst/>
+          </a:prstGeom>
+          <a:noFill/>
+          <a:ln>
+            <a:noFill/>
+          </a:ln>
+          <a:effectLst/>
+          <a:extLst>
+            <a:ext uri="{909E8E84-426E-40DD-AFC4-6F175D3DCCD1}">
+              <a14:hiddenFill xmlns:a14="http://schemas.microsoft.com/office/drawing/2010/main">
+                <a:solidFill>
+                  <a:schemeClr val="accent1"/>
+                </a:solidFill>
+              </a14:hiddenFill>
+            </a:ext>
+            <a:ext uri="{91240B29-F687-4F45-9708-019B960494DF}">
+              <a14:hiddenLine xmlns:a14="http://schemas.microsoft.com/office/drawing/2010/main" w="12700">
+                <a:solidFill>
+                  <a:schemeClr val="tx1"/>
+                </a:solidFill>
+                <a:miter lim="800000"/>
+                <a:headEnd/>
+                <a:tailEnd/>
+              </a14:hiddenLine>
+            </a:ext>
+            <a:ext uri="{AF507438-7753-43E0-B8FC-AC1667EBCBE1}">
+              <a14:hiddenEffects xmlns:a14="http://schemas.microsoft.com/office/drawing/2010/main">
+                <a:effectLst>
+                  <a:outerShdw dist="35921" dir="2700000" algn="ctr" rotWithShape="0">
+                    <a:schemeClr val="bg2"/>
+                  </a:outerShdw>
+                </a:effectLst>
+              </a14:hiddenEffects>
+            </a:ext>
+          </a:extLst>
+        </p:spPr>
+        <p:txBody>
+          <a:bodyPr>
+            <a:spAutoFit/>
+          </a:bodyPr>
+          <a:lstStyle/>
+          <a:p>
+            <a:pPr>
+              <a:lnSpc>
+                <a:spcPct val="100000"/>
+              </a:lnSpc>
+              <a:spcAft>
+                <a:spcPct val="0"/>
+              </a:spcAft>
+              <a:buClrTx/>
+              <a:buSzTx/>
+              <a:buFontTx/>
+              <a:buNone/>
+            </a:pPr>
+            <a:r>
+              <a:rPr lang="en-US" altLang="zh-CN" sz="1600" dirty="0" err="1">
+                <a:latin typeface="Times New Roman" panose="02020603050405020304" pitchFamily="18" charset="0"/>
+                <a:ea typeface="宋体" panose="02010600030101010101" pitchFamily="2" charset="-122"/>
+              </a:rPr>
+              <a:t>Virginica</a:t>
+            </a:r>
+            <a:r>
+              <a:rPr lang="en-US" altLang="zh-CN" sz="1600" dirty="0">
+                <a:latin typeface="Times New Roman" panose="02020603050405020304" pitchFamily="18" charset="0"/>
+                <a:ea typeface="宋体" panose="02010600030101010101" pitchFamily="2" charset="-122"/>
+              </a:rPr>
+              <a:t>. Robert H. </a:t>
+            </a:r>
+            <a:r>
+              <a:rPr lang="en-US" altLang="zh-CN" sz="1600" dirty="0" err="1">
+                <a:latin typeface="Times New Roman" panose="02020603050405020304" pitchFamily="18" charset="0"/>
+                <a:ea typeface="宋体" panose="02010600030101010101" pitchFamily="2" charset="-122"/>
+              </a:rPr>
+              <a:t>Mohlenbrock</a:t>
+            </a:r>
+            <a:r>
+              <a:rPr lang="en-US" altLang="zh-CN" sz="1600" dirty="0">
+                <a:latin typeface="Times New Roman" panose="02020603050405020304" pitchFamily="18" charset="0"/>
+                <a:ea typeface="宋体" panose="02010600030101010101" pitchFamily="2" charset="-122"/>
+              </a:rPr>
+              <a:t>. USDA NRCS. 1995. Northeast wetland flora: Field office guide to plant species. Northeast National Technical Center, Chester, PA. Courtesy of USDA NRCS Wetland Science Institute. </a:t>
+            </a:r>
+          </a:p>
+        </p:txBody>
+      </p:sp>
+      <p:sp>
+        <p:nvSpPr>
+          <p:cNvPr id="6" name="内容占位符 2"/>
+          <p:cNvSpPr txBox="1">
+            <a:spLocks/>
+          </p:cNvSpPr>
+          <p:nvPr/>
+        </p:nvSpPr>
+        <p:spPr>
+          <a:xfrm>
+            <a:off x="5334744" y="2570563"/>
+            <a:ext cx="2906008" cy="3161164"/>
+          </a:xfrm>
+          <a:prstGeom prst="rect">
+            <a:avLst/>
+          </a:prstGeom>
+        </p:spPr>
+        <p:txBody>
+          <a:bodyPr vert="horz" lIns="0" tIns="45720" rIns="0" bIns="45720" rtlCol="0">
+            <a:normAutofit/>
+          </a:bodyPr>
+          <a:lstStyle>
+            <a:lvl1pPr marL="91440" indent="-91440" algn="l" defTabSz="914400" rtl="0" eaLnBrk="1" latinLnBrk="0" hangingPunct="1">
+              <a:lnSpc>
+                <a:spcPct val="90000"/>
+              </a:lnSpc>
+              <a:spcBef>
+                <a:spcPts val="1200"/>
+              </a:spcBef>
+              <a:spcAft>
+                <a:spcPts val="200"/>
+              </a:spcAft>
+              <a:buClr>
+                <a:srgbClr val="7030A0"/>
+              </a:buClr>
+              <a:buSzPct val="100000"/>
+              <a:buFont typeface="Wingdings" panose="05000000000000000000" pitchFamily="2" charset="2"/>
+              <a:buChar char="l"/>
+              <a:defRPr sz="2000" kern="1200">
+                <a:solidFill>
+                  <a:schemeClr val="tx1">
+                    <a:lumMod val="75000"/>
+                    <a:lumOff val="25000"/>
+                  </a:schemeClr>
+                </a:solidFill>
+                <a:latin typeface="+mn-lt"/>
+                <a:ea typeface="+mn-ea"/>
+                <a:cs typeface="+mn-cs"/>
+              </a:defRPr>
+            </a:lvl1pPr>
+            <a:lvl2pPr marL="486918" indent="-285750" algn="l" defTabSz="914400" rtl="0" eaLnBrk="1" latinLnBrk="0" hangingPunct="1">
+              <a:lnSpc>
+                <a:spcPct val="90000"/>
+              </a:lnSpc>
+              <a:spcBef>
+                <a:spcPts val="200"/>
+              </a:spcBef>
+              <a:spcAft>
+                <a:spcPts val="400"/>
+              </a:spcAft>
+              <a:buClr>
+                <a:srgbClr val="002060"/>
+              </a:buClr>
+              <a:buFont typeface="Calibri" panose="020F0502020204030204" pitchFamily="34" charset="0"/>
+              <a:buChar char="—"/>
+              <a:defRPr sz="1800" kern="1200">
+                <a:solidFill>
+                  <a:schemeClr val="tx1">
+                    <a:lumMod val="75000"/>
+                    <a:lumOff val="25000"/>
+                  </a:schemeClr>
+                </a:solidFill>
+                <a:latin typeface="+mn-lt"/>
+                <a:ea typeface="+mn-ea"/>
+                <a:cs typeface="+mn-cs"/>
+              </a:defRPr>
+            </a:lvl2pPr>
+            <a:lvl3pPr marL="726948" indent="-342900" algn="l" defTabSz="914400" rtl="0" eaLnBrk="1" latinLnBrk="0" hangingPunct="1">
+              <a:lnSpc>
+                <a:spcPct val="90000"/>
+              </a:lnSpc>
+              <a:spcBef>
+                <a:spcPts val="200"/>
+              </a:spcBef>
+              <a:spcAft>
+                <a:spcPts val="400"/>
+              </a:spcAft>
+              <a:buClr>
+                <a:srgbClr val="0070C0"/>
+              </a:buClr>
+              <a:buFont typeface="+mj-lt"/>
+              <a:buAutoNum type="arabicPeriod"/>
+              <a:defRPr sz="1400" kern="1200">
+                <a:solidFill>
+                  <a:schemeClr val="tx1">
+                    <a:lumMod val="75000"/>
+                    <a:lumOff val="25000"/>
+                  </a:schemeClr>
+                </a:solidFill>
+                <a:latin typeface="+mn-lt"/>
+                <a:ea typeface="+mn-ea"/>
+                <a:cs typeface="+mn-cs"/>
+              </a:defRPr>
+            </a:lvl3pPr>
+            <a:lvl4pPr marL="749808" indent="-182880" algn="l" defTabSz="914400" rtl="0" eaLnBrk="1" latinLnBrk="0" hangingPunct="1">
+              <a:lnSpc>
+                <a:spcPct val="90000"/>
+              </a:lnSpc>
+              <a:spcBef>
+                <a:spcPts val="200"/>
+              </a:spcBef>
+              <a:spcAft>
+                <a:spcPts val="400"/>
+              </a:spcAft>
+              <a:buClr>
+                <a:schemeClr val="accent1"/>
+              </a:buClr>
+              <a:buFont typeface="Calibri" pitchFamily="34" charset="0"/>
+              <a:buChar char="◦"/>
+              <a:defRPr sz="1400" kern="1200">
+                <a:solidFill>
+                  <a:schemeClr val="tx1">
+                    <a:lumMod val="75000"/>
+                    <a:lumOff val="25000"/>
+                  </a:schemeClr>
+                </a:solidFill>
+                <a:latin typeface="+mn-lt"/>
+                <a:ea typeface="+mn-ea"/>
+                <a:cs typeface="+mn-cs"/>
+              </a:defRPr>
+            </a:lvl4pPr>
+            <a:lvl5pPr marL="932688" indent="-182880" algn="l" defTabSz="914400" rtl="0" eaLnBrk="1" latinLnBrk="0" hangingPunct="1">
+              <a:lnSpc>
+                <a:spcPct val="90000"/>
+              </a:lnSpc>
+              <a:spcBef>
+                <a:spcPts val="200"/>
+              </a:spcBef>
+              <a:spcAft>
+                <a:spcPts val="400"/>
+              </a:spcAft>
+              <a:buClr>
+                <a:schemeClr val="accent1"/>
+              </a:buClr>
+              <a:buFont typeface="Calibri" pitchFamily="34" charset="0"/>
+              <a:buChar char="◦"/>
+              <a:defRPr sz="1400" kern="1200">
+                <a:solidFill>
+                  <a:schemeClr val="tx1">
+                    <a:lumMod val="75000"/>
+                    <a:lumOff val="25000"/>
+                  </a:schemeClr>
+                </a:solidFill>
+                <a:latin typeface="+mn-lt"/>
+                <a:ea typeface="+mn-ea"/>
+                <a:cs typeface="+mn-cs"/>
+              </a:defRPr>
+            </a:lvl5pPr>
+            <a:lvl6pPr marL="1100000" indent="-228600" algn="l" defTabSz="914400" rtl="0" eaLnBrk="1" latinLnBrk="0" hangingPunct="1">
+              <a:lnSpc>
+                <a:spcPct val="90000"/>
+              </a:lnSpc>
+              <a:spcBef>
+                <a:spcPts val="200"/>
+              </a:spcBef>
+              <a:spcAft>
+                <a:spcPts val="400"/>
+              </a:spcAft>
+              <a:buClr>
+                <a:schemeClr val="accent1"/>
+              </a:buClr>
+              <a:buFont typeface="Calibri" pitchFamily="34" charset="0"/>
+              <a:buChar char="◦"/>
+              <a:defRPr sz="1400" kern="1200">
+                <a:solidFill>
+                  <a:schemeClr val="tx1">
+                    <a:lumMod val="75000"/>
+                    <a:lumOff val="25000"/>
+                  </a:schemeClr>
+                </a:solidFill>
+                <a:latin typeface="+mn-lt"/>
+                <a:ea typeface="+mn-ea"/>
+                <a:cs typeface="+mn-cs"/>
+              </a:defRPr>
+            </a:lvl6pPr>
+            <a:lvl7pPr marL="1300000" indent="-228600" algn="l" defTabSz="914400" rtl="0" eaLnBrk="1" latinLnBrk="0" hangingPunct="1">
+              <a:lnSpc>
+                <a:spcPct val="90000"/>
+              </a:lnSpc>
+              <a:spcBef>
+                <a:spcPts val="200"/>
+              </a:spcBef>
+              <a:spcAft>
+                <a:spcPts val="400"/>
+              </a:spcAft>
+              <a:buClr>
+                <a:schemeClr val="accent1"/>
+              </a:buClr>
+              <a:buFont typeface="Calibri" pitchFamily="34" charset="0"/>
+              <a:buChar char="◦"/>
+              <a:defRPr sz="1400" kern="1200">
+                <a:solidFill>
+                  <a:schemeClr val="tx1">
+                    <a:lumMod val="75000"/>
+                    <a:lumOff val="25000"/>
+                  </a:schemeClr>
+                </a:solidFill>
+                <a:latin typeface="+mn-lt"/>
+                <a:ea typeface="+mn-ea"/>
+                <a:cs typeface="+mn-cs"/>
+              </a:defRPr>
+            </a:lvl7pPr>
+            <a:lvl8pPr marL="1500000" indent="-228600" algn="l" defTabSz="914400" rtl="0" eaLnBrk="1" latinLnBrk="0" hangingPunct="1">
+              <a:lnSpc>
+                <a:spcPct val="90000"/>
+              </a:lnSpc>
+              <a:spcBef>
+                <a:spcPts val="200"/>
+              </a:spcBef>
+              <a:spcAft>
+                <a:spcPts val="400"/>
+              </a:spcAft>
+              <a:buClr>
+                <a:schemeClr val="accent1"/>
+              </a:buClr>
+              <a:buFont typeface="Calibri" pitchFamily="34" charset="0"/>
+              <a:buChar char="◦"/>
+              <a:defRPr sz="1400" kern="1200">
+                <a:solidFill>
+                  <a:schemeClr val="tx1">
+                    <a:lumMod val="75000"/>
+                    <a:lumOff val="25000"/>
+                  </a:schemeClr>
+                </a:solidFill>
+                <a:latin typeface="+mn-lt"/>
+                <a:ea typeface="+mn-ea"/>
+                <a:cs typeface="+mn-cs"/>
+              </a:defRPr>
+            </a:lvl8pPr>
+            <a:lvl9pPr marL="1700000" indent="-228600" algn="l" defTabSz="914400" rtl="0" eaLnBrk="1" latinLnBrk="0" hangingPunct="1">
+              <a:lnSpc>
+                <a:spcPct val="90000"/>
+              </a:lnSpc>
+              <a:spcBef>
+                <a:spcPts val="200"/>
+              </a:spcBef>
+              <a:spcAft>
+                <a:spcPts val="400"/>
+              </a:spcAft>
+              <a:buClr>
+                <a:schemeClr val="accent1"/>
+              </a:buClr>
+              <a:buFont typeface="Calibri" pitchFamily="34" charset="0"/>
+              <a:buChar char="◦"/>
+              <a:defRPr sz="1400" kern="1200">
+                <a:solidFill>
+                  <a:schemeClr val="tx1">
+                    <a:lumMod val="75000"/>
+                    <a:lumOff val="25000"/>
+                  </a:schemeClr>
+                </a:solidFill>
+                <a:latin typeface="+mn-lt"/>
+                <a:ea typeface="+mn-ea"/>
+                <a:cs typeface="+mn-cs"/>
+              </a:defRPr>
+            </a:lvl9pPr>
+          </a:lstStyle>
+          <a:p>
+            <a:r>
+              <a:rPr lang="zh-CN" altLang="en-US" smtClean="0"/>
+              <a:t>三种花色</a:t>
+            </a:r>
+            <a:endParaRPr lang="en-US" altLang="zh-CN" smtClean="0"/>
+          </a:p>
+          <a:p>
+            <a:pPr lvl="1"/>
+            <a:r>
+              <a:rPr lang="en-US" altLang="zh-CN" smtClean="0"/>
+              <a:t>Setosa</a:t>
+            </a:r>
+          </a:p>
+          <a:p>
+            <a:pPr lvl="1"/>
+            <a:r>
+              <a:rPr lang="en-US" altLang="zh-CN" smtClean="0"/>
+              <a:t>Virginica</a:t>
+            </a:r>
+          </a:p>
+          <a:p>
+            <a:pPr lvl="1"/>
+            <a:r>
+              <a:rPr lang="en-US" altLang="zh-CN" smtClean="0"/>
+              <a:t>Versicolour</a:t>
+            </a:r>
+          </a:p>
+          <a:p>
+            <a:r>
+              <a:rPr lang="zh-CN" altLang="en-US" smtClean="0"/>
+              <a:t>四个属性</a:t>
+            </a:r>
+            <a:endParaRPr lang="en-US" altLang="zh-CN" smtClean="0"/>
+          </a:p>
+          <a:p>
+            <a:pPr lvl="1"/>
+            <a:r>
+              <a:rPr lang="zh-CN" altLang="en-US" smtClean="0"/>
+              <a:t>萼片的宽度、长度</a:t>
+            </a:r>
+            <a:endParaRPr lang="en-US" altLang="zh-CN" smtClean="0"/>
+          </a:p>
+          <a:p>
+            <a:pPr lvl="1"/>
+            <a:r>
+              <a:rPr lang="zh-CN" altLang="en-US" smtClean="0"/>
+              <a:t>花瓣的宽度、长度</a:t>
+            </a:r>
+            <a:endParaRPr lang="zh-CN" altLang="en-US" dirty="0"/>
+          </a:p>
+        </p:txBody>
+      </p:sp>
+    </p:spTree>
+    <p:extLst>
+      <p:ext uri="{BB962C8B-B14F-4D97-AF65-F5344CB8AC3E}">
+        <p14:creationId xmlns:p14="http://schemas.microsoft.com/office/powerpoint/2010/main" val="986515776"/>
+      </p:ext>
+    </p:extLst>
+  </p:cSld>
+  <p:clrMapOvr>
+    <a:masterClrMapping/>
+  </p:clrMapOvr>
+</p:sld>
+</file>
+
+<file path=ppt/slides/slide14.xml><?xml version="1.0" encoding="utf-8"?>
+<p:sld xmlns:a="http://schemas.openxmlformats.org/drawingml/2006/main" xmlns:r="http://schemas.openxmlformats.org/officeDocument/2006/relationships" xmlns:p="http://schemas.openxmlformats.org/presentationml/2006/main">
+  <p:cSld>
+    <p:spTree>
+      <p:nvGrpSpPr>
+        <p:cNvPr id="1" name=""/>
+        <p:cNvGrpSpPr/>
+        <p:nvPr/>
+      </p:nvGrpSpPr>
+      <p:grpSpPr>
+        <a:xfrm>
+          <a:off x="0" y="0"/>
+          <a:ext cx="0" cy="0"/>
+          <a:chOff x="0" y="0"/>
+          <a:chExt cx="0" cy="0"/>
+        </a:xfrm>
+      </p:grpSpPr>
+      <p:sp>
+        <p:nvSpPr>
+          <p:cNvPr id="2" name="标题 1"/>
+          <p:cNvSpPr>
+            <a:spLocks noGrp="1"/>
+          </p:cNvSpPr>
+          <p:nvPr>
+            <p:ph type="title"/>
+          </p:nvPr>
+        </p:nvSpPr>
+        <p:spPr/>
+        <p:txBody>
           <a:bodyPr>
             <a:normAutofit/>
           </a:bodyPr>
@@ -16577,11 +17157,11 @@
   <p:clrMapOvr>
     <a:masterClrMapping/>
   </p:clrMapOvr>
-  <mc:AlternateContent xmlns:mc="http://schemas.openxmlformats.org/markup-compatibility/2006">
-    <mc:Choice xmlns:p14="http://schemas.microsoft.com/office/powerpoint/2010/main" Requires="p14">
+  <mc:AlternateContent xmlns:mc="http://schemas.openxmlformats.org/markup-compatibility/2006" xmlns:p14="http://schemas.microsoft.com/office/powerpoint/2010/main">
+    <mc:Choice Requires="p14">
       <p:transition spd="slow" p14:dur="2000"/>
     </mc:Choice>
-    <mc:Fallback>
+    <mc:Fallback xmlns="">
       <p:transition spd="slow"/>
     </mc:Fallback>
   </mc:AlternateContent>
@@ -16595,7 +17175,7 @@
 </p:sld>
 </file>
 
-<file path=ppt/slides/slide14.xml><?xml version="1.0" encoding="utf-8"?>
+<file path=ppt/slides/slide15.xml><?xml version="1.0" encoding="utf-8"?>
 <p:sld xmlns:a="http://schemas.openxmlformats.org/drawingml/2006/main" xmlns:r="http://schemas.openxmlformats.org/officeDocument/2006/relationships" xmlns:p="http://schemas.openxmlformats.org/presentationml/2006/main">
   <p:cSld>
     <p:spTree>
@@ -16771,7 +17351,7 @@
           <a:graphicData uri="http://schemas.openxmlformats.org/presentationml/2006/ole">
             <mc:AlternateContent xmlns:mc="http://schemas.openxmlformats.org/markup-compatibility/2006">
               <mc:Choice xmlns:v="urn:schemas-microsoft-com:vml" Requires="v">
-                <p:oleObj spid="_x0000_s13384" name="Equation" r:id="rId3" imgW="711000" imgH="431640" progId="Equation.DSMT4">
+                <p:oleObj spid="_x0000_s13388" name="Equation" r:id="rId3" imgW="711000" imgH="431640" progId="Equation.DSMT4">
                   <p:embed/>
                 </p:oleObj>
               </mc:Choice>
@@ -16836,7 +17416,7 @@
           <a:graphicData uri="http://schemas.openxmlformats.org/presentationml/2006/ole">
             <mc:AlternateContent xmlns:mc="http://schemas.openxmlformats.org/markup-compatibility/2006">
               <mc:Choice xmlns:v="urn:schemas-microsoft-com:vml" Requires="v">
-                <p:oleObj spid="_x0000_s13385" name="Equation" r:id="rId5" imgW="1701720" imgH="482400" progId="Equation.DSMT4">
+                <p:oleObj spid="_x0000_s13389" name="Equation" r:id="rId5" imgW="1701720" imgH="482400" progId="Equation.DSMT4">
                   <p:embed/>
                 </p:oleObj>
               </mc:Choice>
@@ -16889,11 +17469,11 @@
   <p:clrMapOvr>
     <a:masterClrMapping/>
   </p:clrMapOvr>
-  <mc:AlternateContent xmlns:mc="http://schemas.openxmlformats.org/markup-compatibility/2006">
-    <mc:Choice xmlns:p14="http://schemas.microsoft.com/office/powerpoint/2010/main" Requires="p14">
+  <mc:AlternateContent xmlns:mc="http://schemas.openxmlformats.org/markup-compatibility/2006" xmlns:p14="http://schemas.microsoft.com/office/powerpoint/2010/main">
+    <mc:Choice Requires="p14">
       <p:transition spd="slow" p14:dur="2000"/>
     </mc:Choice>
-    <mc:Fallback>
+    <mc:Fallback xmlns="">
       <p:transition spd="slow"/>
     </mc:Fallback>
   </mc:AlternateContent>
@@ -17226,7 +17806,7 @@
 </p:sld>
 </file>
 
-<file path=ppt/slides/slide15.xml><?xml version="1.0" encoding="utf-8"?>
+<file path=ppt/slides/slide16.xml><?xml version="1.0" encoding="utf-8"?>
 <p:sld xmlns:a="http://schemas.openxmlformats.org/drawingml/2006/main" xmlns:r="http://schemas.openxmlformats.org/officeDocument/2006/relationships" xmlns:p="http://schemas.openxmlformats.org/presentationml/2006/main">
   <p:cSld>
     <p:spTree>
@@ -17701,7 +18281,7 @@
                 <a:latin typeface="Times New Roman" panose="02020603050405020304" pitchFamily="18" charset="0"/>
               </a:rPr>
               <a:pPr/>
-              <a:t>15</a:t>
+              <a:t>16</a:t>
             </a:fld>
             <a:endParaRPr lang="en-US" altLang="zh-CN">
               <a:latin typeface="Times New Roman" panose="02020603050405020304" pitchFamily="18" charset="0"/>
@@ -17731,7 +18311,7 @@
           <a:graphicData uri="http://schemas.openxmlformats.org/presentationml/2006/ole">
             <mc:AlternateContent xmlns:mc="http://schemas.openxmlformats.org/markup-compatibility/2006">
               <mc:Choice xmlns:v="urn:schemas-microsoft-com:vml" Requires="v">
-                <p:oleObj spid="_x0000_s18437" name="Equation" r:id="rId4" imgW="3517560" imgH="685800" progId="Equation.DSMT4">
+                <p:oleObj spid="_x0000_s18439" name="Equation" r:id="rId4" imgW="3517560" imgH="685800" progId="Equation.DSMT4">
                   <p:embed/>
                 </p:oleObj>
               </mc:Choice>
@@ -17776,13 +18356,13 @@
   <p:clrMapOvr>
     <a:masterClrMapping/>
   </p:clrMapOvr>
-  <mc:AlternateContent xmlns:mc="http://schemas.openxmlformats.org/markup-compatibility/2006">
-    <mc:Choice xmlns:p14="http://schemas.microsoft.com/office/powerpoint/2010/main" Requires="p14">
+  <mc:AlternateContent xmlns:mc="http://schemas.openxmlformats.org/markup-compatibility/2006" xmlns:p14="http://schemas.microsoft.com/office/powerpoint/2010/main">
+    <mc:Choice Requires="p14">
       <p:transition spd="med" p14:dur="700">
         <p:fade/>
       </p:transition>
     </mc:Choice>
-    <mc:Fallback>
+    <mc:Fallback xmlns="">
       <p:transition spd="med">
         <p:fade/>
       </p:transition>
@@ -17798,7 +18378,7 @@
 </p:sld>
 </file>
 
-<file path=ppt/slides/slide16.xml><?xml version="1.0" encoding="utf-8"?>
+<file path=ppt/slides/slide17.xml><?xml version="1.0" encoding="utf-8"?>
 <p:sld xmlns:a="http://schemas.openxmlformats.org/drawingml/2006/main" xmlns:r="http://schemas.openxmlformats.org/officeDocument/2006/relationships" xmlns:p="http://schemas.openxmlformats.org/presentationml/2006/main">
   <p:cSld>
     <p:spTree>
@@ -18596,7 +19176,7 @@
                 <a:latin typeface="Times New Roman" panose="02020603050405020304" pitchFamily="18" charset="0"/>
               </a:rPr>
               <a:pPr/>
-              <a:t>16</a:t>
+              <a:t>17</a:t>
             </a:fld>
             <a:endParaRPr lang="en-US" altLang="zh-CN">
               <a:latin typeface="Times New Roman" panose="02020603050405020304" pitchFamily="18" charset="0"/>
@@ -18614,13 +19194,13 @@
   <p:clrMapOvr>
     <a:masterClrMapping/>
   </p:clrMapOvr>
-  <mc:AlternateContent xmlns:mc="http://schemas.openxmlformats.org/markup-compatibility/2006">
-    <mc:Choice xmlns:p14="http://schemas.microsoft.com/office/powerpoint/2010/main" Requires="p14">
+  <mc:AlternateContent xmlns:mc="http://schemas.openxmlformats.org/markup-compatibility/2006" xmlns:p14="http://schemas.microsoft.com/office/powerpoint/2010/main">
+    <mc:Choice Requires="p14">
       <p:transition spd="med" p14:dur="700">
         <p:fade/>
       </p:transition>
     </mc:Choice>
-    <mc:Fallback>
+    <mc:Fallback xmlns="">
       <p:transition spd="med">
         <p:fade/>
       </p:transition>
@@ -18636,7 +19216,7 @@
 </p:sld>
 </file>
 
-<file path=ppt/slides/slide17.xml><?xml version="1.0" encoding="utf-8"?>
+<file path=ppt/slides/slide18.xml><?xml version="1.0" encoding="utf-8"?>
 <p:sld xmlns:a="http://schemas.openxmlformats.org/drawingml/2006/main" xmlns:r="http://schemas.openxmlformats.org/officeDocument/2006/relationships" xmlns:p="http://schemas.openxmlformats.org/presentationml/2006/main">
   <p:cSld>
     <p:spTree>
@@ -19111,11 +19691,11 @@
   <p:clrMapOvr>
     <a:masterClrMapping/>
   </p:clrMapOvr>
-  <mc:AlternateContent xmlns:mc="http://schemas.openxmlformats.org/markup-compatibility/2006">
-    <mc:Choice xmlns:p14="http://schemas.microsoft.com/office/powerpoint/2010/main" Requires="p14">
+  <mc:AlternateContent xmlns:mc="http://schemas.openxmlformats.org/markup-compatibility/2006" xmlns:p14="http://schemas.microsoft.com/office/powerpoint/2010/main">
+    <mc:Choice Requires="p14">
       <p:transition spd="slow" p14:dur="2000"/>
     </mc:Choice>
-    <mc:Fallback>
+    <mc:Fallback xmlns="">
       <p:transition spd="slow"/>
     </mc:Fallback>
   </mc:AlternateContent>
@@ -19129,7 +19709,7 @@
 </p:sld>
 </file>
 
-<file path=ppt/slides/slide18.xml><?xml version="1.0" encoding="utf-8"?>
+<file path=ppt/slides/slide19.xml><?xml version="1.0" encoding="utf-8"?>
 <p:sld xmlns:a="http://schemas.openxmlformats.org/drawingml/2006/main" xmlns:r="http://schemas.openxmlformats.org/officeDocument/2006/relationships" xmlns:p="http://schemas.openxmlformats.org/presentationml/2006/main">
   <p:cSld>
     <p:spTree>
@@ -20572,7 +21152,101 @@
 </p:sld>
 </file>
 
-<file path=ppt/slides/slide19.xml><?xml version="1.0" encoding="utf-8"?>
+<file path=ppt/slides/slide2.xml><?xml version="1.0" encoding="utf-8"?>
+<p:sld xmlns:a="http://schemas.openxmlformats.org/drawingml/2006/main" xmlns:r="http://schemas.openxmlformats.org/officeDocument/2006/relationships" xmlns:p="http://schemas.openxmlformats.org/presentationml/2006/main">
+  <p:cSld>
+    <p:spTree>
+      <p:nvGrpSpPr>
+        <p:cNvPr id="1" name=""/>
+        <p:cNvGrpSpPr/>
+        <p:nvPr/>
+      </p:nvGrpSpPr>
+      <p:grpSpPr>
+        <a:xfrm>
+          <a:off x="0" y="0"/>
+          <a:ext cx="0" cy="0"/>
+          <a:chOff x="0" y="0"/>
+          <a:chExt cx="0" cy="0"/>
+        </a:xfrm>
+      </p:grpSpPr>
+      <p:sp>
+        <p:nvSpPr>
+          <p:cNvPr id="2" name="标题 1"/>
+          <p:cNvSpPr>
+            <a:spLocks noGrp="1"/>
+          </p:cNvSpPr>
+          <p:nvPr>
+            <p:ph type="title"/>
+          </p:nvPr>
+        </p:nvSpPr>
+        <p:spPr/>
+        <p:txBody>
+          <a:bodyPr/>
+          <a:lstStyle/>
+          <a:p>
+            <a:pPr algn="ctr"/>
+            <a:r>
+              <a:rPr lang="zh-CN" altLang="en-US" dirty="0" smtClean="0"/>
+              <a:t>第二节 探索性分析</a:t>
+            </a:r>
+            <a:endParaRPr lang="zh-CN" altLang="en-US" dirty="0"/>
+          </a:p>
+        </p:txBody>
+      </p:sp>
+      <p:graphicFrame>
+        <p:nvGraphicFramePr>
+          <p:cNvPr id="4" name="内容占位符 3"/>
+          <p:cNvGraphicFramePr>
+            <a:graphicFrameLocks noGrp="1"/>
+          </p:cNvGraphicFramePr>
+          <p:nvPr>
+            <p:ph idx="1"/>
+            <p:extLst>
+              <p:ext uri="{D42A27DB-BD31-4B8C-83A1-F6EECF244321}">
+                <p14:modId xmlns:p14="http://schemas.microsoft.com/office/powerpoint/2010/main" val="2378869192"/>
+              </p:ext>
+            </p:extLst>
+          </p:nvPr>
+        </p:nvGraphicFramePr>
+        <p:xfrm>
+          <a:off x="1323300" y="1855316"/>
+          <a:ext cx="9069638" cy="2560567"/>
+        </p:xfrm>
+        <a:graphic>
+          <a:graphicData uri="http://schemas.openxmlformats.org/drawingml/2006/diagram">
+            <dgm:relIds xmlns:dgm="http://schemas.openxmlformats.org/drawingml/2006/diagram" xmlns:r="http://schemas.openxmlformats.org/officeDocument/2006/relationships" r:dm="rId2" r:lo="rId3" r:qs="rId4" r:cs="rId5"/>
+          </a:graphicData>
+        </a:graphic>
+      </p:graphicFrame>
+    </p:spTree>
+    <p:extLst>
+      <p:ext uri="{BB962C8B-B14F-4D97-AF65-F5344CB8AC3E}">
+        <p14:creationId xmlns:p14="http://schemas.microsoft.com/office/powerpoint/2010/main" val="2218482943"/>
+      </p:ext>
+    </p:extLst>
+  </p:cSld>
+  <p:clrMapOvr>
+    <a:masterClrMapping/>
+  </p:clrMapOvr>
+  <mc:AlternateContent xmlns:mc="http://schemas.openxmlformats.org/markup-compatibility/2006" xmlns:p14="http://schemas.microsoft.com/office/powerpoint/2010/main">
+    <mc:Choice Requires="p14">
+      <p:transition spd="slow" p14:dur="2000"/>
+    </mc:Choice>
+    <mc:Fallback xmlns="">
+      <p:transition spd="slow"/>
+    </mc:Fallback>
+  </mc:AlternateContent>
+  <p:timing>
+    <p:tnLst>
+      <p:par>
+        <p:cTn id="1" dur="indefinite" restart="never" nodeType="tmRoot"/>
+      </p:par>
+    </p:tnLst>
+  </p:timing>
+</p:sld>
+</file>
+
+<file path=ppt/slides/slide20.xml><?xml version="1.0" encoding="utf-8"?>
 <p:sld xmlns:a="http://schemas.openxmlformats.org/drawingml/2006/main" xmlns:r="http://schemas.openxmlformats.org/officeDocument/2006/relationships" xmlns:p="http://schemas.openxmlformats.org/presentationml/2006/main">
   <p:cSld>
     <p:spTree>
@@ -20711,101 +21385,7 @@
 </p:sld>
 </file>
 
-<file path=ppt/slides/slide2.xml><?xml version="1.0" encoding="utf-8"?>
-<p:sld xmlns:a="http://schemas.openxmlformats.org/drawingml/2006/main" xmlns:r="http://schemas.openxmlformats.org/officeDocument/2006/relationships" xmlns:p="http://schemas.openxmlformats.org/presentationml/2006/main">
-  <p:cSld>
-    <p:spTree>
-      <p:nvGrpSpPr>
-        <p:cNvPr id="1" name=""/>
-        <p:cNvGrpSpPr/>
-        <p:nvPr/>
-      </p:nvGrpSpPr>
-      <p:grpSpPr>
-        <a:xfrm>
-          <a:off x="0" y="0"/>
-          <a:ext cx="0" cy="0"/>
-          <a:chOff x="0" y="0"/>
-          <a:chExt cx="0" cy="0"/>
-        </a:xfrm>
-      </p:grpSpPr>
-      <p:sp>
-        <p:nvSpPr>
-          <p:cNvPr id="2" name="标题 1"/>
-          <p:cNvSpPr>
-            <a:spLocks noGrp="1"/>
-          </p:cNvSpPr>
-          <p:nvPr>
-            <p:ph type="title"/>
-          </p:nvPr>
-        </p:nvSpPr>
-        <p:spPr/>
-        <p:txBody>
-          <a:bodyPr/>
-          <a:lstStyle/>
-          <a:p>
-            <a:pPr algn="ctr"/>
-            <a:r>
-              <a:rPr lang="zh-CN" altLang="en-US" dirty="0" smtClean="0"/>
-              <a:t>第二节 探索性分析</a:t>
-            </a:r>
-            <a:endParaRPr lang="zh-CN" altLang="en-US" dirty="0"/>
-          </a:p>
-        </p:txBody>
-      </p:sp>
-      <p:graphicFrame>
-        <p:nvGraphicFramePr>
-          <p:cNvPr id="4" name="内容占位符 3"/>
-          <p:cNvGraphicFramePr>
-            <a:graphicFrameLocks noGrp="1"/>
-          </p:cNvGraphicFramePr>
-          <p:nvPr>
-            <p:ph idx="1"/>
-            <p:extLst>
-              <p:ext uri="{D42A27DB-BD31-4B8C-83A1-F6EECF244321}">
-                <p14:modId xmlns:p14="http://schemas.microsoft.com/office/powerpoint/2010/main" val="2378869192"/>
-              </p:ext>
-            </p:extLst>
-          </p:nvPr>
-        </p:nvGraphicFramePr>
-        <p:xfrm>
-          <a:off x="1323300" y="1855316"/>
-          <a:ext cx="9069638" cy="2560567"/>
-        </p:xfrm>
-        <a:graphic>
-          <a:graphicData uri="http://schemas.openxmlformats.org/drawingml/2006/diagram">
-            <dgm:relIds xmlns:dgm="http://schemas.openxmlformats.org/drawingml/2006/diagram" xmlns:r="http://schemas.openxmlformats.org/officeDocument/2006/relationships" r:dm="rId2" r:lo="rId3" r:qs="rId4" r:cs="rId5"/>
-          </a:graphicData>
-        </a:graphic>
-      </p:graphicFrame>
-    </p:spTree>
-    <p:extLst>
-      <p:ext uri="{BB962C8B-B14F-4D97-AF65-F5344CB8AC3E}">
-        <p14:creationId xmlns:p14="http://schemas.microsoft.com/office/powerpoint/2010/main" val="2218482943"/>
-      </p:ext>
-    </p:extLst>
-  </p:cSld>
-  <p:clrMapOvr>
-    <a:masterClrMapping/>
-  </p:clrMapOvr>
-  <mc:AlternateContent xmlns:mc="http://schemas.openxmlformats.org/markup-compatibility/2006">
-    <mc:Choice xmlns:p14="http://schemas.microsoft.com/office/powerpoint/2010/main" Requires="p14">
-      <p:transition spd="slow" p14:dur="2000"/>
-    </mc:Choice>
-    <mc:Fallback>
-      <p:transition spd="slow"/>
-    </mc:Fallback>
-  </mc:AlternateContent>
-  <p:timing>
-    <p:tnLst>
-      <p:par>
-        <p:cTn id="1" dur="indefinite" restart="never" nodeType="tmRoot"/>
-      </p:par>
-    </p:tnLst>
-  </p:timing>
-</p:sld>
-</file>
-
-<file path=ppt/slides/slide20.xml><?xml version="1.0" encoding="utf-8"?>
+<file path=ppt/slides/slide21.xml><?xml version="1.0" encoding="utf-8"?>
 <p:sld xmlns:a="http://schemas.openxmlformats.org/drawingml/2006/main" xmlns:r="http://schemas.openxmlformats.org/officeDocument/2006/relationships" xmlns:p="http://schemas.openxmlformats.org/presentationml/2006/main" showMasterPhAnim="0">
   <p:cSld>
     <p:spTree>
@@ -21433,7 +22013,7 @@
                 <a:latin typeface="Times New Roman" panose="02020603050405020304" pitchFamily="18" charset="0"/>
               </a:rPr>
               <a:pPr/>
-              <a:t>20</a:t>
+              <a:t>21</a:t>
             </a:fld>
             <a:endParaRPr lang="en-US" altLang="zh-CN">
               <a:latin typeface="Times New Roman" panose="02020603050405020304" pitchFamily="18" charset="0"/>
@@ -21822,11 +22402,11 @@
   <p:clrMapOvr>
     <a:masterClrMapping/>
   </p:clrMapOvr>
-  <mc:AlternateContent xmlns:mc="http://schemas.openxmlformats.org/markup-compatibility/2006">
-    <mc:Choice xmlns:p14="http://schemas.microsoft.com/office/powerpoint/2010/main" Requires="p14">
+  <mc:AlternateContent xmlns:mc="http://schemas.openxmlformats.org/markup-compatibility/2006" xmlns:p14="http://schemas.microsoft.com/office/powerpoint/2010/main">
+    <mc:Choice Requires="p14">
       <p:transition spd="slow" p14:dur="2000"/>
     </mc:Choice>
-    <mc:Fallback>
+    <mc:Fallback xmlns="">
       <p:transition spd="slow"/>
     </mc:Fallback>
   </mc:AlternateContent>
@@ -21840,7 +22420,7 @@
 </p:sld>
 </file>
 
-<file path=ppt/slides/slide21.xml><?xml version="1.0" encoding="utf-8"?>
+<file path=ppt/slides/slide22.xml><?xml version="1.0" encoding="utf-8"?>
 <p:sld xmlns:a="http://schemas.openxmlformats.org/drawingml/2006/main" xmlns:r="http://schemas.openxmlformats.org/officeDocument/2006/relationships" xmlns:p="http://schemas.openxmlformats.org/presentationml/2006/main">
   <p:cSld>
     <p:spTree>
@@ -22370,11 +22950,11 @@
   <p:clrMapOvr>
     <a:masterClrMapping/>
   </p:clrMapOvr>
-  <mc:AlternateContent xmlns:mc="http://schemas.openxmlformats.org/markup-compatibility/2006">
-    <mc:Choice xmlns:p14="http://schemas.microsoft.com/office/powerpoint/2010/main" Requires="p14">
+  <mc:AlternateContent xmlns:mc="http://schemas.openxmlformats.org/markup-compatibility/2006" xmlns:p14="http://schemas.microsoft.com/office/powerpoint/2010/main">
+    <mc:Choice Requires="p14">
       <p:transition spd="slow" p14:dur="2000"/>
     </mc:Choice>
-    <mc:Fallback>
+    <mc:Fallback xmlns="">
       <p:transition spd="slow"/>
     </mc:Fallback>
   </mc:AlternateContent>
@@ -22798,7 +23378,7 @@
 </p:sld>
 </file>
 
-<file path=ppt/slides/slide22.xml><?xml version="1.0" encoding="utf-8"?>
+<file path=ppt/slides/slide23.xml><?xml version="1.0" encoding="utf-8"?>
 <p:sld xmlns:a="http://schemas.openxmlformats.org/drawingml/2006/main" xmlns:r="http://schemas.openxmlformats.org/officeDocument/2006/relationships" xmlns:p="http://schemas.openxmlformats.org/presentationml/2006/main">
   <p:cSld>
     <p:spTree>
@@ -22960,7 +23540,7 @@
           <a:graphicData uri="http://schemas.openxmlformats.org/presentationml/2006/ole">
             <mc:AlternateContent xmlns:mc="http://schemas.openxmlformats.org/markup-compatibility/2006">
               <mc:Choice xmlns:v="urn:schemas-microsoft-com:vml" Requires="v">
-                <p:oleObj spid="_x0000_s14406" name="Equation" r:id="rId4" imgW="990360" imgH="431640" progId="Equation.DSMT4">
+                <p:oleObj spid="_x0000_s14410" name="Equation" r:id="rId4" imgW="990360" imgH="431640" progId="Equation.DSMT4">
                   <p:embed/>
                 </p:oleObj>
               </mc:Choice>
@@ -23025,7 +23605,7 @@
           <a:graphicData uri="http://schemas.openxmlformats.org/presentationml/2006/ole">
             <mc:AlternateContent xmlns:mc="http://schemas.openxmlformats.org/markup-compatibility/2006">
               <mc:Choice xmlns:v="urn:schemas-microsoft-com:vml" Requires="v">
-                <p:oleObj spid="_x0000_s14407" name="Equation" r:id="rId6" imgW="672840" imgH="228600" progId="Equation.DSMT4">
+                <p:oleObj spid="_x0000_s14411" name="Equation" r:id="rId6" imgW="672840" imgH="228600" progId="Equation.DSMT4">
                   <p:embed/>
                 </p:oleObj>
               </mc:Choice>
@@ -23108,11 +23688,11 @@
   <p:clrMapOvr>
     <a:masterClrMapping/>
   </p:clrMapOvr>
-  <mc:AlternateContent xmlns:mc="http://schemas.openxmlformats.org/markup-compatibility/2006">
-    <mc:Choice xmlns:p14="http://schemas.microsoft.com/office/powerpoint/2010/main" Requires="p14">
+  <mc:AlternateContent xmlns:mc="http://schemas.openxmlformats.org/markup-compatibility/2006" xmlns:p14="http://schemas.microsoft.com/office/powerpoint/2010/main">
+    <mc:Choice Requires="p14">
       <p:transition p14:dur="10"/>
     </mc:Choice>
-    <mc:Fallback>
+    <mc:Fallback xmlns="">
       <p:transition/>
     </mc:Fallback>
   </mc:AlternateContent>
@@ -23441,7 +24021,7 @@
 </p:sld>
 </file>
 
-<file path=ppt/slides/slide23.xml><?xml version="1.0" encoding="utf-8"?>
+<file path=ppt/slides/slide24.xml><?xml version="1.0" encoding="utf-8"?>
 <p:sld xmlns:a="http://schemas.openxmlformats.org/drawingml/2006/main" xmlns:r="http://schemas.openxmlformats.org/officeDocument/2006/relationships" xmlns:p="http://schemas.openxmlformats.org/presentationml/2006/main">
   <p:cSld>
     <p:spTree>
@@ -23617,7 +24197,7 @@
           <a:graphicData uri="http://schemas.openxmlformats.org/presentationml/2006/ole">
             <mc:AlternateContent xmlns:mc="http://schemas.openxmlformats.org/markup-compatibility/2006">
               <mc:Choice xmlns:v="urn:schemas-microsoft-com:vml" Requires="v">
-                <p:oleObj spid="_x0000_s12373" name="Equation" r:id="rId3" imgW="1155600" imgH="431640" progId="Equation.DSMT4">
+                <p:oleObj spid="_x0000_s12377" name="Equation" r:id="rId3" imgW="1155600" imgH="431640" progId="Equation.DSMT4">
                   <p:embed/>
                 </p:oleObj>
               </mc:Choice>
@@ -23682,7 +24262,7 @@
           <a:graphicData uri="http://schemas.openxmlformats.org/presentationml/2006/ole">
             <mc:AlternateContent xmlns:mc="http://schemas.openxmlformats.org/markup-compatibility/2006">
               <mc:Choice xmlns:v="urn:schemas-microsoft-com:vml" Requires="v">
-                <p:oleObj spid="_x0000_s12374" name="Equation" r:id="rId5" imgW="1257120" imgH="482400" progId="Equation.DSMT4">
+                <p:oleObj spid="_x0000_s12378" name="Equation" r:id="rId5" imgW="1257120" imgH="482400" progId="Equation.DSMT4">
                   <p:embed/>
                 </p:oleObj>
               </mc:Choice>
@@ -23846,11 +24426,11 @@
   <p:clrMapOvr>
     <a:masterClrMapping/>
   </p:clrMapOvr>
-  <mc:AlternateContent xmlns:mc="http://schemas.openxmlformats.org/markup-compatibility/2006">
-    <mc:Choice xmlns:p14="http://schemas.microsoft.com/office/powerpoint/2010/main" Requires="p14">
+  <mc:AlternateContent xmlns:mc="http://schemas.openxmlformats.org/markup-compatibility/2006" xmlns:p14="http://schemas.microsoft.com/office/powerpoint/2010/main">
+    <mc:Choice Requires="p14">
       <p:transition spd="slow" p14:dur="2000"/>
     </mc:Choice>
-    <mc:Fallback>
+    <mc:Fallback xmlns="">
       <p:transition spd="slow"/>
     </mc:Fallback>
   </mc:AlternateContent>
@@ -24189,7 +24769,7 @@
 </p:sld>
 </file>
 
-<file path=ppt/slides/slide24.xml><?xml version="1.0" encoding="utf-8"?>
+<file path=ppt/slides/slide25.xml><?xml version="1.0" encoding="utf-8"?>
 <p:sld xmlns:a="http://schemas.openxmlformats.org/drawingml/2006/main" xmlns:r="http://schemas.openxmlformats.org/officeDocument/2006/relationships" xmlns:p="http://schemas.openxmlformats.org/presentationml/2006/main">
   <p:cSld>
     <p:spTree>
@@ -24239,7 +24819,6 @@
               <a:rPr lang="zh-CN" altLang="en-US" sz="3600" dirty="0"/>
               <a:t>：弱化异常值影响</a:t>
             </a:r>
-            <a:endParaRPr lang="zh-CN" altLang="en-US" sz="3600" dirty="0"/>
           </a:p>
         </p:txBody>
       </p:sp>
@@ -24390,11 +24969,11 @@
   <p:clrMapOvr>
     <a:masterClrMapping/>
   </p:clrMapOvr>
-  <mc:AlternateContent xmlns:mc="http://schemas.openxmlformats.org/markup-compatibility/2006">
-    <mc:Choice xmlns:p14="http://schemas.microsoft.com/office/powerpoint/2010/main" Requires="p14">
+  <mc:AlternateContent xmlns:mc="http://schemas.openxmlformats.org/markup-compatibility/2006" xmlns:p14="http://schemas.microsoft.com/office/powerpoint/2010/main">
+    <mc:Choice Requires="p14">
       <p:transition spd="slow" p14:dur="2000"/>
     </mc:Choice>
-    <mc:Fallback>
+    <mc:Fallback xmlns="">
       <p:transition spd="slow"/>
     </mc:Fallback>
   </mc:AlternateContent>
@@ -24408,7 +24987,7 @@
 </p:sld>
 </file>
 
-<file path=ppt/slides/slide25.xml><?xml version="1.0" encoding="utf-8"?>
+<file path=ppt/slides/slide26.xml><?xml version="1.0" encoding="utf-8"?>
 <p:sld xmlns:a="http://schemas.openxmlformats.org/drawingml/2006/main" xmlns:r="http://schemas.openxmlformats.org/officeDocument/2006/relationships" xmlns:p="http://schemas.openxmlformats.org/presentationml/2006/main">
   <p:cSld>
     <p:spTree>
@@ -24507,11 +25086,11 @@
   <p:clrMapOvr>
     <a:masterClrMapping/>
   </p:clrMapOvr>
-  <mc:AlternateContent xmlns:mc="http://schemas.openxmlformats.org/markup-compatibility/2006">
-    <mc:Choice xmlns:p14="http://schemas.microsoft.com/office/powerpoint/2010/main" Requires="p14">
+  <mc:AlternateContent xmlns:mc="http://schemas.openxmlformats.org/markup-compatibility/2006" xmlns:p14="http://schemas.microsoft.com/office/powerpoint/2010/main">
+    <mc:Choice Requires="p14">
       <p:transition spd="slow" p14:dur="2000"/>
     </mc:Choice>
-    <mc:Fallback>
+    <mc:Fallback xmlns="">
       <p:transition spd="slow"/>
     </mc:Fallback>
   </mc:AlternateContent>
@@ -24525,7 +25104,7 @@
 </p:sld>
 </file>
 
-<file path=ppt/slides/slide26.xml><?xml version="1.0" encoding="utf-8"?>
+<file path=ppt/slides/slide27.xml><?xml version="1.0" encoding="utf-8"?>
 <p:sld xmlns:a="http://schemas.openxmlformats.org/drawingml/2006/main" xmlns:r="http://schemas.openxmlformats.org/officeDocument/2006/relationships" xmlns:p="http://schemas.openxmlformats.org/presentationml/2006/main">
   <p:cSld>
     <p:spTree>
@@ -24757,11 +25336,11 @@
   <p:clrMapOvr>
     <a:masterClrMapping/>
   </p:clrMapOvr>
-  <mc:AlternateContent xmlns:mc="http://schemas.openxmlformats.org/markup-compatibility/2006">
-    <mc:Choice xmlns:p14="http://schemas.microsoft.com/office/powerpoint/2010/main" Requires="p14">
+  <mc:AlternateContent xmlns:mc="http://schemas.openxmlformats.org/markup-compatibility/2006" xmlns:p14="http://schemas.microsoft.com/office/powerpoint/2010/main">
+    <mc:Choice Requires="p14">
       <p:transition spd="slow" p14:dur="2000"/>
     </mc:Choice>
-    <mc:Fallback>
+    <mc:Fallback xmlns="">
       <p:transition spd="slow"/>
     </mc:Fallback>
   </mc:AlternateContent>
@@ -24775,7 +25354,7 @@
 </p:sld>
 </file>
 
-<file path=ppt/slides/slide27.xml><?xml version="1.0" encoding="utf-8"?>
+<file path=ppt/slides/slide28.xml><?xml version="1.0" encoding="utf-8"?>
 <p:sld xmlns:a="http://schemas.openxmlformats.org/drawingml/2006/main" xmlns:r="http://schemas.openxmlformats.org/officeDocument/2006/relationships" xmlns:p="http://schemas.openxmlformats.org/presentationml/2006/main">
   <p:cSld>
     <p:spTree>
@@ -25142,7 +25721,7 @@
                 <a:latin typeface="Times New Roman" panose="02020603050405020304" pitchFamily="18" charset="0"/>
               </a:rPr>
               <a:pPr/>
-              <a:t>27</a:t>
+              <a:t>28</a:t>
             </a:fld>
             <a:endParaRPr lang="en-US" altLang="zh-CN">
               <a:latin typeface="Times New Roman" panose="02020603050405020304" pitchFamily="18" charset="0"/>
@@ -25324,7 +25903,7 @@
           <a:graphicData uri="http://schemas.openxmlformats.org/presentationml/2006/ole">
             <mc:AlternateContent xmlns:mc="http://schemas.openxmlformats.org/markup-compatibility/2006">
               <mc:Choice xmlns:v="urn:schemas-microsoft-com:vml" Requires="v">
-                <p:oleObj spid="_x0000_s16417" name="Equation" r:id="rId4" imgW="2514600" imgH="406080" progId="Equation.DSMT4">
+                <p:oleObj spid="_x0000_s16419" name="Equation" r:id="rId4" imgW="2514600" imgH="406080" progId="Equation.DSMT4">
                   <p:embed/>
                 </p:oleObj>
               </mc:Choice>
@@ -25883,7 +26462,7 @@
 </p:sld>
 </file>
 
-<file path=ppt/slides/slide28.xml><?xml version="1.0" encoding="utf-8"?>
+<file path=ppt/slides/slide29.xml><?xml version="1.0" encoding="utf-8"?>
 <p:sld xmlns:a="http://schemas.openxmlformats.org/drawingml/2006/main" xmlns:r="http://schemas.openxmlformats.org/officeDocument/2006/relationships" xmlns:p="http://schemas.openxmlformats.org/presentationml/2006/main">
   <p:cSld>
     <p:spTree>
@@ -25961,7 +26540,7 @@
           <a:graphicData uri="http://schemas.openxmlformats.org/presentationml/2006/ole">
             <mc:AlternateContent xmlns:mc="http://schemas.openxmlformats.org/markup-compatibility/2006">
               <mc:Choice xmlns:v="urn:schemas-microsoft-com:vml" Requires="v">
-                <p:oleObj spid="_x0000_s15391" name="工作表" r:id="rId3" imgW="8505749" imgH="3124200" progId="Excel.Sheet.8">
+                <p:oleObj spid="_x0000_s15393" name="工作表" r:id="rId3" imgW="8505749" imgH="3124200" progId="Excel.Sheet.8">
                   <p:embed/>
                 </p:oleObj>
               </mc:Choice>
@@ -26361,7 +26940,7 @@
                 <a:latin typeface="Times New Roman" panose="02020603050405020304" pitchFamily="18" charset="0"/>
               </a:rPr>
               <a:pPr/>
-              <a:t>28</a:t>
+              <a:t>29</a:t>
             </a:fld>
             <a:endParaRPr lang="en-US" altLang="zh-CN">
               <a:latin typeface="Times New Roman" panose="02020603050405020304" pitchFamily="18" charset="0"/>
@@ -26455,11 +27034,11 @@
   <p:clrMapOvr>
     <a:masterClrMapping/>
   </p:clrMapOvr>
-  <mc:AlternateContent xmlns:mc="http://schemas.openxmlformats.org/markup-compatibility/2006">
-    <mc:Choice xmlns:p14="http://schemas.microsoft.com/office/powerpoint/2010/main" Requires="p14">
+  <mc:AlternateContent xmlns:mc="http://schemas.openxmlformats.org/markup-compatibility/2006" xmlns:p14="http://schemas.microsoft.com/office/powerpoint/2010/main">
+    <mc:Choice Requires="p14">
       <p:transition spd="slow" p14:dur="2000"/>
     </mc:Choice>
-    <mc:Fallback>
+    <mc:Fallback xmlns="">
       <p:transition spd="slow"/>
     </mc:Fallback>
   </mc:AlternateContent>
@@ -26467,313 +27046,6 @@
     <p:tnLst>
       <p:par>
         <p:cTn id="1" dur="indefinite" restart="never" nodeType="tmRoot"/>
-      </p:par>
-    </p:tnLst>
-  </p:timing>
-</p:sld>
-</file>
-
-<file path=ppt/slides/slide29.xml><?xml version="1.0" encoding="utf-8"?>
-<p:sld xmlns:a="http://schemas.openxmlformats.org/drawingml/2006/main" xmlns:r="http://schemas.openxmlformats.org/officeDocument/2006/relationships" xmlns:p="http://schemas.openxmlformats.org/presentationml/2006/main">
-  <p:cSld>
-    <p:spTree>
-      <p:nvGrpSpPr>
-        <p:cNvPr id="1" name=""/>
-        <p:cNvGrpSpPr/>
-        <p:nvPr/>
-      </p:nvGrpSpPr>
-      <p:grpSpPr>
-        <a:xfrm>
-          <a:off x="0" y="0"/>
-          <a:ext cx="0" cy="0"/>
-          <a:chOff x="0" y="0"/>
-          <a:chExt cx="0" cy="0"/>
-        </a:xfrm>
-      </p:grpSpPr>
-      <p:sp>
-        <p:nvSpPr>
-          <p:cNvPr id="2" name="标题 1"/>
-          <p:cNvSpPr>
-            <a:spLocks noGrp="1"/>
-          </p:cNvSpPr>
-          <p:nvPr>
-            <p:ph type="title"/>
-          </p:nvPr>
-        </p:nvSpPr>
-        <p:spPr/>
-        <p:txBody>
-          <a:bodyPr/>
-          <a:lstStyle/>
-          <a:p>
-            <a:r>
-              <a:rPr lang="zh-CN" altLang="en-US" dirty="0" smtClean="0"/>
-              <a:t>*信息熵</a:t>
-            </a:r>
-            <a:endParaRPr lang="zh-CN" altLang="en-US" dirty="0"/>
-          </a:p>
-        </p:txBody>
-      </p:sp>
-      <p:sp>
-        <p:nvSpPr>
-          <p:cNvPr id="3" name="内容占位符 2"/>
-          <p:cNvSpPr>
-            <a:spLocks noGrp="1"/>
-          </p:cNvSpPr>
-          <p:nvPr>
-            <p:ph idx="1"/>
-          </p:nvPr>
-        </p:nvSpPr>
-        <p:spPr>
-          <a:xfrm>
-            <a:off x="511629" y="1845734"/>
-            <a:ext cx="10644051" cy="4023360"/>
-          </a:xfrm>
-        </p:spPr>
-        <p:txBody>
-          <a:bodyPr>
-            <a:normAutofit/>
-          </a:bodyPr>
-          <a:lstStyle/>
-          <a:p>
-            <a:r>
-              <a:rPr lang="zh-CN" altLang="en-US" sz="2400" dirty="0" smtClean="0"/>
-              <a:t>信息熵</a:t>
-            </a:r>
-            <a:r>
-              <a:rPr lang="en-US" altLang="zh-CN" sz="2400" dirty="0" smtClean="0"/>
-              <a:t>(entropy)</a:t>
-            </a:r>
-            <a:r>
-              <a:rPr lang="zh-CN" altLang="en-US" sz="2400" dirty="0" smtClean="0"/>
-              <a:t>：离散随机事件出现的概率</a:t>
-            </a:r>
-            <a:endParaRPr lang="en-US" altLang="zh-CN" sz="2400" dirty="0" smtClean="0"/>
-          </a:p>
-          <a:p>
-            <a:pPr lvl="1"/>
-            <a:r>
-              <a:rPr lang="zh-CN" altLang="en-US" sz="2000" dirty="0" smtClean="0"/>
-              <a:t>衡量事物分布的无序程度</a:t>
-            </a:r>
-            <a:endParaRPr lang="en-US" altLang="zh-CN" sz="2000" dirty="0" smtClean="0"/>
-          </a:p>
-          <a:p>
-            <a:pPr lvl="1"/>
-            <a:r>
-              <a:rPr lang="zh-CN" altLang="en-US" sz="2000" dirty="0"/>
-              <a:t>一个系统越是有序，信息熵就越低，反之一个系统越是混乱，它的信息熵就越高</a:t>
-            </a:r>
-            <a:endParaRPr lang="en-US" altLang="zh-CN" sz="2000" dirty="0" smtClean="0"/>
-          </a:p>
-          <a:p>
-            <a:r>
-              <a:rPr lang="en-US" altLang="zh-CN" sz="2400" dirty="0" smtClean="0">
-                <a:latin typeface="+mn-ea"/>
-              </a:rPr>
-              <a:t>1948</a:t>
-            </a:r>
-            <a:r>
-              <a:rPr lang="zh-CN" altLang="en-US" sz="2400" dirty="0" smtClean="0">
-                <a:latin typeface="+mn-ea"/>
-              </a:rPr>
-              <a:t>年</a:t>
-            </a:r>
-            <a:r>
-              <a:rPr lang="en-US" altLang="zh-CN" sz="2400" dirty="0" smtClean="0">
-                <a:latin typeface="+mn-ea"/>
-              </a:rPr>
-              <a:t>Shannon</a:t>
-            </a:r>
-            <a:r>
-              <a:rPr lang="zh-CN" altLang="en-US" sz="2400" dirty="0" smtClean="0">
-                <a:latin typeface="+mn-ea"/>
-              </a:rPr>
-              <a:t>在信息论中首次引入</a:t>
-            </a:r>
-            <a:r>
-              <a:rPr lang="zh-CN" altLang="en-US" sz="2400" dirty="0">
-                <a:latin typeface="+mn-ea"/>
-              </a:rPr>
-              <a:t>了</a:t>
-            </a:r>
-            <a:r>
-              <a:rPr lang="zh-CN" altLang="en-US" sz="2400" dirty="0" smtClean="0">
-                <a:latin typeface="+mn-ea"/>
-              </a:rPr>
-              <a:t>信息熵</a:t>
-            </a:r>
-            <a:endParaRPr lang="zh-CN" altLang="en-US" sz="2400" dirty="0">
-              <a:latin typeface="+mn-ea"/>
-            </a:endParaRPr>
-          </a:p>
-          <a:p>
-            <a:endParaRPr lang="zh-CN" altLang="en-US" sz="2400" dirty="0"/>
-          </a:p>
-        </p:txBody>
-      </p:sp>
-      <p:graphicFrame>
-        <p:nvGraphicFramePr>
-          <p:cNvPr id="4" name="对象 3"/>
-          <p:cNvGraphicFramePr>
-            <a:graphicFrameLocks noChangeAspect="1"/>
-          </p:cNvGraphicFramePr>
-          <p:nvPr>
-            <p:extLst>
-              <p:ext uri="{D42A27DB-BD31-4B8C-83A1-F6EECF244321}">
-                <p14:modId xmlns:p14="http://schemas.microsoft.com/office/powerpoint/2010/main" val="661973117"/>
-              </p:ext>
-            </p:extLst>
-          </p:nvPr>
-        </p:nvGraphicFramePr>
-        <p:xfrm>
-          <a:off x="2460171" y="3551484"/>
-          <a:ext cx="3929971" cy="1969266"/>
-        </p:xfrm>
-        <a:graphic>
-          <a:graphicData uri="http://schemas.openxmlformats.org/presentationml/2006/ole">
-            <mc:AlternateContent xmlns:mc="http://schemas.openxmlformats.org/markup-compatibility/2006">
-              <mc:Choice xmlns:v="urn:schemas-microsoft-com:vml" Requires="v">
-                <p:oleObj spid="_x0000_s17438" name="Equation" r:id="rId3" imgW="1777680" imgH="901440" progId="Equation.DSMT4">
-                  <p:embed/>
-                </p:oleObj>
-              </mc:Choice>
-              <mc:Fallback>
-                <p:oleObj name="Equation" r:id="rId3" imgW="1777680" imgH="901440" progId="Equation.DSMT4">
-                  <p:embed/>
-                  <p:pic>
-                    <p:nvPicPr>
-                      <p:cNvPr id="0" name=""/>
-                      <p:cNvPicPr>
-                        <a:picLocks noChangeAspect="1" noChangeArrowheads="1"/>
-                      </p:cNvPicPr>
-                      <p:nvPr/>
-                    </p:nvPicPr>
-                    <p:blipFill>
-                      <a:blip r:embed="rId4"/>
-                      <a:srcRect/>
-                      <a:stretch>
-                        <a:fillRect/>
-                      </a:stretch>
-                    </p:blipFill>
-                    <p:spPr bwMode="auto">
-                      <a:xfrm>
-                        <a:off x="2460171" y="3551484"/>
-                        <a:ext cx="3929971" cy="1969266"/>
-                      </a:xfrm>
-                      <a:prstGeom prst="rect">
-                        <a:avLst/>
-                      </a:prstGeom>
-                      <a:noFill/>
-                      <a:ln>
-                        <a:noFill/>
-                      </a:ln>
-                      <a:extLst/>
-                    </p:spPr>
-                  </p:pic>
-                </p:oleObj>
-              </mc:Fallback>
-            </mc:AlternateContent>
-          </a:graphicData>
-        </a:graphic>
-      </p:graphicFrame>
-    </p:spTree>
-    <p:extLst>
-      <p:ext uri="{BB962C8B-B14F-4D97-AF65-F5344CB8AC3E}">
-        <p14:creationId xmlns:p14="http://schemas.microsoft.com/office/powerpoint/2010/main" val="328072772"/>
-      </p:ext>
-    </p:extLst>
-  </p:cSld>
-  <p:clrMapOvr>
-    <a:masterClrMapping/>
-  </p:clrMapOvr>
-  <mc:AlternateContent xmlns:mc="http://schemas.openxmlformats.org/markup-compatibility/2006">
-    <mc:Choice xmlns:p14="http://schemas.microsoft.com/office/powerpoint/2010/main" Requires="p14">
-      <p:transition spd="slow" p14:dur="2000"/>
-    </mc:Choice>
-    <mc:Fallback>
-      <p:transition spd="slow"/>
-    </mc:Fallback>
-  </mc:AlternateContent>
-  <p:timing>
-    <p:tnLst>
-      <p:par>
-        <p:cTn id="1" dur="indefinite" restart="never" nodeType="tmRoot">
-          <p:childTnLst>
-            <p:seq concurrent="1" nextAc="seek">
-              <p:cTn id="2" dur="indefinite" nodeType="mainSeq">
-                <p:childTnLst>
-                  <p:par>
-                    <p:cTn id="3" fill="hold">
-                      <p:stCondLst>
-                        <p:cond delay="indefinite"/>
-                      </p:stCondLst>
-                      <p:childTnLst>
-                        <p:par>
-                          <p:cTn id="4" fill="hold">
-                            <p:stCondLst>
-                              <p:cond delay="0"/>
-                            </p:stCondLst>
-                            <p:childTnLst>
-                              <p:par>
-                                <p:cTn id="5" presetID="10" presetClass="entr" presetSubtype="0" fill="hold" nodeType="clickEffect">
-                                  <p:stCondLst>
-                                    <p:cond delay="0"/>
-                                  </p:stCondLst>
-                                  <p:childTnLst>
-                                    <p:set>
-                                      <p:cBhvr>
-                                        <p:cTn id="6" dur="1" fill="hold">
-                                          <p:stCondLst>
-                                            <p:cond delay="0"/>
-                                          </p:stCondLst>
-                                        </p:cTn>
-                                        <p:tgtEl>
-                                          <p:spTgt spid="4"/>
-                                        </p:tgtEl>
-                                        <p:attrNameLst>
-                                          <p:attrName>style.visibility</p:attrName>
-                                        </p:attrNameLst>
-                                      </p:cBhvr>
-                                      <p:to>
-                                        <p:strVal val="visible"/>
-                                      </p:to>
-                                    </p:set>
-                                    <p:animEffect transition="in" filter="fade">
-                                      <p:cBhvr>
-                                        <p:cTn id="7" dur="500"/>
-                                        <p:tgtEl>
-                                          <p:spTgt spid="4"/>
-                                        </p:tgtEl>
-                                      </p:cBhvr>
-                                    </p:animEffect>
-                                  </p:childTnLst>
-                                </p:cTn>
-                              </p:par>
-                            </p:childTnLst>
-                          </p:cTn>
-                        </p:par>
-                      </p:childTnLst>
-                    </p:cTn>
-                  </p:par>
-                </p:childTnLst>
-              </p:cTn>
-              <p:prevCondLst>
-                <p:cond evt="onPrev" delay="0">
-                  <p:tgtEl>
-                    <p:sldTgt/>
-                  </p:tgtEl>
-                </p:cond>
-              </p:prevCondLst>
-              <p:nextCondLst>
-                <p:cond evt="onNext" delay="0">
-                  <p:tgtEl>
-                    <p:sldTgt/>
-                  </p:tgtEl>
-                </p:cond>
-              </p:nextCondLst>
-            </p:seq>
-          </p:childTnLst>
-        </p:cTn>
       </p:par>
     </p:tnLst>
   </p:timing>
@@ -26832,7 +27104,7 @@
         </p:nvSpPr>
         <p:spPr>
           <a:xfrm>
-            <a:off x="1008070" y="2046200"/>
+            <a:off x="1219943" y="1977062"/>
             <a:ext cx="7132319" cy="4023360"/>
           </a:xfrm>
         </p:spPr>
@@ -26929,7 +27201,7 @@
         </p:nvGrpSpPr>
         <p:grpSpPr>
           <a:xfrm>
-            <a:off x="7268792" y="1977062"/>
+            <a:off x="6008704" y="1976381"/>
             <a:ext cx="3317434" cy="3141544"/>
             <a:chOff x="8874567" y="1880546"/>
             <a:chExt cx="3317434" cy="3141544"/>
@@ -27018,11 +27290,11 @@
   <p:clrMapOvr>
     <a:masterClrMapping/>
   </p:clrMapOvr>
-  <mc:AlternateContent xmlns:mc="http://schemas.openxmlformats.org/markup-compatibility/2006">
-    <mc:Choice xmlns:p14="http://schemas.microsoft.com/office/powerpoint/2010/main" Requires="p14">
+  <mc:AlternateContent xmlns:mc="http://schemas.openxmlformats.org/markup-compatibility/2006" xmlns:p14="http://schemas.microsoft.com/office/powerpoint/2010/main">
+    <mc:Choice Requires="p14">
       <p:transition spd="slow" p14:dur="2000"/>
     </mc:Choice>
-    <mc:Fallback>
+    <mc:Fallback xmlns="">
       <p:transition spd="slow"/>
     </mc:Fallback>
   </mc:AlternateContent>
@@ -27669,6 +27941,313 @@
           <a:p>
             <a:r>
               <a:rPr lang="zh-CN" altLang="en-US" dirty="0" smtClean="0"/>
+              <a:t>*信息熵</a:t>
+            </a:r>
+            <a:endParaRPr lang="zh-CN" altLang="en-US" dirty="0"/>
+          </a:p>
+        </p:txBody>
+      </p:sp>
+      <p:sp>
+        <p:nvSpPr>
+          <p:cNvPr id="3" name="内容占位符 2"/>
+          <p:cNvSpPr>
+            <a:spLocks noGrp="1"/>
+          </p:cNvSpPr>
+          <p:nvPr>
+            <p:ph idx="1"/>
+          </p:nvPr>
+        </p:nvSpPr>
+        <p:spPr>
+          <a:xfrm>
+            <a:off x="511629" y="1845734"/>
+            <a:ext cx="10644051" cy="4023360"/>
+          </a:xfrm>
+        </p:spPr>
+        <p:txBody>
+          <a:bodyPr>
+            <a:normAutofit/>
+          </a:bodyPr>
+          <a:lstStyle/>
+          <a:p>
+            <a:r>
+              <a:rPr lang="zh-CN" altLang="en-US" sz="2400" dirty="0" smtClean="0"/>
+              <a:t>信息熵</a:t>
+            </a:r>
+            <a:r>
+              <a:rPr lang="en-US" altLang="zh-CN" sz="2400" dirty="0" smtClean="0"/>
+              <a:t>(entropy)</a:t>
+            </a:r>
+            <a:r>
+              <a:rPr lang="zh-CN" altLang="en-US" sz="2400" dirty="0" smtClean="0"/>
+              <a:t>：离散随机事件出现的概率</a:t>
+            </a:r>
+            <a:endParaRPr lang="en-US" altLang="zh-CN" sz="2400" dirty="0" smtClean="0"/>
+          </a:p>
+          <a:p>
+            <a:pPr lvl="1"/>
+            <a:r>
+              <a:rPr lang="zh-CN" altLang="en-US" sz="2000" dirty="0" smtClean="0"/>
+              <a:t>衡量事物分布的无序程度</a:t>
+            </a:r>
+            <a:endParaRPr lang="en-US" altLang="zh-CN" sz="2000" dirty="0" smtClean="0"/>
+          </a:p>
+          <a:p>
+            <a:pPr lvl="1"/>
+            <a:r>
+              <a:rPr lang="zh-CN" altLang="en-US" sz="2000" dirty="0"/>
+              <a:t>一个系统越是有序，信息熵就越低，反之一个系统越是混乱，它的信息熵就越高</a:t>
+            </a:r>
+            <a:endParaRPr lang="en-US" altLang="zh-CN" sz="2000" dirty="0" smtClean="0"/>
+          </a:p>
+          <a:p>
+            <a:r>
+              <a:rPr lang="en-US" altLang="zh-CN" sz="2400" dirty="0" smtClean="0">
+                <a:latin typeface="+mn-ea"/>
+              </a:rPr>
+              <a:t>1948</a:t>
+            </a:r>
+            <a:r>
+              <a:rPr lang="zh-CN" altLang="en-US" sz="2400" dirty="0" smtClean="0">
+                <a:latin typeface="+mn-ea"/>
+              </a:rPr>
+              <a:t>年</a:t>
+            </a:r>
+            <a:r>
+              <a:rPr lang="en-US" altLang="zh-CN" sz="2400" dirty="0" smtClean="0">
+                <a:latin typeface="+mn-ea"/>
+              </a:rPr>
+              <a:t>Shannon</a:t>
+            </a:r>
+            <a:r>
+              <a:rPr lang="zh-CN" altLang="en-US" sz="2400" dirty="0" smtClean="0">
+                <a:latin typeface="+mn-ea"/>
+              </a:rPr>
+              <a:t>在信息论中首次引入</a:t>
+            </a:r>
+            <a:r>
+              <a:rPr lang="zh-CN" altLang="en-US" sz="2400" dirty="0">
+                <a:latin typeface="+mn-ea"/>
+              </a:rPr>
+              <a:t>了</a:t>
+            </a:r>
+            <a:r>
+              <a:rPr lang="zh-CN" altLang="en-US" sz="2400" dirty="0" smtClean="0">
+                <a:latin typeface="+mn-ea"/>
+              </a:rPr>
+              <a:t>信息熵</a:t>
+            </a:r>
+            <a:endParaRPr lang="zh-CN" altLang="en-US" sz="2400" dirty="0">
+              <a:latin typeface="+mn-ea"/>
+            </a:endParaRPr>
+          </a:p>
+          <a:p>
+            <a:endParaRPr lang="zh-CN" altLang="en-US" sz="2400" dirty="0"/>
+          </a:p>
+        </p:txBody>
+      </p:sp>
+      <p:graphicFrame>
+        <p:nvGraphicFramePr>
+          <p:cNvPr id="4" name="对象 3"/>
+          <p:cNvGraphicFramePr>
+            <a:graphicFrameLocks noChangeAspect="1"/>
+          </p:cNvGraphicFramePr>
+          <p:nvPr>
+            <p:extLst>
+              <p:ext uri="{D42A27DB-BD31-4B8C-83A1-F6EECF244321}">
+                <p14:modId xmlns:p14="http://schemas.microsoft.com/office/powerpoint/2010/main" val="661973117"/>
+              </p:ext>
+            </p:extLst>
+          </p:nvPr>
+        </p:nvGraphicFramePr>
+        <p:xfrm>
+          <a:off x="2460171" y="3551484"/>
+          <a:ext cx="3929971" cy="1969266"/>
+        </p:xfrm>
+        <a:graphic>
+          <a:graphicData uri="http://schemas.openxmlformats.org/presentationml/2006/ole">
+            <mc:AlternateContent xmlns:mc="http://schemas.openxmlformats.org/markup-compatibility/2006">
+              <mc:Choice xmlns:v="urn:schemas-microsoft-com:vml" Requires="v">
+                <p:oleObj spid="_x0000_s17440" name="Equation" r:id="rId3" imgW="1777680" imgH="901440" progId="Equation.DSMT4">
+                  <p:embed/>
+                </p:oleObj>
+              </mc:Choice>
+              <mc:Fallback>
+                <p:oleObj name="Equation" r:id="rId3" imgW="1777680" imgH="901440" progId="Equation.DSMT4">
+                  <p:embed/>
+                  <p:pic>
+                    <p:nvPicPr>
+                      <p:cNvPr id="0" name=""/>
+                      <p:cNvPicPr>
+                        <a:picLocks noChangeAspect="1" noChangeArrowheads="1"/>
+                      </p:cNvPicPr>
+                      <p:nvPr/>
+                    </p:nvPicPr>
+                    <p:blipFill>
+                      <a:blip r:embed="rId4"/>
+                      <a:srcRect/>
+                      <a:stretch>
+                        <a:fillRect/>
+                      </a:stretch>
+                    </p:blipFill>
+                    <p:spPr bwMode="auto">
+                      <a:xfrm>
+                        <a:off x="2460171" y="3551484"/>
+                        <a:ext cx="3929971" cy="1969266"/>
+                      </a:xfrm>
+                      <a:prstGeom prst="rect">
+                        <a:avLst/>
+                      </a:prstGeom>
+                      <a:noFill/>
+                      <a:ln>
+                        <a:noFill/>
+                      </a:ln>
+                      <a:extLst/>
+                    </p:spPr>
+                  </p:pic>
+                </p:oleObj>
+              </mc:Fallback>
+            </mc:AlternateContent>
+          </a:graphicData>
+        </a:graphic>
+      </p:graphicFrame>
+    </p:spTree>
+    <p:extLst>
+      <p:ext uri="{BB962C8B-B14F-4D97-AF65-F5344CB8AC3E}">
+        <p14:creationId xmlns:p14="http://schemas.microsoft.com/office/powerpoint/2010/main" val="328072772"/>
+      </p:ext>
+    </p:extLst>
+  </p:cSld>
+  <p:clrMapOvr>
+    <a:masterClrMapping/>
+  </p:clrMapOvr>
+  <mc:AlternateContent xmlns:mc="http://schemas.openxmlformats.org/markup-compatibility/2006" xmlns:p14="http://schemas.microsoft.com/office/powerpoint/2010/main">
+    <mc:Choice Requires="p14">
+      <p:transition spd="slow" p14:dur="2000"/>
+    </mc:Choice>
+    <mc:Fallback xmlns="">
+      <p:transition spd="slow"/>
+    </mc:Fallback>
+  </mc:AlternateContent>
+  <p:timing>
+    <p:tnLst>
+      <p:par>
+        <p:cTn id="1" dur="indefinite" restart="never" nodeType="tmRoot">
+          <p:childTnLst>
+            <p:seq concurrent="1" nextAc="seek">
+              <p:cTn id="2" dur="indefinite" nodeType="mainSeq">
+                <p:childTnLst>
+                  <p:par>
+                    <p:cTn id="3" fill="hold">
+                      <p:stCondLst>
+                        <p:cond delay="indefinite"/>
+                      </p:stCondLst>
+                      <p:childTnLst>
+                        <p:par>
+                          <p:cTn id="4" fill="hold">
+                            <p:stCondLst>
+                              <p:cond delay="0"/>
+                            </p:stCondLst>
+                            <p:childTnLst>
+                              <p:par>
+                                <p:cTn id="5" presetID="10" presetClass="entr" presetSubtype="0" fill="hold" nodeType="clickEffect">
+                                  <p:stCondLst>
+                                    <p:cond delay="0"/>
+                                  </p:stCondLst>
+                                  <p:childTnLst>
+                                    <p:set>
+                                      <p:cBhvr>
+                                        <p:cTn id="6" dur="1" fill="hold">
+                                          <p:stCondLst>
+                                            <p:cond delay="0"/>
+                                          </p:stCondLst>
+                                        </p:cTn>
+                                        <p:tgtEl>
+                                          <p:spTgt spid="4"/>
+                                        </p:tgtEl>
+                                        <p:attrNameLst>
+                                          <p:attrName>style.visibility</p:attrName>
+                                        </p:attrNameLst>
+                                      </p:cBhvr>
+                                      <p:to>
+                                        <p:strVal val="visible"/>
+                                      </p:to>
+                                    </p:set>
+                                    <p:animEffect transition="in" filter="fade">
+                                      <p:cBhvr>
+                                        <p:cTn id="7" dur="500"/>
+                                        <p:tgtEl>
+                                          <p:spTgt spid="4"/>
+                                        </p:tgtEl>
+                                      </p:cBhvr>
+                                    </p:animEffect>
+                                  </p:childTnLst>
+                                </p:cTn>
+                              </p:par>
+                            </p:childTnLst>
+                          </p:cTn>
+                        </p:par>
+                      </p:childTnLst>
+                    </p:cTn>
+                  </p:par>
+                </p:childTnLst>
+              </p:cTn>
+              <p:prevCondLst>
+                <p:cond evt="onPrev" delay="0">
+                  <p:tgtEl>
+                    <p:sldTgt/>
+                  </p:tgtEl>
+                </p:cond>
+              </p:prevCondLst>
+              <p:nextCondLst>
+                <p:cond evt="onNext" delay="0">
+                  <p:tgtEl>
+                    <p:sldTgt/>
+                  </p:tgtEl>
+                </p:cond>
+              </p:nextCondLst>
+            </p:seq>
+          </p:childTnLst>
+        </p:cTn>
+      </p:par>
+    </p:tnLst>
+  </p:timing>
+</p:sld>
+</file>
+
+<file path=ppt/slides/slide31.xml><?xml version="1.0" encoding="utf-8"?>
+<p:sld xmlns:a="http://schemas.openxmlformats.org/drawingml/2006/main" xmlns:r="http://schemas.openxmlformats.org/officeDocument/2006/relationships" xmlns:p="http://schemas.openxmlformats.org/presentationml/2006/main">
+  <p:cSld>
+    <p:spTree>
+      <p:nvGrpSpPr>
+        <p:cNvPr id="1" name=""/>
+        <p:cNvGrpSpPr/>
+        <p:nvPr/>
+      </p:nvGrpSpPr>
+      <p:grpSpPr>
+        <a:xfrm>
+          <a:off x="0" y="0"/>
+          <a:ext cx="0" cy="0"/>
+          <a:chOff x="0" y="0"/>
+          <a:chExt cx="0" cy="0"/>
+        </a:xfrm>
+      </p:grpSpPr>
+      <p:sp>
+        <p:nvSpPr>
+          <p:cNvPr id="2" name="标题 1"/>
+          <p:cNvSpPr>
+            <a:spLocks noGrp="1"/>
+          </p:cNvSpPr>
+          <p:nvPr>
+            <p:ph type="title"/>
+          </p:nvPr>
+        </p:nvSpPr>
+        <p:spPr/>
+        <p:txBody>
+          <a:bodyPr/>
+          <a:lstStyle/>
+          <a:p>
+            <a:r>
+              <a:rPr lang="zh-CN" altLang="en-US" dirty="0" smtClean="0"/>
               <a:t>总结：什么是探索性分析</a:t>
             </a:r>
             <a:endParaRPr lang="zh-CN" altLang="en-US" dirty="0"/>
@@ -27831,11 +28410,11 @@
   <p:clrMapOvr>
     <a:masterClrMapping/>
   </p:clrMapOvr>
-  <mc:AlternateContent xmlns:mc="http://schemas.openxmlformats.org/markup-compatibility/2006">
-    <mc:Choice xmlns:p14="http://schemas.microsoft.com/office/powerpoint/2010/main" Requires="p14">
+  <mc:AlternateContent xmlns:mc="http://schemas.openxmlformats.org/markup-compatibility/2006" xmlns:p14="http://schemas.microsoft.com/office/powerpoint/2010/main">
+    <mc:Choice Requires="p14">
       <p:transition spd="slow" p14:dur="2000"/>
     </mc:Choice>
-    <mc:Fallback>
+    <mc:Fallback xmlns="">
       <p:transition spd="slow"/>
     </mc:Fallback>
   </mc:AlternateContent>
@@ -27849,7 +28428,7 @@
 </p:sld>
 </file>
 
-<file path=ppt/slides/slide31.xml><?xml version="1.0" encoding="utf-8"?>
+<file path=ppt/slides/slide32.xml><?xml version="1.0" encoding="utf-8"?>
 <p:sld xmlns:a="http://schemas.openxmlformats.org/drawingml/2006/main" xmlns:r="http://schemas.openxmlformats.org/officeDocument/2006/relationships" xmlns:p="http://schemas.openxmlformats.org/presentationml/2006/main">
   <p:cSld>
     <p:spTree>
@@ -28333,11 +28912,11 @@
   <p:clrMapOvr>
     <a:masterClrMapping/>
   </p:clrMapOvr>
-  <mc:AlternateContent xmlns:mc="http://schemas.openxmlformats.org/markup-compatibility/2006">
-    <mc:Choice xmlns:p14="http://schemas.microsoft.com/office/powerpoint/2010/main" Requires="p14">
+  <mc:AlternateContent xmlns:mc="http://schemas.openxmlformats.org/markup-compatibility/2006" xmlns:p14="http://schemas.microsoft.com/office/powerpoint/2010/main">
+    <mc:Choice Requires="p14">
       <p:transition spd="slow" p14:dur="2000"/>
     </mc:Choice>
-    <mc:Fallback>
+    <mc:Fallback xmlns="">
       <p:transition spd="slow"/>
     </mc:Fallback>
   </mc:AlternateContent>
@@ -28444,7 +29023,6 @@
               <a:rPr lang="en-US" altLang="zh-CN" sz="3200" dirty="0" smtClean="0"/>
               <a:t>(Grouping)</a:t>
             </a:r>
-            <a:endParaRPr lang="en-US" altLang="zh-CN" sz="3200" dirty="0" smtClean="0"/>
           </a:p>
           <a:p>
             <a:endParaRPr lang="zh-CN" altLang="en-US" sz="3200" dirty="0"/>
@@ -28461,11 +29039,11 @@
   <p:clrMapOvr>
     <a:masterClrMapping/>
   </p:clrMapOvr>
-  <mc:AlternateContent xmlns:mc="http://schemas.openxmlformats.org/markup-compatibility/2006">
-    <mc:Choice xmlns:p14="http://schemas.microsoft.com/office/powerpoint/2010/main" Requires="p14">
+  <mc:AlternateContent xmlns:mc="http://schemas.openxmlformats.org/markup-compatibility/2006" xmlns:p14="http://schemas.microsoft.com/office/powerpoint/2010/main">
+    <mc:Choice Requires="p14">
       <p:transition spd="slow" p14:dur="2000"/>
     </mc:Choice>
-    <mc:Fallback>
+    <mc:Fallback xmlns="">
       <p:transition spd="slow"/>
     </mc:Fallback>
   </mc:AlternateContent>
@@ -28559,11 +29137,7 @@
             <a:pPr lvl="1"/>
             <a:r>
               <a:rPr lang="zh-CN" altLang="en-US" sz="2000" dirty="0" smtClean="0"/>
-              <a:t>概率论与</a:t>
-            </a:r>
-            <a:r>
-              <a:rPr lang="zh-CN" altLang="en-US" sz="2000" dirty="0" smtClean="0"/>
-              <a:t>数理统计</a:t>
+              <a:t>概率论与数理统计</a:t>
             </a:r>
             <a:endParaRPr lang="en-US" altLang="zh-CN" sz="2000" dirty="0" smtClean="0"/>
           </a:p>
@@ -28970,11 +29544,7 @@
             </a:r>
             <a:r>
               <a:rPr lang="zh-CN" altLang="en-US" dirty="0" smtClean="0"/>
-              <a:t>抽样</a:t>
-            </a:r>
-            <a:r>
-              <a:rPr lang="zh-CN" altLang="en-US" dirty="0" smtClean="0"/>
-              <a:t>理论与方法</a:t>
+              <a:t>抽样理论与方法</a:t>
             </a:r>
             <a:r>
               <a:rPr lang="en-US" altLang="zh-CN" dirty="0" smtClean="0"/>
@@ -29101,11 +29671,11 @@
   <p:clrMapOvr>
     <a:masterClrMapping/>
   </p:clrMapOvr>
-  <mc:AlternateContent xmlns:mc="http://schemas.openxmlformats.org/markup-compatibility/2006">
-    <mc:Choice xmlns:p14="http://schemas.microsoft.com/office/powerpoint/2010/main" Requires="p14">
+  <mc:AlternateContent xmlns:mc="http://schemas.openxmlformats.org/markup-compatibility/2006" xmlns:p14="http://schemas.microsoft.com/office/powerpoint/2010/main">
+    <mc:Choice Requires="p14">
       <p:transition spd="slow" p14:dur="2000"/>
     </mc:Choice>
-    <mc:Fallback>
+    <mc:Fallback xmlns="">
       <p:transition spd="slow"/>
     </mc:Fallback>
   </mc:AlternateContent>
@@ -29714,11 +30284,11 @@
   <p:clrMapOvr>
     <a:masterClrMapping/>
   </p:clrMapOvr>
-  <mc:AlternateContent xmlns:mc="http://schemas.openxmlformats.org/markup-compatibility/2006">
-    <mc:Choice xmlns:p14="http://schemas.microsoft.com/office/powerpoint/2010/main" Requires="p14">
+  <mc:AlternateContent xmlns:mc="http://schemas.openxmlformats.org/markup-compatibility/2006" xmlns:p14="http://schemas.microsoft.com/office/powerpoint/2010/main">
+    <mc:Choice Requires="p14">
       <p:transition spd="slow" p14:dur="2000"/>
     </mc:Choice>
-    <mc:Fallback>
+    <mc:Fallback xmlns="">
       <p:transition spd="slow"/>
     </mc:Fallback>
   </mc:AlternateContent>
@@ -30060,11 +30630,11 @@
   <p:clrMapOvr>
     <a:masterClrMapping/>
   </p:clrMapOvr>
-  <mc:AlternateContent xmlns:mc="http://schemas.openxmlformats.org/markup-compatibility/2006">
-    <mc:Choice xmlns:p14="http://schemas.microsoft.com/office/powerpoint/2010/main" Requires="p14">
+  <mc:AlternateContent xmlns:mc="http://schemas.openxmlformats.org/markup-compatibility/2006" xmlns:p14="http://schemas.microsoft.com/office/powerpoint/2010/main">
+    <mc:Choice Requires="p14">
       <p:transition spd="slow" p14:dur="2000"/>
     </mc:Choice>
-    <mc:Fallback>
+    <mc:Fallback xmlns="">
       <p:transition spd="slow"/>
     </mc:Fallback>
   </mc:AlternateContent>
@@ -30226,11 +30796,11 @@
   <p:clrMapOvr>
     <a:masterClrMapping/>
   </p:clrMapOvr>
-  <mc:AlternateContent xmlns:mc="http://schemas.openxmlformats.org/markup-compatibility/2006">
-    <mc:Choice xmlns:p14="http://schemas.microsoft.com/office/powerpoint/2010/main" Requires="p14">
+  <mc:AlternateContent xmlns:mc="http://schemas.openxmlformats.org/markup-compatibility/2006" xmlns:p14="http://schemas.microsoft.com/office/powerpoint/2010/main">
+    <mc:Choice Requires="p14">
       <p:transition spd="slow" p14:dur="2000"/>
     </mc:Choice>
-    <mc:Fallback>
+    <mc:Fallback xmlns="">
       <p:transition spd="slow"/>
     </mc:Fallback>
   </mc:AlternateContent>
@@ -30324,7 +30894,7 @@
           <a:graphicData uri="http://schemas.openxmlformats.org/presentationml/2006/ole">
             <mc:AlternateContent xmlns:mc="http://schemas.openxmlformats.org/markup-compatibility/2006">
               <mc:Choice xmlns:v="urn:schemas-microsoft-com:vml" Requires="v">
-                <p:oleObj spid="_x0000_s6243" name="Equation" r:id="rId3" imgW="634725" imgH="393529" progId="Equation.DSMT4">
+                <p:oleObj spid="_x0000_s6245" name="Equation" r:id="rId3" imgW="634725" imgH="393529" progId="Equation.DSMT4">
                   <p:embed/>
                 </p:oleObj>
               </mc:Choice>
@@ -31237,11 +31807,11 @@
   <p:clrMapOvr>
     <a:masterClrMapping/>
   </p:clrMapOvr>
-  <mc:AlternateContent xmlns:mc="http://schemas.openxmlformats.org/markup-compatibility/2006">
-    <mc:Choice xmlns:p14="http://schemas.microsoft.com/office/powerpoint/2010/main" Requires="p14">
+  <mc:AlternateContent xmlns:mc="http://schemas.openxmlformats.org/markup-compatibility/2006" xmlns:p14="http://schemas.microsoft.com/office/powerpoint/2010/main">
+    <mc:Choice Requires="p14">
       <p:transition spd="slow" p14:dur="2000"/>
     </mc:Choice>
-    <mc:Fallback>
+    <mc:Fallback xmlns="">
       <p:transition spd="slow"/>
     </mc:Fallback>
   </mc:AlternateContent>

--- a/数据分析-3-探索性分析.pptx
+++ b/数据分析-3-探索性分析.pptx
@@ -14797,7 +14797,7 @@
           <a:graphicData uri="http://schemas.openxmlformats.org/presentationml/2006/ole">
             <mc:AlternateContent xmlns:mc="http://schemas.openxmlformats.org/markup-compatibility/2006">
               <mc:Choice xmlns:v="urn:schemas-microsoft-com:vml" Requires="v">
-                <p:oleObj spid="_x0000_s9344" name="Equation" r:id="rId3" imgW="1155600" imgH="393480" progId="Equation.DSMT4">
+                <p:oleObj spid="_x0000_s9348" name="Equation" r:id="rId3" imgW="1155600" imgH="393480" progId="Equation.DSMT4">
                   <p:embed/>
                 </p:oleObj>
               </mc:Choice>
@@ -14854,7 +14854,7 @@
           <a:graphicData uri="http://schemas.openxmlformats.org/presentationml/2006/ole">
             <mc:AlternateContent xmlns:mc="http://schemas.openxmlformats.org/markup-compatibility/2006">
               <mc:Choice xmlns:v="urn:schemas-microsoft-com:vml" Requires="v">
-                <p:oleObj spid="_x0000_s9345" name="Equation" r:id="rId5" imgW="672840" imgH="406080" progId="Equation.DSMT4">
+                <p:oleObj spid="_x0000_s9349" name="Equation" r:id="rId5" imgW="672840" imgH="406080" progId="Equation.DSMT4">
                   <p:embed/>
                 </p:oleObj>
               </mc:Choice>
@@ -17351,7 +17351,7 @@
           <a:graphicData uri="http://schemas.openxmlformats.org/presentationml/2006/ole">
             <mc:AlternateContent xmlns:mc="http://schemas.openxmlformats.org/markup-compatibility/2006">
               <mc:Choice xmlns:v="urn:schemas-microsoft-com:vml" Requires="v">
-                <p:oleObj spid="_x0000_s13388" name="Equation" r:id="rId3" imgW="711000" imgH="431640" progId="Equation.DSMT4">
+                <p:oleObj spid="_x0000_s13392" name="Equation" r:id="rId3" imgW="711000" imgH="431640" progId="Equation.DSMT4">
                   <p:embed/>
                 </p:oleObj>
               </mc:Choice>
@@ -17416,7 +17416,7 @@
           <a:graphicData uri="http://schemas.openxmlformats.org/presentationml/2006/ole">
             <mc:AlternateContent xmlns:mc="http://schemas.openxmlformats.org/markup-compatibility/2006">
               <mc:Choice xmlns:v="urn:schemas-microsoft-com:vml" Requires="v">
-                <p:oleObj spid="_x0000_s13389" name="Equation" r:id="rId5" imgW="1701720" imgH="482400" progId="Equation.DSMT4">
+                <p:oleObj spid="_x0000_s13393" name="Equation" r:id="rId5" imgW="1701720" imgH="482400" progId="Equation.DSMT4">
                   <p:embed/>
                 </p:oleObj>
               </mc:Choice>
@@ -18311,7 +18311,7 @@
           <a:graphicData uri="http://schemas.openxmlformats.org/presentationml/2006/ole">
             <mc:AlternateContent xmlns:mc="http://schemas.openxmlformats.org/markup-compatibility/2006">
               <mc:Choice xmlns:v="urn:schemas-microsoft-com:vml" Requires="v">
-                <p:oleObj spid="_x0000_s18439" name="Equation" r:id="rId4" imgW="3517560" imgH="685800" progId="Equation.DSMT4">
+                <p:oleObj spid="_x0000_s18441" name="Equation" r:id="rId4" imgW="3517560" imgH="685800" progId="Equation.DSMT4">
                   <p:embed/>
                 </p:oleObj>
               </mc:Choice>
@@ -19316,14 +19316,14 @@
           <a:effectLst/>
           <a:extLst>
             <a:ext uri="{909E8E84-426E-40dd-AFC4-6F175D3DCCD1}">
-              <a14:hiddenFill xmlns="" xmlns:a14="http://schemas.microsoft.com/office/drawing/2010/main" xmlns:lc="http://schemas.openxmlformats.org/drawingml/2006/lockedCanvas">
+              <a14:hiddenFill xmlns:lc="http://schemas.openxmlformats.org/drawingml/2006/lockedCanvas" xmlns:a14="http://schemas.microsoft.com/office/drawing/2010/main" xmlns="">
                 <a:solidFill>
                   <a:schemeClr val="accent1"/>
                 </a:solidFill>
               </a14:hiddenFill>
             </a:ext>
             <a:ext uri="{AF507438-7753-43e0-B8FC-AC1667EBCBE1}">
-              <a14:hiddenEffects xmlns="" xmlns:a14="http://schemas.microsoft.com/office/drawing/2010/main" xmlns:lc="http://schemas.openxmlformats.org/drawingml/2006/lockedCanvas">
+              <a14:hiddenEffects xmlns:lc="http://schemas.openxmlformats.org/drawingml/2006/lockedCanvas" xmlns:a14="http://schemas.microsoft.com/office/drawing/2010/main" xmlns="">
                 <a:effectLst>
                   <a:outerShdw blurRad="63500" dist="12700" dir="2700000" algn="ctr" rotWithShape="0">
                     <a:schemeClr val="hlink">
@@ -23540,7 +23540,7 @@
           <a:graphicData uri="http://schemas.openxmlformats.org/presentationml/2006/ole">
             <mc:AlternateContent xmlns:mc="http://schemas.openxmlformats.org/markup-compatibility/2006">
               <mc:Choice xmlns:v="urn:schemas-microsoft-com:vml" Requires="v">
-                <p:oleObj spid="_x0000_s14410" name="Equation" r:id="rId4" imgW="990360" imgH="431640" progId="Equation.DSMT4">
+                <p:oleObj spid="_x0000_s14414" name="Equation" r:id="rId4" imgW="990360" imgH="431640" progId="Equation.DSMT4">
                   <p:embed/>
                 </p:oleObj>
               </mc:Choice>
@@ -23605,7 +23605,7 @@
           <a:graphicData uri="http://schemas.openxmlformats.org/presentationml/2006/ole">
             <mc:AlternateContent xmlns:mc="http://schemas.openxmlformats.org/markup-compatibility/2006">
               <mc:Choice xmlns:v="urn:schemas-microsoft-com:vml" Requires="v">
-                <p:oleObj spid="_x0000_s14411" name="Equation" r:id="rId6" imgW="672840" imgH="228600" progId="Equation.DSMT4">
+                <p:oleObj spid="_x0000_s14415" name="Equation" r:id="rId6" imgW="672840" imgH="228600" progId="Equation.DSMT4">
                   <p:embed/>
                 </p:oleObj>
               </mc:Choice>
@@ -24197,7 +24197,7 @@
           <a:graphicData uri="http://schemas.openxmlformats.org/presentationml/2006/ole">
             <mc:AlternateContent xmlns:mc="http://schemas.openxmlformats.org/markup-compatibility/2006">
               <mc:Choice xmlns:v="urn:schemas-microsoft-com:vml" Requires="v">
-                <p:oleObj spid="_x0000_s12377" name="Equation" r:id="rId3" imgW="1155600" imgH="431640" progId="Equation.DSMT4">
+                <p:oleObj spid="_x0000_s12381" name="Equation" r:id="rId3" imgW="1155600" imgH="431640" progId="Equation.DSMT4">
                   <p:embed/>
                 </p:oleObj>
               </mc:Choice>
@@ -24262,7 +24262,7 @@
           <a:graphicData uri="http://schemas.openxmlformats.org/presentationml/2006/ole">
             <mc:AlternateContent xmlns:mc="http://schemas.openxmlformats.org/markup-compatibility/2006">
               <mc:Choice xmlns:v="urn:schemas-microsoft-com:vml" Requires="v">
-                <p:oleObj spid="_x0000_s12378" name="Equation" r:id="rId5" imgW="1257120" imgH="482400" progId="Equation.DSMT4">
+                <p:oleObj spid="_x0000_s12382" name="Equation" r:id="rId5" imgW="1257120" imgH="482400" progId="Equation.DSMT4">
                   <p:embed/>
                 </p:oleObj>
               </mc:Choice>
@@ -24411,8 +24411,13 @@
             <a:pPr algn="ctr"/>
             <a:r>
               <a:rPr lang="zh-CN" altLang="en-US" sz="1200" dirty="0" smtClean="0"/>
-              <a:t>思考：是否和距离公式相似</a:t>
-            </a:r>
+              <a:t>思考</a:t>
+            </a:r>
+            <a:r>
+              <a:rPr lang="zh-CN" altLang="en-US" sz="1200" dirty="0" smtClean="0"/>
+              <a:t>：方差是随机变量吗？服从什么分布？</a:t>
+            </a:r>
+            <a:endParaRPr lang="zh-CN" altLang="en-US" sz="1200" dirty="0" smtClean="0"/>
           </a:p>
         </p:txBody>
       </p:sp>
@@ -25903,7 +25908,7 @@
           <a:graphicData uri="http://schemas.openxmlformats.org/presentationml/2006/ole">
             <mc:AlternateContent xmlns:mc="http://schemas.openxmlformats.org/markup-compatibility/2006">
               <mc:Choice xmlns:v="urn:schemas-microsoft-com:vml" Requires="v">
-                <p:oleObj spid="_x0000_s16419" name="Equation" r:id="rId4" imgW="2514600" imgH="406080" progId="Equation.DSMT4">
+                <p:oleObj spid="_x0000_s16421" name="Equation" r:id="rId4" imgW="2514600" imgH="406080" progId="Equation.DSMT4">
                   <p:embed/>
                 </p:oleObj>
               </mc:Choice>
@@ -26540,7 +26545,7 @@
           <a:graphicData uri="http://schemas.openxmlformats.org/presentationml/2006/ole">
             <mc:AlternateContent xmlns:mc="http://schemas.openxmlformats.org/markup-compatibility/2006">
               <mc:Choice xmlns:v="urn:schemas-microsoft-com:vml" Requires="v">
-                <p:oleObj spid="_x0000_s15393" name="工作表" r:id="rId3" imgW="8505749" imgH="3124200" progId="Excel.Sheet.8">
+                <p:oleObj spid="_x0000_s15395" name="工作表" r:id="rId3" imgW="8505749" imgH="3124200" progId="Excel.Sheet.8">
                   <p:embed/>
                 </p:oleObj>
               </mc:Choice>
@@ -28067,7 +28072,7 @@
           <a:graphicData uri="http://schemas.openxmlformats.org/presentationml/2006/ole">
             <mc:AlternateContent xmlns:mc="http://schemas.openxmlformats.org/markup-compatibility/2006">
               <mc:Choice xmlns:v="urn:schemas-microsoft-com:vml" Requires="v">
-                <p:oleObj spid="_x0000_s17440" name="Equation" r:id="rId3" imgW="1777680" imgH="901440" progId="Equation.DSMT4">
+                <p:oleObj spid="_x0000_s17442" name="Equation" r:id="rId3" imgW="1777680" imgH="901440" progId="Equation.DSMT4">
                   <p:embed/>
                 </p:oleObj>
               </mc:Choice>
@@ -30894,7 +30899,7 @@
           <a:graphicData uri="http://schemas.openxmlformats.org/presentationml/2006/ole">
             <mc:AlternateContent xmlns:mc="http://schemas.openxmlformats.org/markup-compatibility/2006">
               <mc:Choice xmlns:v="urn:schemas-microsoft-com:vml" Requires="v">
-                <p:oleObj spid="_x0000_s6245" name="Equation" r:id="rId3" imgW="634725" imgH="393529" progId="Equation.DSMT4">
+                <p:oleObj spid="_x0000_s6247" name="Equation" r:id="rId3" imgW="634725" imgH="393529" progId="Equation.DSMT4">
                   <p:embed/>
                 </p:oleObj>
               </mc:Choice>
@@ -31587,14 +31592,14 @@
           <a:effectLst/>
           <a:extLst>
             <a:ext uri="{909E8E84-426E-40dd-AFC4-6F175D3DCCD1}">
-              <a14:hiddenFill xmlns="" xmlns:a14="http://schemas.microsoft.com/office/drawing/2010/main" xmlns:lc="http://schemas.openxmlformats.org/drawingml/2006/lockedCanvas">
+              <a14:hiddenFill xmlns:lc="http://schemas.openxmlformats.org/drawingml/2006/lockedCanvas" xmlns:a14="http://schemas.microsoft.com/office/drawing/2010/main" xmlns="">
                 <a:solidFill>
                   <a:schemeClr val="accent1"/>
                 </a:solidFill>
               </a14:hiddenFill>
             </a:ext>
             <a:ext uri="{AF507438-7753-43e0-B8FC-AC1667EBCBE1}">
-              <a14:hiddenEffects xmlns="" xmlns:a14="http://schemas.microsoft.com/office/drawing/2010/main" xmlns:lc="http://schemas.openxmlformats.org/drawingml/2006/lockedCanvas">
+              <a14:hiddenEffects xmlns:lc="http://schemas.openxmlformats.org/drawingml/2006/lockedCanvas" xmlns:a14="http://schemas.microsoft.com/office/drawing/2010/main" xmlns="">
                 <a:effectLst>
                   <a:outerShdw blurRad="63500" dist="12700" dir="2700000" algn="ctr" rotWithShape="0">
                     <a:schemeClr val="hlink">

--- a/数据分析-3-探索性分析.pptx
+++ b/数据分析-3-探索性分析.pptx
@@ -9664,7 +9664,7 @@
           <a:p>
             <a:fld id="{A4A2E15E-7EB3-4355-8E66-2746E283E2DA}" type="datetimeFigureOut">
               <a:rPr lang="zh-CN" altLang="en-US" smtClean="0"/>
-              <a:t>2017/10/8</a:t>
+              <a:t>2017/10/9</a:t>
             </a:fld>
             <a:endParaRPr lang="zh-CN" altLang="en-US"/>
           </a:p>
@@ -10414,7 +10414,7 @@
           <a:p>
             <a:fld id="{EF74752D-595C-4659-BCD6-E2B54286D359}" type="datetimeFigureOut">
               <a:rPr lang="zh-CN" altLang="en-US" smtClean="0"/>
-              <a:t>2017/10/8</a:t>
+              <a:t>2017/10/9</a:t>
             </a:fld>
             <a:endParaRPr lang="zh-CN" altLang="en-US"/>
           </a:p>
@@ -10622,7 +10622,7 @@
           <a:p>
             <a:fld id="{EF74752D-595C-4659-BCD6-E2B54286D359}" type="datetimeFigureOut">
               <a:rPr lang="zh-CN" altLang="en-US" smtClean="0"/>
-              <a:t>2017/10/8</a:t>
+              <a:t>2017/10/9</a:t>
             </a:fld>
             <a:endParaRPr lang="zh-CN" altLang="en-US"/>
           </a:p>
@@ -10878,7 +10878,7 @@
           <a:p>
             <a:fld id="{EF74752D-595C-4659-BCD6-E2B54286D359}" type="datetimeFigureOut">
               <a:rPr lang="zh-CN" altLang="en-US" smtClean="0"/>
-              <a:t>2017/10/8</a:t>
+              <a:t>2017/10/9</a:t>
             </a:fld>
             <a:endParaRPr lang="zh-CN" altLang="en-US"/>
           </a:p>
@@ -11127,7 +11127,7 @@
               <a:pPr>
                 <a:defRPr/>
               </a:pPr>
-              <a:t>2017/10/8</a:t>
+              <a:t>2017/10/9</a:t>
             </a:fld>
             <a:endParaRPr lang="en-US" altLang="zh-CN"/>
           </a:p>
@@ -11453,7 +11453,7 @@
               <a:pPr>
                 <a:defRPr/>
               </a:pPr>
-              <a:t>2017/10/8</a:t>
+              <a:t>2017/10/9</a:t>
             </a:fld>
             <a:endParaRPr lang="en-US" altLang="zh-CN"/>
           </a:p>
@@ -11672,7 +11672,7 @@
           <a:p>
             <a:fld id="{EF74752D-595C-4659-BCD6-E2B54286D359}" type="datetimeFigureOut">
               <a:rPr lang="zh-CN" altLang="en-US" smtClean="0"/>
-              <a:t>2017/10/8</a:t>
+              <a:t>2017/10/9</a:t>
             </a:fld>
             <a:endParaRPr lang="zh-CN" altLang="en-US"/>
           </a:p>
@@ -12014,7 +12014,7 @@
           <a:p>
             <a:fld id="{EF74752D-595C-4659-BCD6-E2B54286D359}" type="datetimeFigureOut">
               <a:rPr lang="zh-CN" altLang="en-US" smtClean="0"/>
-              <a:t>2017/10/8</a:t>
+              <a:t>2017/10/9</a:t>
             </a:fld>
             <a:endParaRPr lang="zh-CN" altLang="en-US"/>
           </a:p>
@@ -12289,7 +12289,7 @@
           <a:p>
             <a:fld id="{EF74752D-595C-4659-BCD6-E2B54286D359}" type="datetimeFigureOut">
               <a:rPr lang="zh-CN" altLang="en-US" smtClean="0"/>
-              <a:t>2017/10/8</a:t>
+              <a:t>2017/10/9</a:t>
             </a:fld>
             <a:endParaRPr lang="zh-CN" altLang="en-US"/>
           </a:p>
@@ -12668,7 +12668,7 @@
           <a:p>
             <a:fld id="{EF74752D-595C-4659-BCD6-E2B54286D359}" type="datetimeFigureOut">
               <a:rPr lang="zh-CN" altLang="en-US" smtClean="0"/>
-              <a:t>2017/10/8</a:t>
+              <a:t>2017/10/9</a:t>
             </a:fld>
             <a:endParaRPr lang="zh-CN" altLang="en-US"/>
           </a:p>
@@ -12786,7 +12786,7 @@
           <a:p>
             <a:fld id="{EF74752D-595C-4659-BCD6-E2B54286D359}" type="datetimeFigureOut">
               <a:rPr lang="zh-CN" altLang="en-US" smtClean="0"/>
-              <a:t>2017/10/8</a:t>
+              <a:t>2017/10/9</a:t>
             </a:fld>
             <a:endParaRPr lang="zh-CN" altLang="en-US"/>
           </a:p>
@@ -12957,7 +12957,7 @@
           <a:p>
             <a:fld id="{EF74752D-595C-4659-BCD6-E2B54286D359}" type="datetimeFigureOut">
               <a:rPr lang="zh-CN" altLang="en-US" smtClean="0"/>
-              <a:t>2017/10/8</a:t>
+              <a:t>2017/10/9</a:t>
             </a:fld>
             <a:endParaRPr lang="zh-CN" altLang="en-US"/>
           </a:p>
@@ -13311,7 +13311,7 @@
           <a:p>
             <a:fld id="{EF74752D-595C-4659-BCD6-E2B54286D359}" type="datetimeFigureOut">
               <a:rPr lang="zh-CN" altLang="en-US" smtClean="0"/>
-              <a:t>2017/10/8</a:t>
+              <a:t>2017/10/9</a:t>
             </a:fld>
             <a:endParaRPr lang="zh-CN" altLang="en-US"/>
           </a:p>
@@ -13693,7 +13693,7 @@
           <a:p>
             <a:fld id="{EF74752D-595C-4659-BCD6-E2B54286D359}" type="datetimeFigureOut">
               <a:rPr lang="zh-CN" altLang="en-US" smtClean="0"/>
-              <a:t>2017/10/8</a:t>
+              <a:t>2017/10/9</a:t>
             </a:fld>
             <a:endParaRPr lang="zh-CN" altLang="en-US"/>
           </a:p>
@@ -13980,7 +13980,7 @@
           <a:p>
             <a:fld id="{EF74752D-595C-4659-BCD6-E2B54286D359}" type="datetimeFigureOut">
               <a:rPr lang="zh-CN" altLang="en-US" smtClean="0"/>
-              <a:t>2017/10/8</a:t>
+              <a:t>2017/10/9</a:t>
             </a:fld>
             <a:endParaRPr lang="zh-CN" altLang="en-US"/>
           </a:p>
@@ -14797,7 +14797,7 @@
           <a:graphicData uri="http://schemas.openxmlformats.org/presentationml/2006/ole">
             <mc:AlternateContent xmlns:mc="http://schemas.openxmlformats.org/markup-compatibility/2006">
               <mc:Choice xmlns:v="urn:schemas-microsoft-com:vml" Requires="v">
-                <p:oleObj spid="_x0000_s9348" name="Equation" r:id="rId3" imgW="1155600" imgH="393480" progId="Equation.DSMT4">
+                <p:oleObj spid="_x0000_s9350" name="Equation" r:id="rId3" imgW="1155600" imgH="393480" progId="Equation.DSMT4">
                   <p:embed/>
                 </p:oleObj>
               </mc:Choice>
@@ -14854,7 +14854,7 @@
           <a:graphicData uri="http://schemas.openxmlformats.org/presentationml/2006/ole">
             <mc:AlternateContent xmlns:mc="http://schemas.openxmlformats.org/markup-compatibility/2006">
               <mc:Choice xmlns:v="urn:schemas-microsoft-com:vml" Requires="v">
-                <p:oleObj spid="_x0000_s9349" name="Equation" r:id="rId5" imgW="672840" imgH="406080" progId="Equation.DSMT4">
+                <p:oleObj spid="_x0000_s9351" name="Equation" r:id="rId5" imgW="672840" imgH="406080" progId="Equation.DSMT4">
                   <p:embed/>
                 </p:oleObj>
               </mc:Choice>
@@ -16307,7 +16307,15 @@
           <a:p>
             <a:r>
               <a:rPr lang="zh-CN" altLang="en-US" dirty="0" smtClean="0"/>
-              <a:t>统计量</a:t>
+              <a:t>统计量：</a:t>
+            </a:r>
+            <a:r>
+              <a:rPr lang="zh-CN" altLang="en-US" dirty="0"/>
+              <a:t>由相关数据生成的不含有任何未知数的数字</a:t>
+            </a:r>
+            <a:r>
+              <a:rPr lang="zh-CN" altLang="en-US" dirty="0" smtClean="0"/>
+              <a:t>。</a:t>
             </a:r>
             <a:endParaRPr lang="en-US" altLang="zh-CN" dirty="0" smtClean="0"/>
           </a:p>
@@ -17351,7 +17359,7 @@
           <a:graphicData uri="http://schemas.openxmlformats.org/presentationml/2006/ole">
             <mc:AlternateContent xmlns:mc="http://schemas.openxmlformats.org/markup-compatibility/2006">
               <mc:Choice xmlns:v="urn:schemas-microsoft-com:vml" Requires="v">
-                <p:oleObj spid="_x0000_s13392" name="Equation" r:id="rId3" imgW="711000" imgH="431640" progId="Equation.DSMT4">
+                <p:oleObj spid="_x0000_s13394" name="Equation" r:id="rId3" imgW="711000" imgH="431640" progId="Equation.DSMT4">
                   <p:embed/>
                 </p:oleObj>
               </mc:Choice>
@@ -17416,7 +17424,7 @@
           <a:graphicData uri="http://schemas.openxmlformats.org/presentationml/2006/ole">
             <mc:AlternateContent xmlns:mc="http://schemas.openxmlformats.org/markup-compatibility/2006">
               <mc:Choice xmlns:v="urn:schemas-microsoft-com:vml" Requires="v">
-                <p:oleObj spid="_x0000_s13393" name="Equation" r:id="rId5" imgW="1701720" imgH="482400" progId="Equation.DSMT4">
+                <p:oleObj spid="_x0000_s13395" name="Equation" r:id="rId5" imgW="1701720" imgH="482400" progId="Equation.DSMT4">
                   <p:embed/>
                 </p:oleObj>
               </mc:Choice>
@@ -18102,7 +18110,7 @@
                 <a:latin typeface="Times New Roman" panose="02020603050405020304" pitchFamily="18" charset="0"/>
               </a:rPr>
               <a:pPr/>
-              <a:t>2017/10/8</a:t>
+              <a:t>2017/10/9</a:t>
             </a:fld>
             <a:endParaRPr lang="en-US" altLang="zh-CN">
               <a:latin typeface="Times New Roman" panose="02020603050405020304" pitchFamily="18" charset="0"/>
@@ -18311,7 +18319,7 @@
           <a:graphicData uri="http://schemas.openxmlformats.org/presentationml/2006/ole">
             <mc:AlternateContent xmlns:mc="http://schemas.openxmlformats.org/markup-compatibility/2006">
               <mc:Choice xmlns:v="urn:schemas-microsoft-com:vml" Requires="v">
-                <p:oleObj spid="_x0000_s18441" name="Equation" r:id="rId4" imgW="3517560" imgH="685800" progId="Equation.DSMT4">
+                <p:oleObj spid="_x0000_s18442" name="Equation" r:id="rId4" imgW="3517560" imgH="685800" progId="Equation.DSMT4">
                   <p:embed/>
                 </p:oleObj>
               </mc:Choice>
@@ -18997,7 +19005,7 @@
                 <a:latin typeface="Times New Roman" panose="02020603050405020304" pitchFamily="18" charset="0"/>
               </a:rPr>
               <a:pPr/>
-              <a:t>2017/10/8</a:t>
+              <a:t>2017/10/9</a:t>
             </a:fld>
             <a:endParaRPr lang="en-US" altLang="zh-CN">
               <a:latin typeface="Times New Roman" panose="02020603050405020304" pitchFamily="18" charset="0"/>
@@ -19316,14 +19324,14 @@
           <a:effectLst/>
           <a:extLst>
             <a:ext uri="{909E8E84-426E-40dd-AFC4-6F175D3DCCD1}">
-              <a14:hiddenFill xmlns:lc="http://schemas.openxmlformats.org/drawingml/2006/lockedCanvas" xmlns:a14="http://schemas.microsoft.com/office/drawing/2010/main" xmlns="">
+              <a14:hiddenFill xmlns="" xmlns:a14="http://schemas.microsoft.com/office/drawing/2010/main" xmlns:lc="http://schemas.openxmlformats.org/drawingml/2006/lockedCanvas">
                 <a:solidFill>
                   <a:schemeClr val="accent1"/>
                 </a:solidFill>
               </a14:hiddenFill>
             </a:ext>
             <a:ext uri="{AF507438-7753-43e0-B8FC-AC1667EBCBE1}">
-              <a14:hiddenEffects xmlns:lc="http://schemas.openxmlformats.org/drawingml/2006/lockedCanvas" xmlns:a14="http://schemas.microsoft.com/office/drawing/2010/main" xmlns="">
+              <a14:hiddenEffects xmlns="" xmlns:a14="http://schemas.microsoft.com/office/drawing/2010/main" xmlns:lc="http://schemas.openxmlformats.org/drawingml/2006/lockedCanvas">
                 <a:effectLst>
                   <a:outerShdw blurRad="63500" dist="12700" dir="2700000" algn="ctr" rotWithShape="0">
                     <a:schemeClr val="hlink">
@@ -21834,7 +21842,7 @@
                 <a:latin typeface="Times New Roman" panose="02020603050405020304" pitchFamily="18" charset="0"/>
               </a:rPr>
               <a:pPr/>
-              <a:t>2017/10/8</a:t>
+              <a:t>2017/10/9</a:t>
             </a:fld>
             <a:endParaRPr lang="en-US" altLang="zh-CN">
               <a:latin typeface="Times New Roman" panose="02020603050405020304" pitchFamily="18" charset="0"/>
@@ -23540,7 +23548,7 @@
           <a:graphicData uri="http://schemas.openxmlformats.org/presentationml/2006/ole">
             <mc:AlternateContent xmlns:mc="http://schemas.openxmlformats.org/markup-compatibility/2006">
               <mc:Choice xmlns:v="urn:schemas-microsoft-com:vml" Requires="v">
-                <p:oleObj spid="_x0000_s14414" name="Equation" r:id="rId4" imgW="990360" imgH="431640" progId="Equation.DSMT4">
+                <p:oleObj spid="_x0000_s14416" name="Equation" r:id="rId4" imgW="990360" imgH="431640" progId="Equation.DSMT4">
                   <p:embed/>
                 </p:oleObj>
               </mc:Choice>
@@ -23605,7 +23613,7 @@
           <a:graphicData uri="http://schemas.openxmlformats.org/presentationml/2006/ole">
             <mc:AlternateContent xmlns:mc="http://schemas.openxmlformats.org/markup-compatibility/2006">
               <mc:Choice xmlns:v="urn:schemas-microsoft-com:vml" Requires="v">
-                <p:oleObj spid="_x0000_s14415" name="Equation" r:id="rId6" imgW="672840" imgH="228600" progId="Equation.DSMT4">
+                <p:oleObj spid="_x0000_s14417" name="Equation" r:id="rId6" imgW="672840" imgH="228600" progId="Equation.DSMT4">
                   <p:embed/>
                 </p:oleObj>
               </mc:Choice>
@@ -24197,7 +24205,7 @@
           <a:graphicData uri="http://schemas.openxmlformats.org/presentationml/2006/ole">
             <mc:AlternateContent xmlns:mc="http://schemas.openxmlformats.org/markup-compatibility/2006">
               <mc:Choice xmlns:v="urn:schemas-microsoft-com:vml" Requires="v">
-                <p:oleObj spid="_x0000_s12381" name="Equation" r:id="rId3" imgW="1155600" imgH="431640" progId="Equation.DSMT4">
+                <p:oleObj spid="_x0000_s12383" name="Equation" r:id="rId3" imgW="1155600" imgH="431640" progId="Equation.DSMT4">
                   <p:embed/>
                 </p:oleObj>
               </mc:Choice>
@@ -24262,7 +24270,7 @@
           <a:graphicData uri="http://schemas.openxmlformats.org/presentationml/2006/ole">
             <mc:AlternateContent xmlns:mc="http://schemas.openxmlformats.org/markup-compatibility/2006">
               <mc:Choice xmlns:v="urn:schemas-microsoft-com:vml" Requires="v">
-                <p:oleObj spid="_x0000_s12382" name="Equation" r:id="rId5" imgW="1257120" imgH="482400" progId="Equation.DSMT4">
+                <p:oleObj spid="_x0000_s12384" name="Equation" r:id="rId5" imgW="1257120" imgH="482400" progId="Equation.DSMT4">
                   <p:embed/>
                 </p:oleObj>
               </mc:Choice>
@@ -24411,13 +24419,8 @@
             <a:pPr algn="ctr"/>
             <a:r>
               <a:rPr lang="zh-CN" altLang="en-US" sz="1200" dirty="0" smtClean="0"/>
-              <a:t>思考</a:t>
-            </a:r>
-            <a:r>
-              <a:rPr lang="zh-CN" altLang="en-US" sz="1200" dirty="0" smtClean="0"/>
-              <a:t>：方差是随机变量吗？服从什么分布？</a:t>
-            </a:r>
-            <a:endParaRPr lang="zh-CN" altLang="en-US" sz="1200" dirty="0" smtClean="0"/>
+              <a:t>思考：方差是随机变量吗？服从什么分布？</a:t>
+            </a:r>
           </a:p>
         </p:txBody>
       </p:sp>
@@ -25547,7 +25550,7 @@
                 <a:latin typeface="Times New Roman" panose="02020603050405020304" pitchFamily="18" charset="0"/>
               </a:rPr>
               <a:pPr/>
-              <a:t>2017/10/8</a:t>
+              <a:t>2017/10/9</a:t>
             </a:fld>
             <a:endParaRPr lang="en-US" altLang="zh-CN" dirty="0">
               <a:latin typeface="Times New Roman" panose="02020603050405020304" pitchFamily="18" charset="0"/>
@@ -25908,7 +25911,7 @@
           <a:graphicData uri="http://schemas.openxmlformats.org/presentationml/2006/ole">
             <mc:AlternateContent xmlns:mc="http://schemas.openxmlformats.org/markup-compatibility/2006">
               <mc:Choice xmlns:v="urn:schemas-microsoft-com:vml" Requires="v">
-                <p:oleObj spid="_x0000_s16421" name="Equation" r:id="rId4" imgW="2514600" imgH="406080" progId="Equation.DSMT4">
+                <p:oleObj spid="_x0000_s16422" name="Equation" r:id="rId4" imgW="2514600" imgH="406080" progId="Equation.DSMT4">
                   <p:embed/>
                 </p:oleObj>
               </mc:Choice>
@@ -26545,7 +26548,7 @@
           <a:graphicData uri="http://schemas.openxmlformats.org/presentationml/2006/ole">
             <mc:AlternateContent xmlns:mc="http://schemas.openxmlformats.org/markup-compatibility/2006">
               <mc:Choice xmlns:v="urn:schemas-microsoft-com:vml" Requires="v">
-                <p:oleObj spid="_x0000_s15395" name="工作表" r:id="rId3" imgW="8505749" imgH="3124200" progId="Excel.Sheet.8">
+                <p:oleObj spid="_x0000_s15396" name="工作表" r:id="rId3" imgW="8505749" imgH="3124200" progId="Excel.Sheet.8">
                   <p:embed/>
                 </p:oleObj>
               </mc:Choice>
@@ -26766,7 +26769,7 @@
                 <a:latin typeface="Times New Roman" panose="02020603050405020304" pitchFamily="18" charset="0"/>
               </a:rPr>
               <a:pPr/>
-              <a:t>2017/10/8</a:t>
+              <a:t>2017/10/9</a:t>
             </a:fld>
             <a:endParaRPr lang="en-US" altLang="zh-CN">
               <a:latin typeface="Times New Roman" panose="02020603050405020304" pitchFamily="18" charset="0"/>
@@ -27159,7 +27162,7 @@
             <a:pPr lvl="1"/>
             <a:r>
               <a:rPr lang="zh-CN" altLang="en-US" dirty="0" smtClean="0"/>
-              <a:t>变量、对象</a:t>
+              <a:t>特征</a:t>
             </a:r>
             <a:endParaRPr lang="en-US" altLang="zh-CN" dirty="0" smtClean="0"/>
           </a:p>
@@ -27167,7 +27170,11 @@
             <a:pPr lvl="1"/>
             <a:r>
               <a:rPr lang="zh-CN" altLang="en-US" dirty="0" smtClean="0"/>
-              <a:t>统计量：由相关数据生成的不含有任何未知数的数字。</a:t>
+              <a:t>变量</a:t>
+            </a:r>
+            <a:r>
+              <a:rPr lang="zh-CN" altLang="en-US" dirty="0" smtClean="0"/>
+              <a:t>、对象</a:t>
             </a:r>
             <a:endParaRPr lang="en-US" altLang="zh-CN" dirty="0" smtClean="0"/>
           </a:p>
@@ -28072,7 +28079,7 @@
           <a:graphicData uri="http://schemas.openxmlformats.org/presentationml/2006/ole">
             <mc:AlternateContent xmlns:mc="http://schemas.openxmlformats.org/markup-compatibility/2006">
               <mc:Choice xmlns:v="urn:schemas-microsoft-com:vml" Requires="v">
-                <p:oleObj spid="_x0000_s17442" name="Equation" r:id="rId3" imgW="1777680" imgH="901440" progId="Equation.DSMT4">
+                <p:oleObj spid="_x0000_s17443" name="Equation" r:id="rId3" imgW="1777680" imgH="901440" progId="Equation.DSMT4">
                   <p:embed/>
                 </p:oleObj>
               </mc:Choice>
@@ -30899,7 +30906,7 @@
           <a:graphicData uri="http://schemas.openxmlformats.org/presentationml/2006/ole">
             <mc:AlternateContent xmlns:mc="http://schemas.openxmlformats.org/markup-compatibility/2006">
               <mc:Choice xmlns:v="urn:schemas-microsoft-com:vml" Requires="v">
-                <p:oleObj spid="_x0000_s6247" name="Equation" r:id="rId3" imgW="634725" imgH="393529" progId="Equation.DSMT4">
+                <p:oleObj spid="_x0000_s6248" name="Equation" r:id="rId3" imgW="634725" imgH="393529" progId="Equation.DSMT4">
                   <p:embed/>
                 </p:oleObj>
               </mc:Choice>
@@ -31592,14 +31599,14 @@
           <a:effectLst/>
           <a:extLst>
             <a:ext uri="{909E8E84-426E-40dd-AFC4-6F175D3DCCD1}">
-              <a14:hiddenFill xmlns:lc="http://schemas.openxmlformats.org/drawingml/2006/lockedCanvas" xmlns:a14="http://schemas.microsoft.com/office/drawing/2010/main" xmlns="">
+              <a14:hiddenFill xmlns="" xmlns:a14="http://schemas.microsoft.com/office/drawing/2010/main" xmlns:lc="http://schemas.openxmlformats.org/drawingml/2006/lockedCanvas">
                 <a:solidFill>
                   <a:schemeClr val="accent1"/>
                 </a:solidFill>
               </a14:hiddenFill>
             </a:ext>
             <a:ext uri="{AF507438-7753-43e0-B8FC-AC1667EBCBE1}">
-              <a14:hiddenEffects xmlns:lc="http://schemas.openxmlformats.org/drawingml/2006/lockedCanvas" xmlns:a14="http://schemas.microsoft.com/office/drawing/2010/main" xmlns="">
+              <a14:hiddenEffects xmlns="" xmlns:a14="http://schemas.microsoft.com/office/drawing/2010/main" xmlns:lc="http://schemas.openxmlformats.org/drawingml/2006/lockedCanvas">
                 <a:effectLst>
                   <a:outerShdw blurRad="63500" dist="12700" dir="2700000" algn="ctr" rotWithShape="0">
                     <a:schemeClr val="hlink">

--- a/数据分析-3-探索性分析.pptx
+++ b/数据分析-3-探索性分析.pptx
@@ -3465,48 +3465,6 @@
         </a:p>
       </dgm:t>
     </dgm:pt>
-    <dgm:pt modelId="{0AB61AB6-3EAF-4873-8C99-F09982F22F3D}">
-      <dgm:prSet/>
-      <dgm:spPr/>
-      <dgm:t>
-        <a:bodyPr/>
-        <a:lstStyle/>
-        <a:p>
-          <a:pPr algn="l"/>
-          <a:r>
-            <a:rPr lang="en-US" altLang="zh-CN" dirty="0" smtClean="0"/>
-            <a:t>	2.3 </a:t>
-          </a:r>
-          <a:r>
-            <a:rPr lang="zh-CN" altLang="en-US" dirty="0" smtClean="0"/>
-            <a:t>数据可视化</a:t>
-          </a:r>
-          <a:endParaRPr lang="zh-CN" altLang="en-US" dirty="0"/>
-        </a:p>
-      </dgm:t>
-    </dgm:pt>
-    <dgm:pt modelId="{75585A5C-31D4-4B0B-958D-F80EE398AB26}" type="parTrans" cxnId="{5BE53524-99DD-41A5-B7B7-2D9FC5EE8756}">
-      <dgm:prSet/>
-      <dgm:spPr/>
-      <dgm:t>
-        <a:bodyPr/>
-        <a:lstStyle/>
-        <a:p>
-          <a:endParaRPr lang="zh-CN" altLang="en-US"/>
-        </a:p>
-      </dgm:t>
-    </dgm:pt>
-    <dgm:pt modelId="{C7E50184-F87F-4112-8414-FDBE48FED6DB}" type="sibTrans" cxnId="{5BE53524-99DD-41A5-B7B7-2D9FC5EE8756}">
-      <dgm:prSet/>
-      <dgm:spPr/>
-      <dgm:t>
-        <a:bodyPr/>
-        <a:lstStyle/>
-        <a:p>
-          <a:endParaRPr lang="zh-CN" altLang="en-US"/>
-        </a:p>
-      </dgm:t>
-    </dgm:pt>
     <dgm:pt modelId="{734EE9E9-6538-4218-AD8B-238CBF9A0C7B}" type="pres">
       <dgm:prSet presAssocID="{A05DD332-9705-499E-8CBD-60C2FBA1C897}" presName="linearFlow" presStyleCnt="0">
         <dgm:presLayoutVars>
@@ -3521,7 +3479,7 @@
       <dgm:spPr/>
     </dgm:pt>
     <dgm:pt modelId="{4E981869-9ACC-4E02-B05A-EBD80BC18352}" type="pres">
-      <dgm:prSet presAssocID="{F5B188DF-E115-4F47-ADFB-2B52765A4B20}" presName="imgShp" presStyleLbl="fgImgPlace1" presStyleIdx="0" presStyleCnt="3"/>
+      <dgm:prSet presAssocID="{F5B188DF-E115-4F47-ADFB-2B52765A4B20}" presName="imgShp" presStyleLbl="fgImgPlace1" presStyleIdx="0" presStyleCnt="2"/>
       <dgm:spPr>
         <a:blipFill>
           <a:blip xmlns:r="http://schemas.openxmlformats.org/officeDocument/2006/relationships" r:embed="rId1" cstate="print">
@@ -3539,7 +3497,7 @@
       </dgm:spPr>
     </dgm:pt>
     <dgm:pt modelId="{F510CF17-E176-483F-998A-05ACF434F243}" type="pres">
-      <dgm:prSet presAssocID="{F5B188DF-E115-4F47-ADFB-2B52765A4B20}" presName="txShp" presStyleLbl="node1" presStyleIdx="0" presStyleCnt="3">
+      <dgm:prSet presAssocID="{F5B188DF-E115-4F47-ADFB-2B52765A4B20}" presName="txShp" presStyleLbl="node1" presStyleIdx="0" presStyleCnt="2">
         <dgm:presLayoutVars>
           <dgm:bulletEnabled val="1"/>
         </dgm:presLayoutVars>
@@ -3562,7 +3520,7 @@
       <dgm:spPr/>
     </dgm:pt>
     <dgm:pt modelId="{68203F67-4478-42A8-8051-917E09981417}" type="pres">
-      <dgm:prSet presAssocID="{A54615C6-1F75-4840-A1B2-F1D9C5DFD90A}" presName="imgShp" presStyleLbl="fgImgPlace1" presStyleIdx="1" presStyleCnt="3"/>
+      <dgm:prSet presAssocID="{A54615C6-1F75-4840-A1B2-F1D9C5DFD90A}" presName="imgShp" presStyleLbl="fgImgPlace1" presStyleIdx="1" presStyleCnt="2"/>
       <dgm:spPr>
         <a:blipFill>
           <a:blip xmlns:r="http://schemas.openxmlformats.org/officeDocument/2006/relationships" r:embed="rId2" cstate="print">
@@ -3580,48 +3538,7 @@
       </dgm:spPr>
     </dgm:pt>
     <dgm:pt modelId="{35187B2E-EAF4-4842-BAF9-213919ED265B}" type="pres">
-      <dgm:prSet presAssocID="{A54615C6-1F75-4840-A1B2-F1D9C5DFD90A}" presName="txShp" presStyleLbl="node1" presStyleIdx="1" presStyleCnt="3">
-        <dgm:presLayoutVars>
-          <dgm:bulletEnabled val="1"/>
-        </dgm:presLayoutVars>
-      </dgm:prSet>
-      <dgm:spPr/>
-      <dgm:t>
-        <a:bodyPr/>
-        <a:lstStyle/>
-        <a:p>
-          <a:endParaRPr lang="zh-CN" altLang="en-US"/>
-        </a:p>
-      </dgm:t>
-    </dgm:pt>
-    <dgm:pt modelId="{84FB3B20-2066-498C-9A4F-F8FA46BAF44C}" type="pres">
-      <dgm:prSet presAssocID="{F781B110-FB2C-4673-81EE-94BC5B69C593}" presName="spacing" presStyleCnt="0"/>
-      <dgm:spPr/>
-    </dgm:pt>
-    <dgm:pt modelId="{D72FC0BB-2C35-4CE2-9378-88A26EEBCD48}" type="pres">
-      <dgm:prSet presAssocID="{0AB61AB6-3EAF-4873-8C99-F09982F22F3D}" presName="composite" presStyleCnt="0"/>
-      <dgm:spPr/>
-    </dgm:pt>
-    <dgm:pt modelId="{79545090-EF85-4690-8898-7FC2C4DDC172}" type="pres">
-      <dgm:prSet presAssocID="{0AB61AB6-3EAF-4873-8C99-F09982F22F3D}" presName="imgShp" presStyleLbl="fgImgPlace1" presStyleIdx="2" presStyleCnt="3"/>
-      <dgm:spPr>
-        <a:blipFill>
-          <a:blip xmlns:r="http://schemas.openxmlformats.org/officeDocument/2006/relationships" r:embed="rId3" cstate="print">
-            <a:extLst>
-              <a:ext uri="{28A0092B-C50C-407E-A947-70E740481C1C}">
-                <a14:useLocalDpi xmlns:a14="http://schemas.microsoft.com/office/drawing/2010/main" val="0"/>
-              </a:ext>
-            </a:extLst>
-          </a:blip>
-          <a:srcRect/>
-          <a:stretch>
-            <a:fillRect l="-67000" r="-67000"/>
-          </a:stretch>
-        </a:blipFill>
-      </dgm:spPr>
-    </dgm:pt>
-    <dgm:pt modelId="{D9C34340-C2C5-4C4C-AF44-4BD0BC01F96E}" type="pres">
-      <dgm:prSet presAssocID="{0AB61AB6-3EAF-4873-8C99-F09982F22F3D}" presName="txShp" presStyleLbl="node1" presStyleIdx="2" presStyleCnt="3">
+      <dgm:prSet presAssocID="{A54615C6-1F75-4840-A1B2-F1D9C5DFD90A}" presName="txShp" presStyleLbl="node1" presStyleIdx="1" presStyleCnt="2">
         <dgm:presLayoutVars>
           <dgm:bulletEnabled val="1"/>
         </dgm:presLayoutVars>
@@ -3638,8 +3555,6 @@
   </dgm:ptLst>
   <dgm:cxnLst>
     <dgm:cxn modelId="{9C92A8FD-9433-47B2-9F19-6A4646F8CAC1}" srcId="{A05DD332-9705-499E-8CBD-60C2FBA1C897}" destId="{F5B188DF-E115-4F47-ADFB-2B52765A4B20}" srcOrd="0" destOrd="0" parTransId="{DBB83AB1-DBAC-456E-A97B-E472E5F86A5A}" sibTransId="{0BE56EDE-20A3-41E6-90AB-68601C4EAA20}"/>
-    <dgm:cxn modelId="{5BE53524-99DD-41A5-B7B7-2D9FC5EE8756}" srcId="{A05DD332-9705-499E-8CBD-60C2FBA1C897}" destId="{0AB61AB6-3EAF-4873-8C99-F09982F22F3D}" srcOrd="2" destOrd="0" parTransId="{75585A5C-31D4-4B0B-958D-F80EE398AB26}" sibTransId="{C7E50184-F87F-4112-8414-FDBE48FED6DB}"/>
-    <dgm:cxn modelId="{E9F7DDA8-8779-4741-B878-7865E914B65C}" type="presOf" srcId="{0AB61AB6-3EAF-4873-8C99-F09982F22F3D}" destId="{D9C34340-C2C5-4C4C-AF44-4BD0BC01F96E}" srcOrd="0" destOrd="0" presId="urn:microsoft.com/office/officeart/2005/8/layout/vList3"/>
     <dgm:cxn modelId="{1B1B148F-343C-4705-BF27-D97F0985B294}" type="presOf" srcId="{A54615C6-1F75-4840-A1B2-F1D9C5DFD90A}" destId="{35187B2E-EAF4-4842-BAF9-213919ED265B}" srcOrd="0" destOrd="0" presId="urn:microsoft.com/office/officeart/2005/8/layout/vList3"/>
     <dgm:cxn modelId="{8B1A65A1-8D51-422F-8357-13E51471ED92}" type="presOf" srcId="{A05DD332-9705-499E-8CBD-60C2FBA1C897}" destId="{734EE9E9-6538-4218-AD8B-238CBF9A0C7B}" srcOrd="0" destOrd="0" presId="urn:microsoft.com/office/officeart/2005/8/layout/vList3"/>
     <dgm:cxn modelId="{35E2B683-E3F9-4557-8379-5A080D77672F}" type="presOf" srcId="{F5B188DF-E115-4F47-ADFB-2B52765A4B20}" destId="{F510CF17-E176-483F-998A-05ACF434F243}" srcOrd="0" destOrd="0" presId="urn:microsoft.com/office/officeart/2005/8/layout/vList3"/>
@@ -3651,10 +3566,6 @@
     <dgm:cxn modelId="{DB5788B1-EB5F-46F6-87F8-AED3C8B99BEB}" type="presParOf" srcId="{734EE9E9-6538-4218-AD8B-238CBF9A0C7B}" destId="{B827A314-6FB7-44FC-8063-58027EFEB2E1}" srcOrd="2" destOrd="0" presId="urn:microsoft.com/office/officeart/2005/8/layout/vList3"/>
     <dgm:cxn modelId="{5F7023F4-5A05-437B-B39D-9A20C88AFD42}" type="presParOf" srcId="{B827A314-6FB7-44FC-8063-58027EFEB2E1}" destId="{68203F67-4478-42A8-8051-917E09981417}" srcOrd="0" destOrd="0" presId="urn:microsoft.com/office/officeart/2005/8/layout/vList3"/>
     <dgm:cxn modelId="{0A7BEE63-7114-4BA9-940A-9EF96B28AEF3}" type="presParOf" srcId="{B827A314-6FB7-44FC-8063-58027EFEB2E1}" destId="{35187B2E-EAF4-4842-BAF9-213919ED265B}" srcOrd="1" destOrd="0" presId="urn:microsoft.com/office/officeart/2005/8/layout/vList3"/>
-    <dgm:cxn modelId="{CBA17339-41AB-4C78-90BB-66605E12FEA7}" type="presParOf" srcId="{734EE9E9-6538-4218-AD8B-238CBF9A0C7B}" destId="{84FB3B20-2066-498C-9A4F-F8FA46BAF44C}" srcOrd="3" destOrd="0" presId="urn:microsoft.com/office/officeart/2005/8/layout/vList3"/>
-    <dgm:cxn modelId="{19E77513-4191-46C8-B824-AB94A37C97AE}" type="presParOf" srcId="{734EE9E9-6538-4218-AD8B-238CBF9A0C7B}" destId="{D72FC0BB-2C35-4CE2-9378-88A26EEBCD48}" srcOrd="4" destOrd="0" presId="urn:microsoft.com/office/officeart/2005/8/layout/vList3"/>
-    <dgm:cxn modelId="{08A13622-40A9-4AAC-A37F-6129FAAD924E}" type="presParOf" srcId="{D72FC0BB-2C35-4CE2-9378-88A26EEBCD48}" destId="{79545090-EF85-4690-8898-7FC2C4DDC172}" srcOrd="0" destOrd="0" presId="urn:microsoft.com/office/officeart/2005/8/layout/vList3"/>
-    <dgm:cxn modelId="{13A803DF-AE74-44D2-872D-292A590F6940}" type="presParOf" srcId="{D72FC0BB-2C35-4CE2-9378-88A26EEBCD48}" destId="{D9C34340-C2C5-4C4C-AF44-4BD0BC01F96E}" srcOrd="1" destOrd="0" presId="urn:microsoft.com/office/officeart/2005/8/layout/vList3"/>
   </dgm:cxnLst>
   <dgm:bg/>
   <dgm:whole/>
@@ -3978,8 +3889,8 @@
       </dsp:nvSpPr>
       <dsp:spPr>
         <a:xfrm rot="10800000">
-          <a:off x="1702017" y="312"/>
-          <a:ext cx="6031309" cy="731411"/>
+          <a:off x="1582958" y="232"/>
+          <a:ext cx="5445478" cy="845413"/>
         </a:xfrm>
         <a:prstGeom prst="homePlate">
           <a:avLst/>
@@ -4021,12 +3932,12 @@
         </a:fontRef>
       </dsp:style>
       <dsp:txBody>
-        <a:bodyPr spcFirstLastPara="0" vert="horz" wrap="square" lIns="322532" tIns="121920" rIns="227584" bIns="121920" numCol="1" spcCol="1270" anchor="ctr" anchorCtr="0">
+        <a:bodyPr spcFirstLastPara="0" vert="horz" wrap="square" lIns="372804" tIns="137160" rIns="256032" bIns="137160" numCol="1" spcCol="1270" anchor="ctr" anchorCtr="0">
           <a:noAutofit/>
         </a:bodyPr>
         <a:lstStyle/>
         <a:p>
-          <a:pPr lvl="0" algn="l" defTabSz="1422400">
+          <a:pPr lvl="0" algn="l" defTabSz="1600200">
             <a:lnSpc>
               <a:spcPct val="90000"/>
             </a:lnSpc>
@@ -4038,19 +3949,19 @@
             </a:spcAft>
           </a:pPr>
           <a:r>
-            <a:rPr lang="en-US" altLang="zh-CN" sz="3200" kern="1200" dirty="0" smtClean="0"/>
+            <a:rPr lang="en-US" altLang="zh-CN" sz="3600" kern="1200" dirty="0" smtClean="0"/>
             <a:t>	2.1 </a:t>
           </a:r>
           <a:r>
-            <a:rPr lang="zh-CN" altLang="en-US" sz="3200" kern="1200" dirty="0" smtClean="0"/>
+            <a:rPr lang="zh-CN" altLang="en-US" sz="3600" kern="1200" dirty="0" smtClean="0"/>
             <a:t>数据预处理</a:t>
           </a:r>
-          <a:endParaRPr lang="zh-CN" altLang="en-US" sz="3200" kern="1200" dirty="0"/>
+          <a:endParaRPr lang="zh-CN" altLang="en-US" sz="3600" kern="1200" dirty="0"/>
         </a:p>
       </dsp:txBody>
       <dsp:txXfrm rot="10800000">
-        <a:off x="1884870" y="312"/>
-        <a:ext cx="5848456" cy="731411"/>
+        <a:off x="1794311" y="232"/>
+        <a:ext cx="5234125" cy="845413"/>
       </dsp:txXfrm>
     </dsp:sp>
     <dsp:sp modelId="{4E981869-9ACC-4E02-B05A-EBD80BC18352}">
@@ -4060,8 +3971,8 @@
       </dsp:nvSpPr>
       <dsp:spPr>
         <a:xfrm>
-          <a:off x="1336311" y="312"/>
-          <a:ext cx="731411" cy="731411"/>
+          <a:off x="1160252" y="232"/>
+          <a:ext cx="845413" cy="845413"/>
         </a:xfrm>
         <a:prstGeom prst="ellipse">
           <a:avLst/>
@@ -4113,8 +4024,8 @@
       </dsp:nvSpPr>
       <dsp:spPr>
         <a:xfrm rot="10800000">
-          <a:off x="1702017" y="914577"/>
-          <a:ext cx="6031309" cy="731411"/>
+          <a:off x="1582958" y="1056999"/>
+          <a:ext cx="5445478" cy="845413"/>
         </a:xfrm>
         <a:prstGeom prst="homePlate">
           <a:avLst/>
@@ -4156,12 +4067,12 @@
         </a:fontRef>
       </dsp:style>
       <dsp:txBody>
-        <a:bodyPr spcFirstLastPara="0" vert="horz" wrap="square" lIns="322532" tIns="121920" rIns="227584" bIns="121920" numCol="1" spcCol="1270" anchor="ctr" anchorCtr="0">
+        <a:bodyPr spcFirstLastPara="0" vert="horz" wrap="square" lIns="372804" tIns="137160" rIns="256032" bIns="137160" numCol="1" spcCol="1270" anchor="ctr" anchorCtr="0">
           <a:noAutofit/>
         </a:bodyPr>
         <a:lstStyle/>
         <a:p>
-          <a:pPr lvl="0" algn="l" defTabSz="1422400">
+          <a:pPr lvl="0" algn="l" defTabSz="1600200">
             <a:lnSpc>
               <a:spcPct val="90000"/>
             </a:lnSpc>
@@ -4173,19 +4084,19 @@
             </a:spcAft>
           </a:pPr>
           <a:r>
-            <a:rPr lang="en-US" altLang="zh-CN" sz="3200" kern="1200" dirty="0" smtClean="0"/>
+            <a:rPr lang="en-US" altLang="zh-CN" sz="3600" kern="1200" dirty="0" smtClean="0"/>
             <a:t>	2.2 </a:t>
           </a:r>
           <a:r>
-            <a:rPr lang="zh-CN" altLang="en-US" sz="3200" kern="1200" dirty="0" smtClean="0"/>
+            <a:rPr lang="zh-CN" altLang="en-US" sz="3600" kern="1200" dirty="0" smtClean="0"/>
             <a:t>统计描述</a:t>
           </a:r>
-          <a:endParaRPr lang="zh-CN" altLang="en-US" sz="3200" kern="1200" dirty="0"/>
+          <a:endParaRPr lang="zh-CN" altLang="en-US" sz="3600" kern="1200" dirty="0"/>
         </a:p>
       </dsp:txBody>
       <dsp:txXfrm rot="10800000">
-        <a:off x="1884870" y="914577"/>
-        <a:ext cx="5848456" cy="731411"/>
+        <a:off x="1794311" y="1056999"/>
+        <a:ext cx="5234125" cy="845413"/>
       </dsp:txXfrm>
     </dsp:sp>
     <dsp:sp modelId="{68203F67-4478-42A8-8051-917E09981417}">
@@ -4195,8 +4106,8 @@
       </dsp:nvSpPr>
       <dsp:spPr>
         <a:xfrm>
-          <a:off x="1336311" y="914577"/>
-          <a:ext cx="731411" cy="731411"/>
+          <a:off x="1160252" y="1056999"/>
+          <a:ext cx="845413" cy="845413"/>
         </a:xfrm>
         <a:prstGeom prst="ellipse">
           <a:avLst/>
@@ -4212,141 +4123,6 @@
           <a:srcRect/>
           <a:stretch>
             <a:fillRect l="-17000" r="-17000"/>
-          </a:stretch>
-        </a:blipFill>
-        <a:ln w="15875" cap="flat" cmpd="sng" algn="ctr">
-          <a:solidFill>
-            <a:schemeClr val="dk1">
-              <a:shade val="80000"/>
-              <a:hueOff val="0"/>
-              <a:satOff val="0"/>
-              <a:lumOff val="0"/>
-              <a:alphaOff val="0"/>
-            </a:schemeClr>
-          </a:solidFill>
-          <a:prstDash val="solid"/>
-        </a:ln>
-        <a:effectLst/>
-      </dsp:spPr>
-      <dsp:style>
-        <a:lnRef idx="2">
-          <a:scrgbClr r="0" g="0" b="0"/>
-        </a:lnRef>
-        <a:fillRef idx="1">
-          <a:scrgbClr r="0" g="0" b="0"/>
-        </a:fillRef>
-        <a:effectRef idx="0">
-          <a:scrgbClr r="0" g="0" b="0"/>
-        </a:effectRef>
-        <a:fontRef idx="minor"/>
-      </dsp:style>
-    </dsp:sp>
-    <dsp:sp modelId="{D9C34340-C2C5-4C4C-AF44-4BD0BC01F96E}">
-      <dsp:nvSpPr>
-        <dsp:cNvPr id="0" name=""/>
-        <dsp:cNvSpPr/>
-      </dsp:nvSpPr>
-      <dsp:spPr>
-        <a:xfrm rot="10800000">
-          <a:off x="1702017" y="1828842"/>
-          <a:ext cx="6031309" cy="731411"/>
-        </a:xfrm>
-        <a:prstGeom prst="homePlate">
-          <a:avLst/>
-        </a:prstGeom>
-        <a:solidFill>
-          <a:schemeClr val="lt1">
-            <a:hueOff val="0"/>
-            <a:satOff val="0"/>
-            <a:lumOff val="0"/>
-            <a:alphaOff val="0"/>
-          </a:schemeClr>
-        </a:solidFill>
-        <a:ln w="15875" cap="flat" cmpd="sng" algn="ctr">
-          <a:solidFill>
-            <a:schemeClr val="dk1">
-              <a:shade val="80000"/>
-              <a:hueOff val="0"/>
-              <a:satOff val="0"/>
-              <a:lumOff val="0"/>
-              <a:alphaOff val="0"/>
-            </a:schemeClr>
-          </a:solidFill>
-          <a:prstDash val="solid"/>
-        </a:ln>
-        <a:effectLst/>
-      </dsp:spPr>
-      <dsp:style>
-        <a:lnRef idx="2">
-          <a:scrgbClr r="0" g="0" b="0"/>
-        </a:lnRef>
-        <a:fillRef idx="1">
-          <a:scrgbClr r="0" g="0" b="0"/>
-        </a:fillRef>
-        <a:effectRef idx="0">
-          <a:scrgbClr r="0" g="0" b="0"/>
-        </a:effectRef>
-        <a:fontRef idx="minor">
-          <a:schemeClr val="lt1"/>
-        </a:fontRef>
-      </dsp:style>
-      <dsp:txBody>
-        <a:bodyPr spcFirstLastPara="0" vert="horz" wrap="square" lIns="322532" tIns="121920" rIns="227584" bIns="121920" numCol="1" spcCol="1270" anchor="ctr" anchorCtr="0">
-          <a:noAutofit/>
-        </a:bodyPr>
-        <a:lstStyle/>
-        <a:p>
-          <a:pPr lvl="0" algn="l" defTabSz="1422400">
-            <a:lnSpc>
-              <a:spcPct val="90000"/>
-            </a:lnSpc>
-            <a:spcBef>
-              <a:spcPct val="0"/>
-            </a:spcBef>
-            <a:spcAft>
-              <a:spcPct val="35000"/>
-            </a:spcAft>
-          </a:pPr>
-          <a:r>
-            <a:rPr lang="en-US" altLang="zh-CN" sz="3200" kern="1200" dirty="0" smtClean="0"/>
-            <a:t>	2.3 </a:t>
-          </a:r>
-          <a:r>
-            <a:rPr lang="zh-CN" altLang="en-US" sz="3200" kern="1200" dirty="0" smtClean="0"/>
-            <a:t>数据可视化</a:t>
-          </a:r>
-          <a:endParaRPr lang="zh-CN" altLang="en-US" sz="3200" kern="1200" dirty="0"/>
-        </a:p>
-      </dsp:txBody>
-      <dsp:txXfrm rot="10800000">
-        <a:off x="1884870" y="1828842"/>
-        <a:ext cx="5848456" cy="731411"/>
-      </dsp:txXfrm>
-    </dsp:sp>
-    <dsp:sp modelId="{79545090-EF85-4690-8898-7FC2C4DDC172}">
-      <dsp:nvSpPr>
-        <dsp:cNvPr id="0" name=""/>
-        <dsp:cNvSpPr/>
-      </dsp:nvSpPr>
-      <dsp:spPr>
-        <a:xfrm>
-          <a:off x="1336311" y="1828842"/>
-          <a:ext cx="731411" cy="731411"/>
-        </a:xfrm>
-        <a:prstGeom prst="ellipse">
-          <a:avLst/>
-        </a:prstGeom>
-        <a:blipFill>
-          <a:blip xmlns:r="http://schemas.openxmlformats.org/officeDocument/2006/relationships" r:embed="rId3" cstate="print">
-            <a:extLst>
-              <a:ext uri="{28A0092B-C50C-407E-A947-70E740481C1C}">
-                <a14:useLocalDpi xmlns:a14="http://schemas.microsoft.com/office/drawing/2010/main" val="0"/>
-              </a:ext>
-            </a:extLst>
-          </a:blip>
-          <a:srcRect/>
-          <a:stretch>
-            <a:fillRect l="-67000" r="-67000"/>
           </a:stretch>
         </a:blipFill>
         <a:ln w="15875" cap="flat" cmpd="sng" algn="ctr">
@@ -9664,7 +9440,7 @@
           <a:p>
             <a:fld id="{A4A2E15E-7EB3-4355-8E66-2746E283E2DA}" type="datetimeFigureOut">
               <a:rPr lang="zh-CN" altLang="en-US" smtClean="0"/>
-              <a:t>2017/10/9</a:t>
+              <a:t>2017/10/15</a:t>
             </a:fld>
             <a:endParaRPr lang="zh-CN" altLang="en-US"/>
           </a:p>
@@ -10414,7 +10190,7 @@
           <a:p>
             <a:fld id="{EF74752D-595C-4659-BCD6-E2B54286D359}" type="datetimeFigureOut">
               <a:rPr lang="zh-CN" altLang="en-US" smtClean="0"/>
-              <a:t>2017/10/9</a:t>
+              <a:t>2017/10/15</a:t>
             </a:fld>
             <a:endParaRPr lang="zh-CN" altLang="en-US"/>
           </a:p>
@@ -10622,7 +10398,7 @@
           <a:p>
             <a:fld id="{EF74752D-595C-4659-BCD6-E2B54286D359}" type="datetimeFigureOut">
               <a:rPr lang="zh-CN" altLang="en-US" smtClean="0"/>
-              <a:t>2017/10/9</a:t>
+              <a:t>2017/10/15</a:t>
             </a:fld>
             <a:endParaRPr lang="zh-CN" altLang="en-US"/>
           </a:p>
@@ -10878,7 +10654,7 @@
           <a:p>
             <a:fld id="{EF74752D-595C-4659-BCD6-E2B54286D359}" type="datetimeFigureOut">
               <a:rPr lang="zh-CN" altLang="en-US" smtClean="0"/>
-              <a:t>2017/10/9</a:t>
+              <a:t>2017/10/15</a:t>
             </a:fld>
             <a:endParaRPr lang="zh-CN" altLang="en-US"/>
           </a:p>
@@ -11127,7 +10903,7 @@
               <a:pPr>
                 <a:defRPr/>
               </a:pPr>
-              <a:t>2017/10/9</a:t>
+              <a:t>2017/10/15</a:t>
             </a:fld>
             <a:endParaRPr lang="en-US" altLang="zh-CN"/>
           </a:p>
@@ -11453,7 +11229,7 @@
               <a:pPr>
                 <a:defRPr/>
               </a:pPr>
-              <a:t>2017/10/9</a:t>
+              <a:t>2017/10/15</a:t>
             </a:fld>
             <a:endParaRPr lang="en-US" altLang="zh-CN"/>
           </a:p>
@@ -11672,7 +11448,7 @@
           <a:p>
             <a:fld id="{EF74752D-595C-4659-BCD6-E2B54286D359}" type="datetimeFigureOut">
               <a:rPr lang="zh-CN" altLang="en-US" smtClean="0"/>
-              <a:t>2017/10/9</a:t>
+              <a:t>2017/10/15</a:t>
             </a:fld>
             <a:endParaRPr lang="zh-CN" altLang="en-US"/>
           </a:p>
@@ -12014,7 +11790,7 @@
           <a:p>
             <a:fld id="{EF74752D-595C-4659-BCD6-E2B54286D359}" type="datetimeFigureOut">
               <a:rPr lang="zh-CN" altLang="en-US" smtClean="0"/>
-              <a:t>2017/10/9</a:t>
+              <a:t>2017/10/15</a:t>
             </a:fld>
             <a:endParaRPr lang="zh-CN" altLang="en-US"/>
           </a:p>
@@ -12289,7 +12065,7 @@
           <a:p>
             <a:fld id="{EF74752D-595C-4659-BCD6-E2B54286D359}" type="datetimeFigureOut">
               <a:rPr lang="zh-CN" altLang="en-US" smtClean="0"/>
-              <a:t>2017/10/9</a:t>
+              <a:t>2017/10/15</a:t>
             </a:fld>
             <a:endParaRPr lang="zh-CN" altLang="en-US"/>
           </a:p>
@@ -12668,7 +12444,7 @@
           <a:p>
             <a:fld id="{EF74752D-595C-4659-BCD6-E2B54286D359}" type="datetimeFigureOut">
               <a:rPr lang="zh-CN" altLang="en-US" smtClean="0"/>
-              <a:t>2017/10/9</a:t>
+              <a:t>2017/10/15</a:t>
             </a:fld>
             <a:endParaRPr lang="zh-CN" altLang="en-US"/>
           </a:p>
@@ -12786,7 +12562,7 @@
           <a:p>
             <a:fld id="{EF74752D-595C-4659-BCD6-E2B54286D359}" type="datetimeFigureOut">
               <a:rPr lang="zh-CN" altLang="en-US" smtClean="0"/>
-              <a:t>2017/10/9</a:t>
+              <a:t>2017/10/15</a:t>
             </a:fld>
             <a:endParaRPr lang="zh-CN" altLang="en-US"/>
           </a:p>
@@ -12957,7 +12733,7 @@
           <a:p>
             <a:fld id="{EF74752D-595C-4659-BCD6-E2B54286D359}" type="datetimeFigureOut">
               <a:rPr lang="zh-CN" altLang="en-US" smtClean="0"/>
-              <a:t>2017/10/9</a:t>
+              <a:t>2017/10/15</a:t>
             </a:fld>
             <a:endParaRPr lang="zh-CN" altLang="en-US"/>
           </a:p>
@@ -13311,7 +13087,7 @@
           <a:p>
             <a:fld id="{EF74752D-595C-4659-BCD6-E2B54286D359}" type="datetimeFigureOut">
               <a:rPr lang="zh-CN" altLang="en-US" smtClean="0"/>
-              <a:t>2017/10/9</a:t>
+              <a:t>2017/10/15</a:t>
             </a:fld>
             <a:endParaRPr lang="zh-CN" altLang="en-US"/>
           </a:p>
@@ -13693,7 +13469,7 @@
           <a:p>
             <a:fld id="{EF74752D-595C-4659-BCD6-E2B54286D359}" type="datetimeFigureOut">
               <a:rPr lang="zh-CN" altLang="en-US" smtClean="0"/>
-              <a:t>2017/10/9</a:t>
+              <a:t>2017/10/15</a:t>
             </a:fld>
             <a:endParaRPr lang="zh-CN" altLang="en-US"/>
           </a:p>
@@ -13980,7 +13756,7 @@
           <a:p>
             <a:fld id="{EF74752D-595C-4659-BCD6-E2B54286D359}" type="datetimeFigureOut">
               <a:rPr lang="zh-CN" altLang="en-US" smtClean="0"/>
-              <a:t>2017/10/9</a:t>
+              <a:t>2017/10/15</a:t>
             </a:fld>
             <a:endParaRPr lang="zh-CN" altLang="en-US"/>
           </a:p>
@@ -14797,7 +14573,7 @@
           <a:graphicData uri="http://schemas.openxmlformats.org/presentationml/2006/ole">
             <mc:AlternateContent xmlns:mc="http://schemas.openxmlformats.org/markup-compatibility/2006">
               <mc:Choice xmlns:v="urn:schemas-microsoft-com:vml" Requires="v">
-                <p:oleObj spid="_x0000_s9350" name="Equation" r:id="rId3" imgW="1155600" imgH="393480" progId="Equation.DSMT4">
+                <p:oleObj spid="_x0000_s9356" name="Equation" r:id="rId3" imgW="1155600" imgH="393480" progId="Equation.DSMT4">
                   <p:embed/>
                 </p:oleObj>
               </mc:Choice>
@@ -14854,7 +14630,7 @@
           <a:graphicData uri="http://schemas.openxmlformats.org/presentationml/2006/ole">
             <mc:AlternateContent xmlns:mc="http://schemas.openxmlformats.org/markup-compatibility/2006">
               <mc:Choice xmlns:v="urn:schemas-microsoft-com:vml" Requires="v">
-                <p:oleObj spid="_x0000_s9351" name="Equation" r:id="rId5" imgW="672840" imgH="406080" progId="Equation.DSMT4">
+                <p:oleObj spid="_x0000_s9357" name="Equation" r:id="rId5" imgW="672840" imgH="406080" progId="Equation.DSMT4">
                   <p:embed/>
                 </p:oleObj>
               </mc:Choice>
@@ -17359,7 +17135,7 @@
           <a:graphicData uri="http://schemas.openxmlformats.org/presentationml/2006/ole">
             <mc:AlternateContent xmlns:mc="http://schemas.openxmlformats.org/markup-compatibility/2006">
               <mc:Choice xmlns:v="urn:schemas-microsoft-com:vml" Requires="v">
-                <p:oleObj spid="_x0000_s13394" name="Equation" r:id="rId3" imgW="711000" imgH="431640" progId="Equation.DSMT4">
+                <p:oleObj spid="_x0000_s13400" name="Equation" r:id="rId3" imgW="711000" imgH="431640" progId="Equation.DSMT4">
                   <p:embed/>
                 </p:oleObj>
               </mc:Choice>
@@ -17424,7 +17200,7 @@
           <a:graphicData uri="http://schemas.openxmlformats.org/presentationml/2006/ole">
             <mc:AlternateContent xmlns:mc="http://schemas.openxmlformats.org/markup-compatibility/2006">
               <mc:Choice xmlns:v="urn:schemas-microsoft-com:vml" Requires="v">
-                <p:oleObj spid="_x0000_s13395" name="Equation" r:id="rId5" imgW="1701720" imgH="482400" progId="Equation.DSMT4">
+                <p:oleObj spid="_x0000_s13401" name="Equation" r:id="rId5" imgW="1701720" imgH="482400" progId="Equation.DSMT4">
                   <p:embed/>
                 </p:oleObj>
               </mc:Choice>
@@ -18110,7 +17886,7 @@
                 <a:latin typeface="Times New Roman" panose="02020603050405020304" pitchFamily="18" charset="0"/>
               </a:rPr>
               <a:pPr/>
-              <a:t>2017/10/9</a:t>
+              <a:t>2017/10/15</a:t>
             </a:fld>
             <a:endParaRPr lang="en-US" altLang="zh-CN">
               <a:latin typeface="Times New Roman" panose="02020603050405020304" pitchFamily="18" charset="0"/>
@@ -18319,7 +18095,7 @@
           <a:graphicData uri="http://schemas.openxmlformats.org/presentationml/2006/ole">
             <mc:AlternateContent xmlns:mc="http://schemas.openxmlformats.org/markup-compatibility/2006">
               <mc:Choice xmlns:v="urn:schemas-microsoft-com:vml" Requires="v">
-                <p:oleObj spid="_x0000_s18442" name="Equation" r:id="rId4" imgW="3517560" imgH="685800" progId="Equation.DSMT4">
+                <p:oleObj spid="_x0000_s18445" name="Equation" r:id="rId4" imgW="3517560" imgH="685800" progId="Equation.DSMT4">
                   <p:embed/>
                 </p:oleObj>
               </mc:Choice>
@@ -19005,7 +18781,7 @@
                 <a:latin typeface="Times New Roman" panose="02020603050405020304" pitchFamily="18" charset="0"/>
               </a:rPr>
               <a:pPr/>
-              <a:t>2017/10/9</a:t>
+              <a:t>2017/10/15</a:t>
             </a:fld>
             <a:endParaRPr lang="en-US" altLang="zh-CN">
               <a:latin typeface="Times New Roman" panose="02020603050405020304" pitchFamily="18" charset="0"/>
@@ -21211,14 +20987,14 @@
             <p:ph idx="1"/>
             <p:extLst>
               <p:ext uri="{D42A27DB-BD31-4B8C-83A1-F6EECF244321}">
-                <p14:modId xmlns:p14="http://schemas.microsoft.com/office/powerpoint/2010/main" val="2378869192"/>
+                <p14:modId xmlns:p14="http://schemas.microsoft.com/office/powerpoint/2010/main" val="1896727968"/>
               </p:ext>
             </p:extLst>
           </p:nvPr>
         </p:nvGraphicFramePr>
         <p:xfrm>
-          <a:off x="1323300" y="1855316"/>
-          <a:ext cx="9069638" cy="2560567"/>
+          <a:off x="1836256" y="2412877"/>
+          <a:ext cx="8188690" cy="1902645"/>
         </p:xfrm>
         <a:graphic>
           <a:graphicData uri="http://schemas.openxmlformats.org/drawingml/2006/diagram">
@@ -21842,7 +21618,7 @@
                 <a:latin typeface="Times New Roman" panose="02020603050405020304" pitchFamily="18" charset="0"/>
               </a:rPr>
               <a:pPr/>
-              <a:t>2017/10/9</a:t>
+              <a:t>2017/10/15</a:t>
             </a:fld>
             <a:endParaRPr lang="en-US" altLang="zh-CN">
               <a:latin typeface="Times New Roman" panose="02020603050405020304" pitchFamily="18" charset="0"/>
@@ -23548,7 +23324,7 @@
           <a:graphicData uri="http://schemas.openxmlformats.org/presentationml/2006/ole">
             <mc:AlternateContent xmlns:mc="http://schemas.openxmlformats.org/markup-compatibility/2006">
               <mc:Choice xmlns:v="urn:schemas-microsoft-com:vml" Requires="v">
-                <p:oleObj spid="_x0000_s14416" name="Equation" r:id="rId4" imgW="990360" imgH="431640" progId="Equation.DSMT4">
+                <p:oleObj spid="_x0000_s14422" name="Equation" r:id="rId4" imgW="990360" imgH="431640" progId="Equation.DSMT4">
                   <p:embed/>
                 </p:oleObj>
               </mc:Choice>
@@ -23613,7 +23389,7 @@
           <a:graphicData uri="http://schemas.openxmlformats.org/presentationml/2006/ole">
             <mc:AlternateContent xmlns:mc="http://schemas.openxmlformats.org/markup-compatibility/2006">
               <mc:Choice xmlns:v="urn:schemas-microsoft-com:vml" Requires="v">
-                <p:oleObj spid="_x0000_s14417" name="Equation" r:id="rId6" imgW="672840" imgH="228600" progId="Equation.DSMT4">
+                <p:oleObj spid="_x0000_s14423" name="Equation" r:id="rId6" imgW="672840" imgH="228600" progId="Equation.DSMT4">
                   <p:embed/>
                 </p:oleObj>
               </mc:Choice>
@@ -24205,7 +23981,7 @@
           <a:graphicData uri="http://schemas.openxmlformats.org/presentationml/2006/ole">
             <mc:AlternateContent xmlns:mc="http://schemas.openxmlformats.org/markup-compatibility/2006">
               <mc:Choice xmlns:v="urn:schemas-microsoft-com:vml" Requires="v">
-                <p:oleObj spid="_x0000_s12383" name="Equation" r:id="rId3" imgW="1155600" imgH="431640" progId="Equation.DSMT4">
+                <p:oleObj spid="_x0000_s12389" name="Equation" r:id="rId3" imgW="1155600" imgH="431640" progId="Equation.DSMT4">
                   <p:embed/>
                 </p:oleObj>
               </mc:Choice>
@@ -24270,7 +24046,7 @@
           <a:graphicData uri="http://schemas.openxmlformats.org/presentationml/2006/ole">
             <mc:AlternateContent xmlns:mc="http://schemas.openxmlformats.org/markup-compatibility/2006">
               <mc:Choice xmlns:v="urn:schemas-microsoft-com:vml" Requires="v">
-                <p:oleObj spid="_x0000_s12384" name="Equation" r:id="rId5" imgW="1257120" imgH="482400" progId="Equation.DSMT4">
+                <p:oleObj spid="_x0000_s12390" name="Equation" r:id="rId5" imgW="1257120" imgH="482400" progId="Equation.DSMT4">
                   <p:embed/>
                 </p:oleObj>
               </mc:Choice>
@@ -24855,8 +24631,13 @@
             </a:r>
             <a:r>
               <a:rPr lang="zh-CN" altLang="en-US" dirty="0"/>
-              <a:t>绝对偏差、四分位数极差：</a:t>
-            </a:r>
+              <a:t>绝对偏差、四分位数</a:t>
+            </a:r>
+            <a:r>
+              <a:rPr lang="zh-CN" altLang="en-US" dirty="0" smtClean="0"/>
+              <a:t>极差：</a:t>
+            </a:r>
+            <a:endParaRPr lang="zh-CN" altLang="en-US" dirty="0"/>
           </a:p>
           <a:p>
             <a:endParaRPr lang="zh-CN" altLang="en-US" dirty="0"/>
@@ -24967,6 +24748,36 @@
           </a:extLst>
         </p:spPr>
       </p:pic>
+      <p:sp>
+        <p:nvSpPr>
+          <p:cNvPr id="4" name="文本框 3"/>
+          <p:cNvSpPr txBox="1"/>
+          <p:nvPr/>
+        </p:nvSpPr>
+        <p:spPr>
+          <a:xfrm>
+            <a:off x="1538868" y="4153813"/>
+            <a:ext cx="1107996" cy="369332"/>
+          </a:xfrm>
+          <a:prstGeom prst="rect">
+            <a:avLst/>
+          </a:prstGeom>
+          <a:noFill/>
+        </p:spPr>
+        <p:txBody>
+          <a:bodyPr wrap="none" rtlCol="0">
+            <a:spAutoFit/>
+          </a:bodyPr>
+          <a:lstStyle/>
+          <a:p>
+            <a:r>
+              <a:rPr lang="zh-CN" altLang="en-US" dirty="0" smtClean="0"/>
+              <a:t>四分位距</a:t>
+            </a:r>
+            <a:endParaRPr lang="zh-CN" altLang="en-US" dirty="0"/>
+          </a:p>
+        </p:txBody>
+      </p:sp>
     </p:spTree>
     <p:extLst>
       <p:ext uri="{BB962C8B-B14F-4D97-AF65-F5344CB8AC3E}">
@@ -25550,7 +25361,7 @@
                 <a:latin typeface="Times New Roman" panose="02020603050405020304" pitchFamily="18" charset="0"/>
               </a:rPr>
               <a:pPr/>
-              <a:t>2017/10/9</a:t>
+              <a:t>2017/10/15</a:t>
             </a:fld>
             <a:endParaRPr lang="en-US" altLang="zh-CN" dirty="0">
               <a:latin typeface="Times New Roman" panose="02020603050405020304" pitchFamily="18" charset="0"/>
@@ -25911,7 +25722,7 @@
           <a:graphicData uri="http://schemas.openxmlformats.org/presentationml/2006/ole">
             <mc:AlternateContent xmlns:mc="http://schemas.openxmlformats.org/markup-compatibility/2006">
               <mc:Choice xmlns:v="urn:schemas-microsoft-com:vml" Requires="v">
-                <p:oleObj spid="_x0000_s16422" name="Equation" r:id="rId4" imgW="2514600" imgH="406080" progId="Equation.DSMT4">
+                <p:oleObj spid="_x0000_s16425" name="Equation" r:id="rId4" imgW="2514600" imgH="406080" progId="Equation.DSMT4">
                   <p:embed/>
                 </p:oleObj>
               </mc:Choice>
@@ -26548,7 +26359,7 @@
           <a:graphicData uri="http://schemas.openxmlformats.org/presentationml/2006/ole">
             <mc:AlternateContent xmlns:mc="http://schemas.openxmlformats.org/markup-compatibility/2006">
               <mc:Choice xmlns:v="urn:schemas-microsoft-com:vml" Requires="v">
-                <p:oleObj spid="_x0000_s15396" name="工作表" r:id="rId3" imgW="8505749" imgH="3124200" progId="Excel.Sheet.8">
+                <p:oleObj spid="_x0000_s15399" name="工作表" r:id="rId3" imgW="8505749" imgH="3124200" progId="Excel.Sheet.8">
                   <p:embed/>
                 </p:oleObj>
               </mc:Choice>
@@ -26769,7 +26580,7 @@
                 <a:latin typeface="Times New Roman" panose="02020603050405020304" pitchFamily="18" charset="0"/>
               </a:rPr>
               <a:pPr/>
-              <a:t>2017/10/9</a:t>
+              <a:t>2017/10/15</a:t>
             </a:fld>
             <a:endParaRPr lang="en-US" altLang="zh-CN">
               <a:latin typeface="Times New Roman" panose="02020603050405020304" pitchFamily="18" charset="0"/>
@@ -27170,11 +26981,7 @@
             <a:pPr lvl="1"/>
             <a:r>
               <a:rPr lang="zh-CN" altLang="en-US" dirty="0" smtClean="0"/>
-              <a:t>变量</a:t>
-            </a:r>
-            <a:r>
-              <a:rPr lang="zh-CN" altLang="en-US" dirty="0" smtClean="0"/>
-              <a:t>、对象</a:t>
+              <a:t>变量、对象</a:t>
             </a:r>
             <a:endParaRPr lang="en-US" altLang="zh-CN" dirty="0" smtClean="0"/>
           </a:p>
@@ -28079,7 +27886,7 @@
           <a:graphicData uri="http://schemas.openxmlformats.org/presentationml/2006/ole">
             <mc:AlternateContent xmlns:mc="http://schemas.openxmlformats.org/markup-compatibility/2006">
               <mc:Choice xmlns:v="urn:schemas-microsoft-com:vml" Requires="v">
-                <p:oleObj spid="_x0000_s17443" name="Equation" r:id="rId3" imgW="1777680" imgH="901440" progId="Equation.DSMT4">
+                <p:oleObj spid="_x0000_s17446" name="Equation" r:id="rId3" imgW="1777680" imgH="901440" progId="Equation.DSMT4">
                   <p:embed/>
                 </p:oleObj>
               </mc:Choice>
@@ -30906,7 +30713,7 @@
           <a:graphicData uri="http://schemas.openxmlformats.org/presentationml/2006/ole">
             <mc:AlternateContent xmlns:mc="http://schemas.openxmlformats.org/markup-compatibility/2006">
               <mc:Choice xmlns:v="urn:schemas-microsoft-com:vml" Requires="v">
-                <p:oleObj spid="_x0000_s6248" name="Equation" r:id="rId3" imgW="634725" imgH="393529" progId="Equation.DSMT4">
+                <p:oleObj spid="_x0000_s6251" name="Equation" r:id="rId3" imgW="634725" imgH="393529" progId="Equation.DSMT4">
                   <p:embed/>
                 </p:oleObj>
               </mc:Choice>
